--- a/30_day_readmission.pptx
+++ b/30_day_readmission.pptx
@@ -5,43 +5,49 @@
     <p:sldMasterId id="2147483687" r:id="rId1"/>
   </p:sldMasterIdLst>
   <p:notesMasterIdLst>
-    <p:notesMasterId r:id="rId36"/>
+    <p:notesMasterId r:id="rId42"/>
   </p:notesMasterIdLst>
   <p:sldIdLst>
     <p:sldId id="264" r:id="rId2"/>
     <p:sldId id="267" r:id="rId3"/>
-    <p:sldId id="256" r:id="rId4"/>
-    <p:sldId id="257" r:id="rId5"/>
-    <p:sldId id="278" r:id="rId6"/>
-    <p:sldId id="279" r:id="rId7"/>
-    <p:sldId id="258" r:id="rId8"/>
-    <p:sldId id="259" r:id="rId9"/>
-    <p:sldId id="266" r:id="rId10"/>
-    <p:sldId id="260" r:id="rId11"/>
-    <p:sldId id="261" r:id="rId12"/>
-    <p:sldId id="265" r:id="rId13"/>
-    <p:sldId id="270" r:id="rId14"/>
-    <p:sldId id="272" r:id="rId15"/>
-    <p:sldId id="277" r:id="rId16"/>
-    <p:sldId id="280" r:id="rId17"/>
-    <p:sldId id="271" r:id="rId18"/>
-    <p:sldId id="281" r:id="rId19"/>
-    <p:sldId id="273" r:id="rId20"/>
-    <p:sldId id="274" r:id="rId21"/>
-    <p:sldId id="275" r:id="rId22"/>
-    <p:sldId id="282" r:id="rId23"/>
-    <p:sldId id="276" r:id="rId24"/>
-    <p:sldId id="285" r:id="rId25"/>
-    <p:sldId id="289" r:id="rId26"/>
-    <p:sldId id="283" r:id="rId27"/>
-    <p:sldId id="290" r:id="rId28"/>
-    <p:sldId id="284" r:id="rId29"/>
-    <p:sldId id="286" r:id="rId30"/>
-    <p:sldId id="287" r:id="rId31"/>
-    <p:sldId id="268" r:id="rId32"/>
-    <p:sldId id="288" r:id="rId33"/>
-    <p:sldId id="269" r:id="rId34"/>
-    <p:sldId id="263" r:id="rId35"/>
+    <p:sldId id="291" r:id="rId4"/>
+    <p:sldId id="256" r:id="rId5"/>
+    <p:sldId id="257" r:id="rId6"/>
+    <p:sldId id="278" r:id="rId7"/>
+    <p:sldId id="279" r:id="rId8"/>
+    <p:sldId id="258" r:id="rId9"/>
+    <p:sldId id="259" r:id="rId10"/>
+    <p:sldId id="266" r:id="rId11"/>
+    <p:sldId id="260" r:id="rId12"/>
+    <p:sldId id="261" r:id="rId13"/>
+    <p:sldId id="265" r:id="rId14"/>
+    <p:sldId id="270" r:id="rId15"/>
+    <p:sldId id="272" r:id="rId16"/>
+    <p:sldId id="277" r:id="rId17"/>
+    <p:sldId id="280" r:id="rId18"/>
+    <p:sldId id="271" r:id="rId19"/>
+    <p:sldId id="281" r:id="rId20"/>
+    <p:sldId id="273" r:id="rId21"/>
+    <p:sldId id="274" r:id="rId22"/>
+    <p:sldId id="275" r:id="rId23"/>
+    <p:sldId id="282" r:id="rId24"/>
+    <p:sldId id="276" r:id="rId25"/>
+    <p:sldId id="285" r:id="rId26"/>
+    <p:sldId id="289" r:id="rId27"/>
+    <p:sldId id="283" r:id="rId28"/>
+    <p:sldId id="290" r:id="rId29"/>
+    <p:sldId id="284" r:id="rId30"/>
+    <p:sldId id="286" r:id="rId31"/>
+    <p:sldId id="292" r:id="rId32"/>
+    <p:sldId id="294" r:id="rId33"/>
+    <p:sldId id="295" r:id="rId34"/>
+    <p:sldId id="296" r:id="rId35"/>
+    <p:sldId id="287" r:id="rId36"/>
+    <p:sldId id="293" r:id="rId37"/>
+    <p:sldId id="268" r:id="rId38"/>
+    <p:sldId id="288" r:id="rId39"/>
+    <p:sldId id="269" r:id="rId40"/>
+    <p:sldId id="263" r:id="rId41"/>
   </p:sldIdLst>
   <p:sldSz cx="12192000" cy="6858000"/>
   <p:notesSz cx="6858000" cy="9144000"/>
@@ -151,11 +157,7 @@
 <file path=ppt/commentAuthors.xml><?xml version="1.0" encoding="utf-8"?>
 <p:cmAuthorLst xmlns:a="http://schemas.openxmlformats.org/drawingml/2006/main" xmlns:r="http://schemas.openxmlformats.org/officeDocument/2006/relationships" xmlns:p="http://schemas.openxmlformats.org/presentationml/2006/main">
   <p:cmAuthor id="1" name="A K M Tanzir Hasan" initials="AKMTH" lastIdx="1" clrIdx="0">
-    <p:extLst>
-      <p:ext uri="{19B8F6BF-5375-455C-9EA6-DF929625EA0E}">
-        <p15:presenceInfo xmlns:p15="http://schemas.microsoft.com/office/powerpoint/2012/main" userId="" providerId=""/>
-      </p:ext>
-    </p:extLst>
+    <p:extLst/>
   </p:cmAuthor>
 </p:cmAuthorLst>
 </file>
@@ -242,7 +244,7 @@
           <a:p>
             <a:fld id="{6353B3A7-B3F5-B64A-A2A8-84834FE5989E}" type="datetimeFigureOut">
               <a:rPr lang="en-US" smtClean="0"/>
-              <a:t>5/23/17</a:t>
+              <a:t>5/29/17</a:t>
             </a:fld>
             <a:endParaRPr lang="en-US"/>
           </a:p>
@@ -575,7 +577,7 @@
           <a:p>
             <a:fld id="{80CD9A3C-FB9A-F949-BDA1-6B8D208611BC}" type="slidenum">
               <a:rPr lang="en-US" smtClean="0"/>
-              <a:t>7</a:t>
+              <a:t>8</a:t>
             </a:fld>
             <a:endParaRPr lang="en-US"/>
           </a:p>
@@ -659,7 +661,7 @@
           <a:p>
             <a:fld id="{80CD9A3C-FB9A-F949-BDA1-6B8D208611BC}" type="slidenum">
               <a:rPr lang="en-US" smtClean="0"/>
-              <a:t>13</a:t>
+              <a:t>14</a:t>
             </a:fld>
             <a:endParaRPr lang="en-US"/>
           </a:p>
@@ -903,7 +905,7 @@
             <a:fld id="{B61BEF0D-F0BB-DE4B-95CE-6DB70DBA9567}" type="datetimeFigureOut">
               <a:rPr lang="en-US" smtClean="0"/>
               <a:pPr/>
-              <a:t>5/17/17</a:t>
+              <a:t>5/29/17</a:t>
             </a:fld>
             <a:endParaRPr lang="en-US"/>
           </a:p>
@@ -1239,7 +1241,7 @@
             <a:fld id="{B61BEF0D-F0BB-DE4B-95CE-6DB70DBA9567}" type="datetimeFigureOut">
               <a:rPr lang="en-US" smtClean="0"/>
               <a:pPr/>
-              <a:t>5/17/17</a:t>
+              <a:t>5/29/17</a:t>
             </a:fld>
             <a:endParaRPr lang="en-US"/>
           </a:p>
@@ -1519,7 +1521,7 @@
             <a:fld id="{B61BEF0D-F0BB-DE4B-95CE-6DB70DBA9567}" type="datetimeFigureOut">
               <a:rPr lang="en-US" smtClean="0"/>
               <a:pPr/>
-              <a:t>5/17/17</a:t>
+              <a:t>5/29/17</a:t>
             </a:fld>
             <a:endParaRPr lang="en-US"/>
           </a:p>
@@ -2089,7 +2091,7 @@
             <a:fld id="{B61BEF0D-F0BB-DE4B-95CE-6DB70DBA9567}" type="datetimeFigureOut">
               <a:rPr lang="en-US" smtClean="0"/>
               <a:pPr/>
-              <a:t>5/17/17</a:t>
+              <a:t>5/29/17</a:t>
             </a:fld>
             <a:endParaRPr lang="en-US"/>
           </a:p>
@@ -2369,7 +2371,7 @@
             <a:fld id="{B61BEF0D-F0BB-DE4B-95CE-6DB70DBA9567}" type="datetimeFigureOut">
               <a:rPr lang="en-US" smtClean="0"/>
               <a:pPr/>
-              <a:t>5/17/17</a:t>
+              <a:t>5/29/17</a:t>
             </a:fld>
             <a:endParaRPr lang="en-US"/>
           </a:p>
@@ -2933,7 +2935,7 @@
             <a:fld id="{B61BEF0D-F0BB-DE4B-95CE-6DB70DBA9567}" type="datetimeFigureOut">
               <a:rPr lang="en-US" smtClean="0"/>
               <a:pPr/>
-              <a:t>5/17/17</a:t>
+              <a:t>5/29/17</a:t>
             </a:fld>
             <a:endParaRPr lang="en-US"/>
           </a:p>
@@ -3262,7 +3264,7 @@
             <a:fld id="{B61BEF0D-F0BB-DE4B-95CE-6DB70DBA9567}" type="datetimeFigureOut">
               <a:rPr lang="en-US" smtClean="0"/>
               <a:pPr/>
-              <a:t>5/17/17</a:t>
+              <a:t>5/29/17</a:t>
             </a:fld>
             <a:endParaRPr lang="en-US"/>
           </a:p>
@@ -3469,7 +3471,7 @@
             <a:fld id="{B61BEF0D-F0BB-DE4B-95CE-6DB70DBA9567}" type="datetimeFigureOut">
               <a:rPr lang="en-US" smtClean="0"/>
               <a:pPr/>
-              <a:t>5/17/17</a:t>
+              <a:t>5/29/17</a:t>
             </a:fld>
             <a:endParaRPr lang="en-US"/>
           </a:p>
@@ -3681,7 +3683,7 @@
             <a:fld id="{B61BEF0D-F0BB-DE4B-95CE-6DB70DBA9567}" type="datetimeFigureOut">
               <a:rPr lang="en-US" smtClean="0"/>
               <a:pPr/>
-              <a:t>5/17/17</a:t>
+              <a:t>5/29/17</a:t>
             </a:fld>
             <a:endParaRPr lang="en-US"/>
           </a:p>
@@ -3883,7 +3885,7 @@
             <a:fld id="{B61BEF0D-F0BB-DE4B-95CE-6DB70DBA9567}" type="datetimeFigureOut">
               <a:rPr lang="en-US" smtClean="0"/>
               <a:pPr/>
-              <a:t>5/17/17</a:t>
+              <a:t>5/29/17</a:t>
             </a:fld>
             <a:endParaRPr lang="en-US"/>
           </a:p>
@@ -4161,7 +4163,7 @@
             <a:fld id="{B61BEF0D-F0BB-DE4B-95CE-6DB70DBA9567}" type="datetimeFigureOut">
               <a:rPr lang="en-US" smtClean="0"/>
               <a:pPr/>
-              <a:t>5/17/17</a:t>
+              <a:t>5/29/17</a:t>
             </a:fld>
             <a:endParaRPr lang="en-US"/>
           </a:p>
@@ -4429,7 +4431,7 @@
             <a:fld id="{B61BEF0D-F0BB-DE4B-95CE-6DB70DBA9567}" type="datetimeFigureOut">
               <a:rPr lang="en-US" smtClean="0"/>
               <a:pPr/>
-              <a:t>5/17/17</a:t>
+              <a:t>5/29/17</a:t>
             </a:fld>
             <a:endParaRPr lang="en-US"/>
           </a:p>
@@ -4805,7 +4807,7 @@
             <a:fld id="{B61BEF0D-F0BB-DE4B-95CE-6DB70DBA9567}" type="datetimeFigureOut">
               <a:rPr lang="en-US" smtClean="0"/>
               <a:pPr/>
-              <a:t>5/17/17</a:t>
+              <a:t>5/29/17</a:t>
             </a:fld>
             <a:endParaRPr lang="en-US"/>
           </a:p>
@@ -4955,7 +4957,7 @@
             <a:fld id="{B61BEF0D-F0BB-DE4B-95CE-6DB70DBA9567}" type="datetimeFigureOut">
               <a:rPr lang="en-US" smtClean="0"/>
               <a:pPr/>
-              <a:t>5/17/17</a:t>
+              <a:t>5/29/17</a:t>
             </a:fld>
             <a:endParaRPr lang="en-US"/>
           </a:p>
@@ -5082,7 +5084,7 @@
             <a:fld id="{B61BEF0D-F0BB-DE4B-95CE-6DB70DBA9567}" type="datetimeFigureOut">
               <a:rPr lang="en-US" smtClean="0"/>
               <a:pPr/>
-              <a:t>5/17/17</a:t>
+              <a:t>5/29/17</a:t>
             </a:fld>
             <a:endParaRPr lang="en-US"/>
           </a:p>
@@ -5369,7 +5371,7 @@
             <a:fld id="{B61BEF0D-F0BB-DE4B-95CE-6DB70DBA9567}" type="datetimeFigureOut">
               <a:rPr lang="en-US" smtClean="0"/>
               <a:pPr/>
-              <a:t>5/17/17</a:t>
+              <a:t>5/29/17</a:t>
             </a:fld>
             <a:endParaRPr lang="en-US"/>
           </a:p>
@@ -5695,7 +5697,7 @@
             <a:fld id="{B61BEF0D-F0BB-DE4B-95CE-6DB70DBA9567}" type="datetimeFigureOut">
               <a:rPr lang="en-US" smtClean="0"/>
               <a:pPr/>
-              <a:t>5/17/17</a:t>
+              <a:t>5/29/17</a:t>
             </a:fld>
             <a:endParaRPr lang="en-US"/>
           </a:p>
@@ -5941,7 +5943,7 @@
             <a:fld id="{B61BEF0D-F0BB-DE4B-95CE-6DB70DBA9567}" type="datetimeFigureOut">
               <a:rPr lang="en-US" smtClean="0"/>
               <a:pPr/>
-              <a:t>5/17/17</a:t>
+              <a:t>5/29/17</a:t>
             </a:fld>
             <a:endParaRPr lang="en-US"/>
           </a:p>
@@ -6591,10 +6593,10 @@
           <a:lstStyle/>
           <a:p>
             <a:r>
-              <a:rPr lang="en-US" smtClean="0"/>
-              <a:t>List of variables </a:t>
-            </a:r>
-            <a:endParaRPr lang="en-US"/>
+              <a:rPr lang="en-US" dirty="0" smtClean="0"/>
+              <a:t>Sample size  and character </a:t>
+            </a:r>
+            <a:endParaRPr lang="en-US" dirty="0"/>
           </a:p>
         </p:txBody>
       </p:sp>
@@ -6608,130 +6610,85 @@
             <p:ph idx="1"/>
           </p:nvPr>
         </p:nvSpPr>
-        <p:spPr>
-          <a:xfrm>
-            <a:off x="1506071" y="2142068"/>
-            <a:ext cx="9311155" cy="2519580"/>
-          </a:xfrm>
-        </p:spPr>
-        <p:txBody>
-          <a:bodyPr numCol="2">
-            <a:normAutofit/>
-          </a:bodyPr>
-          <a:lstStyle/>
-          <a:p>
-            <a:pPr marL="342900" indent="-342900">
-              <a:buFont typeface="+mj-lt"/>
-              <a:buAutoNum type="arabicPeriod"/>
+        <p:spPr/>
+        <p:txBody>
+          <a:bodyPr/>
+          <a:lstStyle/>
+          <a:p>
+            <a:pPr>
+              <a:lnSpc>
+                <a:spcPct val="200000"/>
+              </a:lnSpc>
             </a:pPr>
             <a:r>
-              <a:rPr lang="en-US" smtClean="0"/>
-              <a:t>Race</a:t>
-            </a:r>
-          </a:p>
-          <a:p>
-            <a:pPr marL="342900" indent="-342900">
-              <a:buFont typeface="+mj-lt"/>
-              <a:buAutoNum type="arabicPeriod"/>
+              <a:rPr lang="en-US" dirty="0" smtClean="0"/>
+              <a:t>8786 patients were in the study cohort.</a:t>
+            </a:r>
+          </a:p>
+          <a:p>
+            <a:pPr>
+              <a:lnSpc>
+                <a:spcPct val="200000"/>
+              </a:lnSpc>
             </a:pPr>
             <a:r>
-              <a:rPr lang="en-US" smtClean="0"/>
-              <a:t>Gender</a:t>
-            </a:r>
-          </a:p>
-          <a:p>
-            <a:pPr marL="342900" indent="-342900">
-              <a:buFont typeface="+mj-lt"/>
-              <a:buAutoNum type="arabicPeriod"/>
+              <a:rPr lang="en-US" dirty="0" smtClean="0"/>
+              <a:t>Among the patients 3083 were female and 5703 were male</a:t>
+            </a:r>
+          </a:p>
+          <a:p>
+            <a:pPr>
+              <a:lnSpc>
+                <a:spcPct val="200000"/>
+              </a:lnSpc>
             </a:pPr>
             <a:r>
-              <a:rPr lang="en-US" smtClean="0"/>
-              <a:t>Zip code</a:t>
-            </a:r>
-          </a:p>
-          <a:p>
-            <a:pPr marL="342900" indent="-342900">
-              <a:buFont typeface="+mj-lt"/>
-              <a:buAutoNum type="arabicPeriod"/>
+              <a:rPr lang="en-US" dirty="0" smtClean="0"/>
+              <a:t>The age of the patients were between 14 and 100 with mean age of 53</a:t>
+            </a:r>
+          </a:p>
+          <a:p>
+            <a:pPr>
+              <a:lnSpc>
+                <a:spcPct val="200000"/>
+              </a:lnSpc>
             </a:pPr>
             <a:r>
-              <a:rPr lang="en-US" smtClean="0"/>
-              <a:t>Total length of stay</a:t>
-            </a:r>
-          </a:p>
-          <a:p>
-            <a:pPr marL="342900" indent="-342900">
-              <a:buFont typeface="+mj-lt"/>
-              <a:buAutoNum type="arabicPeriod"/>
-            </a:pPr>
-            <a:r>
-              <a:rPr lang="en-US" smtClean="0"/>
-              <a:t>Interval between two admission</a:t>
-            </a:r>
-          </a:p>
-          <a:p>
-            <a:pPr marL="342900" indent="-342900">
-              <a:buFont typeface="+mj-lt"/>
-              <a:buAutoNum type="arabicPeriod"/>
-            </a:pPr>
-            <a:r>
-              <a:rPr lang="en-US" smtClean="0"/>
-              <a:t>Hospital service</a:t>
-            </a:r>
-          </a:p>
-          <a:p>
-            <a:pPr marL="342900" indent="-342900">
-              <a:buFont typeface="+mj-lt"/>
-              <a:buAutoNum type="arabicPeriod"/>
-            </a:pPr>
-            <a:r>
-              <a:rPr lang="en-US" smtClean="0"/>
-              <a:t>Language </a:t>
-            </a:r>
-          </a:p>
-          <a:p>
-            <a:pPr marL="342900" indent="-342900">
-              <a:buFont typeface="+mj-lt"/>
-              <a:buAutoNum type="arabicPeriod"/>
-            </a:pPr>
-            <a:r>
-              <a:rPr lang="en-US" smtClean="0"/>
-              <a:t>Primary discharge diagnosis</a:t>
-            </a:r>
-          </a:p>
-          <a:p>
-            <a:pPr marL="342900" indent="-342900">
-              <a:buFont typeface="+mj-lt"/>
-              <a:buAutoNum type="arabicPeriod"/>
-            </a:pPr>
-            <a:r>
-              <a:rPr lang="en-US" smtClean="0"/>
-              <a:t>Hemoglobin level before discharge</a:t>
-            </a:r>
-          </a:p>
-          <a:p>
-            <a:pPr marL="342900" indent="-342900">
-              <a:buFont typeface="+mj-lt"/>
-              <a:buAutoNum type="arabicPeriod"/>
-            </a:pPr>
-            <a:r>
-              <a:rPr lang="en-US" smtClean="0"/>
-              <a:t>Sodium level before discharge</a:t>
-            </a:r>
-          </a:p>
-          <a:p>
-            <a:pPr marL="342900" indent="-342900">
-              <a:buFont typeface="+mj-lt"/>
-              <a:buAutoNum type="arabicPeriod"/>
-            </a:pPr>
-            <a:endParaRPr lang="en-US"/>
+              <a:rPr lang="en-US" dirty="0" smtClean="0"/>
+              <a:t>Among the patients 30.6% were White, 24.7% were  </a:t>
+            </a:r>
+            <a:r>
+              <a:rPr lang="en-US" dirty="0"/>
+              <a:t>African </a:t>
+            </a:r>
+            <a:r>
+              <a:rPr lang="en-US" dirty="0" smtClean="0"/>
+              <a:t>American, 25% other race, 16.7%               Asian, 1%  </a:t>
+            </a:r>
+            <a:r>
+              <a:rPr lang="en-US" dirty="0"/>
+              <a:t>American </a:t>
+            </a:r>
+            <a:r>
+              <a:rPr lang="en-US" dirty="0" smtClean="0"/>
+              <a:t>Indian, 1.6%  </a:t>
+            </a:r>
+            <a:r>
+              <a:rPr lang="en-US" dirty="0"/>
+              <a:t>Pacific </a:t>
+            </a:r>
+            <a:r>
+              <a:rPr lang="en-US" dirty="0" smtClean="0"/>
+              <a:t>Islander and rest declined to specify their race.</a:t>
+            </a:r>
+            <a:endParaRPr lang="en-US" dirty="0"/>
           </a:p>
         </p:txBody>
       </p:sp>
     </p:spTree>
     <p:extLst>
       <p:ext uri="{BB962C8B-B14F-4D97-AF65-F5344CB8AC3E}">
-        <p14:creationId xmlns:p14="http://schemas.microsoft.com/office/powerpoint/2010/main" val="686705589"/>
+        <p14:creationId xmlns:p14="http://schemas.microsoft.com/office/powerpoint/2010/main" val="1508441475"/>
       </p:ext>
     </p:extLst>
   </p:cSld>
@@ -6782,7 +6739,7 @@
           <a:p>
             <a:r>
               <a:rPr lang="en-US" smtClean="0"/>
-              <a:t>Modification of variables</a:t>
+              <a:t>List of variables </a:t>
             </a:r>
             <a:endParaRPr lang="en-US"/>
           </a:p>
@@ -6798,110 +6755,130 @@
             <p:ph idx="1"/>
           </p:nvPr>
         </p:nvSpPr>
-        <p:spPr/>
-        <p:txBody>
-          <a:bodyPr/>
-          <a:lstStyle/>
-          <a:p>
-            <a:pPr>
-              <a:lnSpc>
-                <a:spcPct val="200000"/>
-              </a:lnSpc>
+        <p:spPr>
+          <a:xfrm>
+            <a:off x="1506071" y="2142068"/>
+            <a:ext cx="9311155" cy="2519580"/>
+          </a:xfrm>
+        </p:spPr>
+        <p:txBody>
+          <a:bodyPr numCol="2">
+            <a:normAutofit/>
+          </a:bodyPr>
+          <a:lstStyle/>
+          <a:p>
+            <a:pPr marL="342900" indent="-342900">
+              <a:buFont typeface="+mj-lt"/>
+              <a:buAutoNum type="arabicPeriod"/>
             </a:pPr>
             <a:r>
-              <a:rPr lang="en-US" dirty="0" smtClean="0"/>
-              <a:t>The variable Zip code was grouped </a:t>
-            </a:r>
-            <a:r>
-              <a:rPr lang="en-US" dirty="0" smtClean="0"/>
-              <a:t>county wise in 12 groups</a:t>
-            </a:r>
-            <a:r>
-              <a:rPr lang="en-US" dirty="0" smtClean="0"/>
-              <a:t> and a group was made for homeless.</a:t>
-            </a:r>
-          </a:p>
-          <a:p>
-            <a:pPr>
-              <a:lnSpc>
-                <a:spcPct val="200000"/>
-              </a:lnSpc>
+              <a:rPr lang="en-US" smtClean="0"/>
+              <a:t>Race</a:t>
+            </a:r>
+          </a:p>
+          <a:p>
+            <a:pPr marL="342900" indent="-342900">
+              <a:buFont typeface="+mj-lt"/>
+              <a:buAutoNum type="arabicPeriod"/>
             </a:pPr>
             <a:r>
-              <a:rPr lang="en-US" dirty="0" smtClean="0"/>
-              <a:t>The Zip code </a:t>
-            </a:r>
-            <a:r>
-              <a:rPr lang="ru-RU" dirty="0"/>
-              <a:t>"</a:t>
-            </a:r>
-            <a:r>
-              <a:rPr lang="ru-RU" dirty="0" smtClean="0"/>
-              <a:t>99997”</a:t>
-            </a:r>
-            <a:r>
-              <a:rPr lang="en-US" dirty="0" smtClean="0"/>
-              <a:t>, </a:t>
-            </a:r>
-            <a:r>
-              <a:rPr lang="ru-RU" dirty="0"/>
-              <a:t>"</a:t>
-            </a:r>
-            <a:r>
-              <a:rPr lang="ru-RU" dirty="0" smtClean="0"/>
-              <a:t>9999</a:t>
-            </a:r>
-            <a:r>
-              <a:rPr lang="en-US" dirty="0" smtClean="0"/>
-              <a:t>8</a:t>
-            </a:r>
-            <a:r>
-              <a:rPr lang="ru-RU" dirty="0" smtClean="0"/>
-              <a:t>”</a:t>
-            </a:r>
-            <a:r>
-              <a:rPr lang="en-US" dirty="0" smtClean="0"/>
-              <a:t> and </a:t>
-            </a:r>
-            <a:r>
-              <a:rPr lang="ru-RU" dirty="0"/>
-              <a:t>"</a:t>
-            </a:r>
-            <a:r>
-              <a:rPr lang="ru-RU" dirty="0" smtClean="0"/>
-              <a:t>9999</a:t>
-            </a:r>
-            <a:r>
-              <a:rPr lang="en-US" dirty="0" smtClean="0"/>
-              <a:t>9</a:t>
-            </a:r>
-            <a:r>
-              <a:rPr lang="ru-RU" dirty="0" smtClean="0"/>
-              <a:t>”</a:t>
-            </a:r>
-            <a:r>
-              <a:rPr lang="en-US" dirty="0" smtClean="0"/>
-              <a:t> were codes for homeless.</a:t>
-            </a:r>
-          </a:p>
-          <a:p>
-            <a:pPr>
-              <a:lnSpc>
-                <a:spcPct val="200000"/>
-              </a:lnSpc>
+              <a:rPr lang="en-US" smtClean="0"/>
+              <a:t>Gender</a:t>
+            </a:r>
+          </a:p>
+          <a:p>
+            <a:pPr marL="342900" indent="-342900">
+              <a:buFont typeface="+mj-lt"/>
+              <a:buAutoNum type="arabicPeriod"/>
             </a:pPr>
             <a:r>
-              <a:rPr lang="en-US" dirty="0" smtClean="0"/>
-              <a:t>Depending on the homelessness a new variable was created named homelessness.</a:t>
-            </a:r>
-            <a:endParaRPr lang="en-US" dirty="0"/>
+              <a:rPr lang="en-US" smtClean="0"/>
+              <a:t>Zip code</a:t>
+            </a:r>
+          </a:p>
+          <a:p>
+            <a:pPr marL="342900" indent="-342900">
+              <a:buFont typeface="+mj-lt"/>
+              <a:buAutoNum type="arabicPeriod"/>
+            </a:pPr>
+            <a:r>
+              <a:rPr lang="en-US" smtClean="0"/>
+              <a:t>Total length of stay</a:t>
+            </a:r>
+          </a:p>
+          <a:p>
+            <a:pPr marL="342900" indent="-342900">
+              <a:buFont typeface="+mj-lt"/>
+              <a:buAutoNum type="arabicPeriod"/>
+            </a:pPr>
+            <a:r>
+              <a:rPr lang="en-US" smtClean="0"/>
+              <a:t>Interval between two admission</a:t>
+            </a:r>
+          </a:p>
+          <a:p>
+            <a:pPr marL="342900" indent="-342900">
+              <a:buFont typeface="+mj-lt"/>
+              <a:buAutoNum type="arabicPeriod"/>
+            </a:pPr>
+            <a:r>
+              <a:rPr lang="en-US" smtClean="0"/>
+              <a:t>Hospital service</a:t>
+            </a:r>
+          </a:p>
+          <a:p>
+            <a:pPr marL="342900" indent="-342900">
+              <a:buFont typeface="+mj-lt"/>
+              <a:buAutoNum type="arabicPeriod"/>
+            </a:pPr>
+            <a:r>
+              <a:rPr lang="en-US" smtClean="0"/>
+              <a:t>Language </a:t>
+            </a:r>
+          </a:p>
+          <a:p>
+            <a:pPr marL="342900" indent="-342900">
+              <a:buFont typeface="+mj-lt"/>
+              <a:buAutoNum type="arabicPeriod"/>
+            </a:pPr>
+            <a:r>
+              <a:rPr lang="en-US" smtClean="0"/>
+              <a:t>Primary discharge diagnosis</a:t>
+            </a:r>
+          </a:p>
+          <a:p>
+            <a:pPr marL="342900" indent="-342900">
+              <a:buFont typeface="+mj-lt"/>
+              <a:buAutoNum type="arabicPeriod"/>
+            </a:pPr>
+            <a:r>
+              <a:rPr lang="en-US" smtClean="0"/>
+              <a:t>Hemoglobin level before discharge</a:t>
+            </a:r>
+          </a:p>
+          <a:p>
+            <a:pPr marL="342900" indent="-342900">
+              <a:buFont typeface="+mj-lt"/>
+              <a:buAutoNum type="arabicPeriod"/>
+            </a:pPr>
+            <a:r>
+              <a:rPr lang="en-US" smtClean="0"/>
+              <a:t>Sodium level before discharge</a:t>
+            </a:r>
+          </a:p>
+          <a:p>
+            <a:pPr marL="342900" indent="-342900">
+              <a:buFont typeface="+mj-lt"/>
+              <a:buAutoNum type="arabicPeriod"/>
+            </a:pPr>
+            <a:endParaRPr lang="en-US"/>
           </a:p>
         </p:txBody>
       </p:sp>
     </p:spTree>
     <p:extLst>
       <p:ext uri="{BB962C8B-B14F-4D97-AF65-F5344CB8AC3E}">
-        <p14:creationId xmlns:p14="http://schemas.microsoft.com/office/powerpoint/2010/main" val="1781284138"/>
+        <p14:creationId xmlns:p14="http://schemas.microsoft.com/office/powerpoint/2010/main" val="686705589"/>
       </p:ext>
     </p:extLst>
   </p:cSld>
@@ -6951,9 +6928,10 @@
           <a:lstStyle/>
           <a:p>
             <a:r>
-              <a:rPr lang="en-US"/>
+              <a:rPr lang="en-US" smtClean="0"/>
               <a:t>Modification of variables</a:t>
             </a:r>
+            <a:endParaRPr lang="en-US"/>
           </a:p>
         </p:txBody>
       </p:sp>
@@ -6979,7 +6957,7 @@
             </a:pPr>
             <a:r>
               <a:rPr lang="en-US" dirty="0" smtClean="0"/>
-              <a:t>The primary discharge diagnosis were in ICD-9 and ICD-10 codes.</a:t>
+              <a:t>The variable Zip code was grouped county wise in 12 groups and a group was made for homeless.</a:t>
             </a:r>
           </a:p>
           <a:p>
@@ -6990,7 +6968,59 @@
             </a:pPr>
             <a:r>
               <a:rPr lang="en-US" dirty="0" smtClean="0"/>
-              <a:t>For consistency we converted all ICD-9 codes to ICD-10 codes. </a:t>
+              <a:t>The Zip code </a:t>
+            </a:r>
+            <a:r>
+              <a:rPr lang="ru-RU" dirty="0"/>
+              <a:t>"</a:t>
+            </a:r>
+            <a:r>
+              <a:rPr lang="ru-RU" dirty="0" smtClean="0"/>
+              <a:t>99997”</a:t>
+            </a:r>
+            <a:r>
+              <a:rPr lang="en-US" dirty="0" smtClean="0"/>
+              <a:t>, </a:t>
+            </a:r>
+            <a:r>
+              <a:rPr lang="ru-RU" dirty="0"/>
+              <a:t>"</a:t>
+            </a:r>
+            <a:r>
+              <a:rPr lang="ru-RU" dirty="0" smtClean="0"/>
+              <a:t>9999</a:t>
+            </a:r>
+            <a:r>
+              <a:rPr lang="en-US" dirty="0" smtClean="0"/>
+              <a:t>8</a:t>
+            </a:r>
+            <a:r>
+              <a:rPr lang="ru-RU" dirty="0" smtClean="0"/>
+              <a:t>”</a:t>
+            </a:r>
+            <a:r>
+              <a:rPr lang="en-US" dirty="0" smtClean="0"/>
+              <a:t> and </a:t>
+            </a:r>
+            <a:r>
+              <a:rPr lang="ru-RU" dirty="0"/>
+              <a:t>"</a:t>
+            </a:r>
+            <a:r>
+              <a:rPr lang="ru-RU" dirty="0" smtClean="0"/>
+              <a:t>9999</a:t>
+            </a:r>
+            <a:r>
+              <a:rPr lang="en-US" dirty="0" smtClean="0"/>
+              <a:t>9</a:t>
+            </a:r>
+            <a:r>
+              <a:rPr lang="ru-RU" dirty="0" smtClean="0"/>
+              <a:t>”</a:t>
+            </a:r>
+            <a:r>
+              <a:rPr lang="en-US" dirty="0" smtClean="0"/>
+              <a:t> were codes for homeless.</a:t>
             </a:r>
           </a:p>
           <a:p>
@@ -7001,45 +7031,7 @@
             </a:pPr>
             <a:r>
               <a:rPr lang="en-US" dirty="0" smtClean="0"/>
-              <a:t>For </a:t>
-            </a:r>
-            <a:r>
-              <a:rPr lang="en-US" dirty="0"/>
-              <a:t>conversion of the </a:t>
-            </a:r>
-            <a:r>
-              <a:rPr lang="en-US" dirty="0" smtClean="0"/>
-              <a:t>code we used converter available in </a:t>
-            </a:r>
-            <a:r>
-              <a:rPr lang="en-US" dirty="0" smtClean="0">
-                <a:hlinkClick r:id="rId2"/>
-              </a:rPr>
-              <a:t>http</a:t>
-            </a:r>
-            <a:r>
-              <a:rPr lang="en-US" dirty="0">
-                <a:hlinkClick r:id="rId2"/>
-              </a:rPr>
-              <a:t>://</a:t>
-            </a:r>
-            <a:r>
-              <a:rPr lang="en-US" dirty="0" smtClean="0">
-                <a:hlinkClick r:id="rId2"/>
-              </a:rPr>
-              <a:t>www.icd10data.com</a:t>
-            </a:r>
-            <a:endParaRPr lang="en-US" dirty="0" smtClean="0"/>
-          </a:p>
-          <a:p>
-            <a:pPr>
-              <a:lnSpc>
-                <a:spcPct val="200000"/>
-              </a:lnSpc>
-            </a:pPr>
-            <a:r>
-              <a:rPr lang="en-US" dirty="0" smtClean="0"/>
-              <a:t>We then grouped the diagnosis depending on the diseases of different body systems.</a:t>
+              <a:t>Depending on the homelessness a new variable was created named homelessness.</a:t>
             </a:r>
             <a:endParaRPr lang="en-US" dirty="0"/>
           </a:p>
@@ -7048,7 +7040,7 @@
     </p:spTree>
     <p:extLst>
       <p:ext uri="{BB962C8B-B14F-4D97-AF65-F5344CB8AC3E}">
-        <p14:creationId xmlns:p14="http://schemas.microsoft.com/office/powerpoint/2010/main" val="1155648146"/>
+        <p14:creationId xmlns:p14="http://schemas.microsoft.com/office/powerpoint/2010/main" val="1781284138"/>
       </p:ext>
     </p:extLst>
   </p:cSld>
@@ -7098,10 +7090,9 @@
           <a:lstStyle/>
           <a:p>
             <a:r>
-              <a:rPr lang="en-US" dirty="0" smtClean="0"/>
-              <a:t>Results</a:t>
-            </a:r>
-            <a:endParaRPr lang="en-US" dirty="0"/>
+              <a:rPr lang="en-US"/>
+              <a:t>Modification of variables</a:t>
+            </a:r>
           </a:p>
         </p:txBody>
       </p:sp>
@@ -7127,7 +7118,7 @@
             </a:pPr>
             <a:r>
               <a:rPr lang="en-US" dirty="0" smtClean="0"/>
-              <a:t>Among the 8786 patients 2034 (23.15%) readmission case within 30 days of discharge were identified.</a:t>
+              <a:t>The primary discharge diagnosis were in ICD-9 and ICD-10 codes.</a:t>
             </a:r>
           </a:p>
           <a:p>
@@ -7138,11 +7129,56 @@
             </a:pPr>
             <a:r>
               <a:rPr lang="en-US" dirty="0" smtClean="0"/>
-              <a:t>The number of unique patient who were admitted once or more with in 30 days were </a:t>
-            </a:r>
-            <a:r>
-              <a:rPr lang="is-IS" dirty="0" smtClean="0"/>
-              <a:t>906 (10%).</a:t>
+              <a:t>For consistency we converted all ICD-9 codes to ICD-10 codes. </a:t>
+            </a:r>
+          </a:p>
+          <a:p>
+            <a:pPr>
+              <a:lnSpc>
+                <a:spcPct val="200000"/>
+              </a:lnSpc>
+            </a:pPr>
+            <a:r>
+              <a:rPr lang="en-US" dirty="0" smtClean="0"/>
+              <a:t>For </a:t>
+            </a:r>
+            <a:r>
+              <a:rPr lang="en-US" dirty="0"/>
+              <a:t>conversion of the </a:t>
+            </a:r>
+            <a:r>
+              <a:rPr lang="en-US" dirty="0" smtClean="0"/>
+              <a:t>code we used converter available in </a:t>
+            </a:r>
+            <a:r>
+              <a:rPr lang="en-US" dirty="0" smtClean="0">
+                <a:hlinkClick r:id="rId2"/>
+              </a:rPr>
+              <a:t>http</a:t>
+            </a:r>
+            <a:r>
+              <a:rPr lang="en-US" dirty="0">
+                <a:hlinkClick r:id="rId2"/>
+              </a:rPr>
+              <a:t>://</a:t>
+            </a:r>
+            <a:r>
+              <a:rPr lang="en-US" dirty="0" smtClean="0">
+                <a:hlinkClick r:id="rId2"/>
+              </a:rPr>
+              <a:t>www.icd10data.com</a:t>
+            </a:r>
+            <a:endParaRPr lang="en-US" dirty="0" smtClean="0"/>
+          </a:p>
+          <a:p>
+            <a:pPr>
+              <a:lnSpc>
+                <a:spcPct val="200000"/>
+              </a:lnSpc>
+            </a:pPr>
+            <a:r>
+              <a:rPr lang="en-US" dirty="0" smtClean="0"/>
+              <a:t>We then grouped the diagnosis depending on the diseases of different body systems.</a:t>
             </a:r>
             <a:endParaRPr lang="en-US" dirty="0"/>
           </a:p>
@@ -7151,7 +7187,7 @@
     </p:spTree>
     <p:extLst>
       <p:ext uri="{BB962C8B-B14F-4D97-AF65-F5344CB8AC3E}">
-        <p14:creationId xmlns:p14="http://schemas.microsoft.com/office/powerpoint/2010/main" val="1546814594"/>
+        <p14:creationId xmlns:p14="http://schemas.microsoft.com/office/powerpoint/2010/main" val="1155648146"/>
       </p:ext>
     </p:extLst>
   </p:cSld>
@@ -7185,6 +7221,109 @@
           <a:chExt cx="0" cy="0"/>
         </a:xfrm>
       </p:grpSpPr>
+      <p:sp>
+        <p:nvSpPr>
+          <p:cNvPr id="2" name="Title 1"/>
+          <p:cNvSpPr>
+            <a:spLocks noGrp="1"/>
+          </p:cNvSpPr>
+          <p:nvPr>
+            <p:ph type="title"/>
+          </p:nvPr>
+        </p:nvSpPr>
+        <p:spPr/>
+        <p:txBody>
+          <a:bodyPr/>
+          <a:lstStyle/>
+          <a:p>
+            <a:r>
+              <a:rPr lang="en-US" dirty="0" smtClean="0"/>
+              <a:t>Results</a:t>
+            </a:r>
+            <a:endParaRPr lang="en-US" dirty="0"/>
+          </a:p>
+        </p:txBody>
+      </p:sp>
+      <p:sp>
+        <p:nvSpPr>
+          <p:cNvPr id="3" name="Content Placeholder 2"/>
+          <p:cNvSpPr>
+            <a:spLocks noGrp="1"/>
+          </p:cNvSpPr>
+          <p:nvPr>
+            <p:ph idx="1"/>
+          </p:nvPr>
+        </p:nvSpPr>
+        <p:spPr/>
+        <p:txBody>
+          <a:bodyPr/>
+          <a:lstStyle/>
+          <a:p>
+            <a:pPr>
+              <a:lnSpc>
+                <a:spcPct val="200000"/>
+              </a:lnSpc>
+            </a:pPr>
+            <a:r>
+              <a:rPr lang="en-US" dirty="0" smtClean="0"/>
+              <a:t>Among the 8786 patients 2034 (23.15%) readmission case within 30 days of discharge were identified.</a:t>
+            </a:r>
+          </a:p>
+          <a:p>
+            <a:pPr>
+              <a:lnSpc>
+                <a:spcPct val="200000"/>
+              </a:lnSpc>
+            </a:pPr>
+            <a:r>
+              <a:rPr lang="en-US" dirty="0" smtClean="0"/>
+              <a:t>The number of unique patient who were admitted once or more with in 30 days were </a:t>
+            </a:r>
+            <a:r>
+              <a:rPr lang="is-IS" dirty="0" smtClean="0"/>
+              <a:t>906 (10%).</a:t>
+            </a:r>
+            <a:endParaRPr lang="en-US" dirty="0"/>
+          </a:p>
+        </p:txBody>
+      </p:sp>
+    </p:spTree>
+    <p:extLst>
+      <p:ext uri="{BB962C8B-B14F-4D97-AF65-F5344CB8AC3E}">
+        <p14:creationId xmlns:p14="http://schemas.microsoft.com/office/powerpoint/2010/main" val="1546814594"/>
+      </p:ext>
+    </p:extLst>
+  </p:cSld>
+  <p:clrMapOvr>
+    <a:masterClrMapping/>
+  </p:clrMapOvr>
+  <p:timing>
+    <p:tnLst>
+      <p:par>
+        <p:cTn id="1" dur="indefinite" restart="never" nodeType="tmRoot"/>
+      </p:par>
+    </p:tnLst>
+  </p:timing>
+</p:sld>
+</file>
+
+<file path=ppt/slides/slide15.xml><?xml version="1.0" encoding="utf-8"?>
+<p:sld xmlns:a="http://schemas.openxmlformats.org/drawingml/2006/main" xmlns:r="http://schemas.openxmlformats.org/officeDocument/2006/relationships" xmlns:p="http://schemas.openxmlformats.org/presentationml/2006/main">
+  <p:cSld>
+    <p:spTree>
+      <p:nvGrpSpPr>
+        <p:cNvPr id="1" name=""/>
+        <p:cNvGrpSpPr/>
+        <p:nvPr/>
+      </p:nvGrpSpPr>
+      <p:grpSpPr>
+        <a:xfrm>
+          <a:off x="0" y="0"/>
+          <a:ext cx="0" cy="0"/>
+          <a:chOff x="0" y="0"/>
+          <a:chExt cx="0" cy="0"/>
+        </a:xfrm>
+      </p:grpSpPr>
       <p:pic>
         <p:nvPicPr>
           <p:cNvPr id="6" name="Content Placeholder 5"/>
@@ -7269,7 +7408,7 @@
 </p:sld>
 </file>
 
-<file path=ppt/slides/slide15.xml><?xml version="1.0" encoding="utf-8"?>
+<file path=ppt/slides/slide16.xml><?xml version="1.0" encoding="utf-8"?>
 <p:sld xmlns:a="http://schemas.openxmlformats.org/drawingml/2006/main" xmlns:r="http://schemas.openxmlformats.org/officeDocument/2006/relationships" xmlns:p="http://schemas.openxmlformats.org/presentationml/2006/main">
   <p:cSld>
     <p:spTree>
@@ -7358,7 +7497,7 @@
 </p:sld>
 </file>
 
-<file path=ppt/slides/slide16.xml><?xml version="1.0" encoding="utf-8"?>
+<file path=ppt/slides/slide17.xml><?xml version="1.0" encoding="utf-8"?>
 <p:sld xmlns:a="http://schemas.openxmlformats.org/drawingml/2006/main" xmlns:r="http://schemas.openxmlformats.org/officeDocument/2006/relationships" xmlns:p="http://schemas.openxmlformats.org/presentationml/2006/main">
   <p:cSld>
     <p:spTree>
@@ -7484,7 +7623,7 @@
 </p:sld>
 </file>
 
-<file path=ppt/slides/slide17.xml><?xml version="1.0" encoding="utf-8"?>
+<file path=ppt/slides/slide18.xml><?xml version="1.0" encoding="utf-8"?>
 <p:sld xmlns:a="http://schemas.openxmlformats.org/drawingml/2006/main" xmlns:r="http://schemas.openxmlformats.org/officeDocument/2006/relationships" xmlns:p="http://schemas.openxmlformats.org/presentationml/2006/main">
   <p:cSld>
     <p:spTree>
@@ -7614,7 +7753,7 @@
 </p:sld>
 </file>
 
-<file path=ppt/slides/slide18.xml><?xml version="1.0" encoding="utf-8"?>
+<file path=ppt/slides/slide19.xml><?xml version="1.0" encoding="utf-8"?>
 <p:sld xmlns:a="http://schemas.openxmlformats.org/drawingml/2006/main" xmlns:r="http://schemas.openxmlformats.org/officeDocument/2006/relationships" xmlns:p="http://schemas.openxmlformats.org/presentationml/2006/main">
   <p:cSld>
     <p:spTree>
@@ -7706,135 +7845,6 @@
 </p:sld>
 </file>
 
-<file path=ppt/slides/slide19.xml><?xml version="1.0" encoding="utf-8"?>
-<p:sld xmlns:a="http://schemas.openxmlformats.org/drawingml/2006/main" xmlns:r="http://schemas.openxmlformats.org/officeDocument/2006/relationships" xmlns:p="http://schemas.openxmlformats.org/presentationml/2006/main">
-  <p:cSld>
-    <p:spTree>
-      <p:nvGrpSpPr>
-        <p:cNvPr id="1" name=""/>
-        <p:cNvGrpSpPr/>
-        <p:nvPr/>
-      </p:nvGrpSpPr>
-      <p:grpSpPr>
-        <a:xfrm>
-          <a:off x="0" y="0"/>
-          <a:ext cx="0" cy="0"/>
-          <a:chOff x="0" y="0"/>
-          <a:chExt cx="0" cy="0"/>
-        </a:xfrm>
-      </p:grpSpPr>
-      <p:sp>
-        <p:nvSpPr>
-          <p:cNvPr id="2" name="Title 1"/>
-          <p:cNvSpPr>
-            <a:spLocks noGrp="1"/>
-          </p:cNvSpPr>
-          <p:nvPr>
-            <p:ph type="title"/>
-          </p:nvPr>
-        </p:nvSpPr>
-        <p:spPr/>
-        <p:txBody>
-          <a:bodyPr/>
-          <a:lstStyle/>
-          <a:p>
-            <a:pPr algn="r"/>
-            <a:r>
-              <a:rPr lang="en-US" dirty="0" smtClean="0"/>
-              <a:t>language</a:t>
-            </a:r>
-            <a:endParaRPr lang="en-US" dirty="0"/>
-          </a:p>
-        </p:txBody>
-      </p:sp>
-      <p:pic>
-        <p:nvPicPr>
-          <p:cNvPr id="4" name="Content Placeholder 3"/>
-          <p:cNvPicPr>
-            <a:picLocks noGrp="1" noChangeAspect="1"/>
-          </p:cNvPicPr>
-          <p:nvPr>
-            <p:ph idx="1"/>
-          </p:nvPr>
-        </p:nvPicPr>
-        <p:blipFill>
-          <a:blip r:embed="rId2">
-            <a:extLst>
-              <a:ext uri="{28A0092B-C50C-407E-A947-70E740481C1C}">
-                <a14:useLocalDpi xmlns:a14="http://schemas.microsoft.com/office/drawing/2010/main" val="0"/>
-              </a:ext>
-            </a:extLst>
-          </a:blip>
-          <a:stretch>
-            <a:fillRect/>
-          </a:stretch>
-        </p:blipFill>
-        <p:spPr>
-          <a:xfrm>
-            <a:off x="0" y="0"/>
-            <a:ext cx="7277622" cy="6942707"/>
-          </a:xfrm>
-        </p:spPr>
-      </p:pic>
-      <p:sp>
-        <p:nvSpPr>
-          <p:cNvPr id="5" name="TextBox 4"/>
-          <p:cNvSpPr txBox="1"/>
-          <p:nvPr/>
-        </p:nvSpPr>
-        <p:spPr>
-          <a:xfrm>
-            <a:off x="7928975" y="2392471"/>
-            <a:ext cx="3782861" cy="1122743"/>
-          </a:xfrm>
-          <a:prstGeom prst="rect">
-            <a:avLst/>
-          </a:prstGeom>
-          <a:noFill/>
-        </p:spPr>
-        <p:txBody>
-          <a:bodyPr wrap="square" rtlCol="0">
-            <a:spAutoFit/>
-          </a:bodyPr>
-          <a:lstStyle/>
-          <a:p>
-            <a:pPr algn="ctr">
-              <a:lnSpc>
-                <a:spcPct val="200000"/>
-              </a:lnSpc>
-            </a:pPr>
-            <a:r>
-              <a:rPr lang="en-US" dirty="0" smtClean="0"/>
-              <a:t>About 81% of the readmitted  patients first language </a:t>
-            </a:r>
-            <a:r>
-              <a:rPr lang="en-US" smtClean="0"/>
-              <a:t>were English.</a:t>
-            </a:r>
-            <a:endParaRPr lang="en-US" dirty="0"/>
-          </a:p>
-        </p:txBody>
-      </p:sp>
-    </p:spTree>
-    <p:extLst>
-      <p:ext uri="{BB962C8B-B14F-4D97-AF65-F5344CB8AC3E}">
-        <p14:creationId xmlns:p14="http://schemas.microsoft.com/office/powerpoint/2010/main" val="775209369"/>
-      </p:ext>
-    </p:extLst>
-  </p:cSld>
-  <p:clrMapOvr>
-    <a:masterClrMapping/>
-  </p:clrMapOvr>
-  <p:timing>
-    <p:tnLst>
-      <p:par>
-        <p:cTn id="1" dur="indefinite" restart="never" nodeType="tmRoot"/>
-      </p:par>
-    </p:tnLst>
-  </p:timing>
-</p:sld>
-</file>
-
 <file path=ppt/slides/slide2.xml><?xml version="1.0" encoding="utf-8"?>
 <p:sld xmlns:a="http://schemas.openxmlformats.org/drawingml/2006/main" xmlns:r="http://schemas.openxmlformats.org/officeDocument/2006/relationships" xmlns:p="http://schemas.openxmlformats.org/presentationml/2006/main">
   <p:cSld>
@@ -7891,11 +7901,15 @@
           <a:lstStyle/>
           <a:p>
             <a:r>
-              <a:rPr lang="en-US" b="1" dirty="0"/>
-              <a:t>Potentially Avoidable 30-Day Hospital Readmissions in Medical </a:t>
-            </a:r>
-            <a:r>
-              <a:rPr lang="en-US" b="1" dirty="0" smtClean="0"/>
+              <a:rPr lang="en-US" dirty="0" smtClean="0"/>
+              <a:t>Potentially </a:t>
+            </a:r>
+            <a:r>
+              <a:rPr lang="en-US" dirty="0"/>
+              <a:t>Avoidable 30-Day Hospital Readmissions in Medical </a:t>
+            </a:r>
+            <a:r>
+              <a:rPr lang="en-US" dirty="0" smtClean="0"/>
               <a:t>Patients </a:t>
             </a:r>
             <a:r>
@@ -7903,8 +7917,32 @@
               <a:t>Derivation and Validation of a Prediction </a:t>
             </a:r>
             <a:r>
+              <a:rPr lang="en-US" dirty="0" smtClean="0"/>
+              <a:t>Model</a:t>
+            </a:r>
+          </a:p>
+          <a:p>
+            <a:r>
               <a:rPr lang="en-US" dirty="0"/>
-              <a:t>Model (</a:t>
+              <a:t>Academic medical center in Boston, </a:t>
+            </a:r>
+            <a:r>
+              <a:rPr lang="en-US" dirty="0" smtClean="0"/>
+              <a:t>Massachusetts</a:t>
+            </a:r>
+            <a:endParaRPr lang="en-US" dirty="0" smtClean="0"/>
+          </a:p>
+          <a:p>
+            <a:pPr marL="0" indent="0">
+              <a:buNone/>
+            </a:pPr>
+            <a:r>
+              <a:rPr lang="en-US" dirty="0" smtClean="0"/>
+              <a:t> </a:t>
+            </a:r>
+            <a:r>
+              <a:rPr lang="en-US" dirty="0"/>
+              <a:t>(</a:t>
             </a:r>
             <a:r>
               <a:rPr lang="en-US" dirty="0">
@@ -7959,6 +7997,30 @@
           <a:chExt cx="0" cy="0"/>
         </a:xfrm>
       </p:grpSpPr>
+      <p:sp>
+        <p:nvSpPr>
+          <p:cNvPr id="2" name="Title 1"/>
+          <p:cNvSpPr>
+            <a:spLocks noGrp="1"/>
+          </p:cNvSpPr>
+          <p:nvPr>
+            <p:ph type="title"/>
+          </p:nvPr>
+        </p:nvSpPr>
+        <p:spPr/>
+        <p:txBody>
+          <a:bodyPr/>
+          <a:lstStyle/>
+          <a:p>
+            <a:pPr algn="r"/>
+            <a:r>
+              <a:rPr lang="en-US" dirty="0" smtClean="0"/>
+              <a:t>language</a:t>
+            </a:r>
+            <a:endParaRPr lang="en-US" dirty="0"/>
+          </a:p>
+        </p:txBody>
+      </p:sp>
       <p:pic>
         <p:nvPicPr>
           <p:cNvPr id="4" name="Content Placeholder 3"/>
@@ -7983,8 +8045,8 @@
         </p:blipFill>
         <p:spPr>
           <a:xfrm>
-            <a:off x="-1" y="0"/>
-            <a:ext cx="9873083" cy="6858000"/>
+            <a:off x="0" y="0"/>
+            <a:ext cx="7277622" cy="6942707"/>
           </a:xfrm>
         </p:spPr>
       </p:pic>
@@ -7996,8 +8058,8 @@
         </p:nvSpPr>
         <p:spPr>
           <a:xfrm>
-            <a:off x="10083451" y="1759632"/>
-            <a:ext cx="1945710" cy="3416320"/>
+            <a:off x="7928975" y="2392471"/>
+            <a:ext cx="3782861" cy="1122743"/>
           </a:xfrm>
           <a:prstGeom prst="rect">
             <a:avLst/>
@@ -8017,7 +8079,11 @@
             </a:pPr>
             <a:r>
               <a:rPr lang="en-US" dirty="0" smtClean="0"/>
-              <a:t>Among the readmitted patients most patient suffered diseases of digestive system. </a:t>
+              <a:t>About 81% of the readmitted  patients first language </a:t>
+            </a:r>
+            <a:r>
+              <a:rPr lang="en-US" smtClean="0"/>
+              <a:t>were English.</a:t>
             </a:r>
             <a:endParaRPr lang="en-US" dirty="0"/>
           </a:p>
@@ -8026,7 +8092,7 @@
     </p:spTree>
     <p:extLst>
       <p:ext uri="{BB962C8B-B14F-4D97-AF65-F5344CB8AC3E}">
-        <p14:creationId xmlns:p14="http://schemas.microsoft.com/office/powerpoint/2010/main" val="41979007"/>
+        <p14:creationId xmlns:p14="http://schemas.microsoft.com/office/powerpoint/2010/main" val="775209369"/>
       </p:ext>
     </p:extLst>
   </p:cSld>
@@ -8084,6 +8150,107 @@
         </p:blipFill>
         <p:spPr>
           <a:xfrm>
+            <a:off x="-1" y="0"/>
+            <a:ext cx="9873083" cy="6858000"/>
+          </a:xfrm>
+        </p:spPr>
+      </p:pic>
+      <p:sp>
+        <p:nvSpPr>
+          <p:cNvPr id="5" name="TextBox 4"/>
+          <p:cNvSpPr txBox="1"/>
+          <p:nvPr/>
+        </p:nvSpPr>
+        <p:spPr>
+          <a:xfrm>
+            <a:off x="10083451" y="1759632"/>
+            <a:ext cx="1945710" cy="3416320"/>
+          </a:xfrm>
+          <a:prstGeom prst="rect">
+            <a:avLst/>
+          </a:prstGeom>
+          <a:noFill/>
+        </p:spPr>
+        <p:txBody>
+          <a:bodyPr wrap="square" rtlCol="0">
+            <a:spAutoFit/>
+          </a:bodyPr>
+          <a:lstStyle/>
+          <a:p>
+            <a:pPr algn="ctr">
+              <a:lnSpc>
+                <a:spcPct val="200000"/>
+              </a:lnSpc>
+            </a:pPr>
+            <a:r>
+              <a:rPr lang="en-US" dirty="0" smtClean="0"/>
+              <a:t>Among the readmitted patients most patient suffered diseases of digestive system. </a:t>
+            </a:r>
+            <a:endParaRPr lang="en-US" dirty="0"/>
+          </a:p>
+        </p:txBody>
+      </p:sp>
+    </p:spTree>
+    <p:extLst>
+      <p:ext uri="{BB962C8B-B14F-4D97-AF65-F5344CB8AC3E}">
+        <p14:creationId xmlns:p14="http://schemas.microsoft.com/office/powerpoint/2010/main" val="41979007"/>
+      </p:ext>
+    </p:extLst>
+  </p:cSld>
+  <p:clrMapOvr>
+    <a:masterClrMapping/>
+  </p:clrMapOvr>
+  <p:timing>
+    <p:tnLst>
+      <p:par>
+        <p:cTn id="1" dur="indefinite" restart="never" nodeType="tmRoot"/>
+      </p:par>
+    </p:tnLst>
+  </p:timing>
+</p:sld>
+</file>
+
+<file path=ppt/slides/slide22.xml><?xml version="1.0" encoding="utf-8"?>
+<p:sld xmlns:a="http://schemas.openxmlformats.org/drawingml/2006/main" xmlns:r="http://schemas.openxmlformats.org/officeDocument/2006/relationships" xmlns:p="http://schemas.openxmlformats.org/presentationml/2006/main">
+  <p:cSld>
+    <p:spTree>
+      <p:nvGrpSpPr>
+        <p:cNvPr id="1" name=""/>
+        <p:cNvGrpSpPr/>
+        <p:nvPr/>
+      </p:nvGrpSpPr>
+      <p:grpSpPr>
+        <a:xfrm>
+          <a:off x="0" y="0"/>
+          <a:ext cx="0" cy="0"/>
+          <a:chOff x="0" y="0"/>
+          <a:chExt cx="0" cy="0"/>
+        </a:xfrm>
+      </p:grpSpPr>
+      <p:pic>
+        <p:nvPicPr>
+          <p:cNvPr id="4" name="Content Placeholder 3"/>
+          <p:cNvPicPr>
+            <a:picLocks noGrp="1" noChangeAspect="1"/>
+          </p:cNvPicPr>
+          <p:nvPr>
+            <p:ph idx="1"/>
+          </p:nvPr>
+        </p:nvPicPr>
+        <p:blipFill>
+          <a:blip r:embed="rId2">
+            <a:extLst>
+              <a:ext uri="{28A0092B-C50C-407E-A947-70E740481C1C}">
+                <a14:useLocalDpi xmlns:a14="http://schemas.microsoft.com/office/drawing/2010/main" val="0"/>
+              </a:ext>
+            </a:extLst>
+          </a:blip>
+          <a:stretch>
+            <a:fillRect/>
+          </a:stretch>
+        </p:blipFill>
+        <p:spPr>
+          <a:xfrm>
             <a:off x="5148197" y="0"/>
             <a:ext cx="7043803" cy="6864799"/>
           </a:xfrm>
@@ -8156,7 +8323,7 @@
 </p:sld>
 </file>
 
-<file path=ppt/slides/slide22.xml><?xml version="1.0" encoding="utf-8"?>
+<file path=ppt/slides/slide23.xml><?xml version="1.0" encoding="utf-8"?>
 <p:sld xmlns:a="http://schemas.openxmlformats.org/drawingml/2006/main" xmlns:r="http://schemas.openxmlformats.org/officeDocument/2006/relationships" xmlns:p="http://schemas.openxmlformats.org/presentationml/2006/main">
   <p:cSld>
     <p:spTree>
@@ -8245,7 +8412,7 @@
 </p:sld>
 </file>
 
-<file path=ppt/slides/slide23.xml><?xml version="1.0" encoding="utf-8"?>
+<file path=ppt/slides/slide24.xml><?xml version="1.0" encoding="utf-8"?>
 <p:sld xmlns:a="http://schemas.openxmlformats.org/drawingml/2006/main" xmlns:r="http://schemas.openxmlformats.org/officeDocument/2006/relationships" xmlns:p="http://schemas.openxmlformats.org/presentationml/2006/main">
   <p:cSld>
     <p:spTree>
@@ -8353,169 +8520,6 @@
     <p:extLst>
       <p:ext uri="{BB962C8B-B14F-4D97-AF65-F5344CB8AC3E}">
         <p14:creationId xmlns:p14="http://schemas.microsoft.com/office/powerpoint/2010/main" val="462957121"/>
-      </p:ext>
-    </p:extLst>
-  </p:cSld>
-  <p:clrMapOvr>
-    <a:masterClrMapping/>
-  </p:clrMapOvr>
-  <p:timing>
-    <p:tnLst>
-      <p:par>
-        <p:cTn id="1" dur="indefinite" restart="never" nodeType="tmRoot"/>
-      </p:par>
-    </p:tnLst>
-  </p:timing>
-</p:sld>
-</file>
-
-<file path=ppt/slides/slide24.xml><?xml version="1.0" encoding="utf-8"?>
-<p:sld xmlns:a="http://schemas.openxmlformats.org/drawingml/2006/main" xmlns:r="http://schemas.openxmlformats.org/officeDocument/2006/relationships" xmlns:p="http://schemas.openxmlformats.org/presentationml/2006/main">
-  <p:cSld>
-    <p:spTree>
-      <p:nvGrpSpPr>
-        <p:cNvPr id="1" name=""/>
-        <p:cNvGrpSpPr/>
-        <p:nvPr/>
-      </p:nvGrpSpPr>
-      <p:grpSpPr>
-        <a:xfrm>
-          <a:off x="0" y="0"/>
-          <a:ext cx="0" cy="0"/>
-          <a:chOff x="0" y="0"/>
-          <a:chExt cx="0" cy="0"/>
-        </a:xfrm>
-      </p:grpSpPr>
-      <p:sp>
-        <p:nvSpPr>
-          <p:cNvPr id="2" name="Title 1"/>
-          <p:cNvSpPr>
-            <a:spLocks noGrp="1"/>
-          </p:cNvSpPr>
-          <p:nvPr>
-            <p:ph type="title"/>
-          </p:nvPr>
-        </p:nvSpPr>
-        <p:spPr>
-          <a:xfrm>
-            <a:off x="0" y="597074"/>
-            <a:ext cx="10131425" cy="1456267"/>
-          </a:xfrm>
-        </p:spPr>
-        <p:txBody>
-          <a:bodyPr/>
-          <a:lstStyle/>
-          <a:p>
-            <a:r>
-              <a:rPr lang="en-US" dirty="0" smtClean="0"/>
-              <a:t>Total length of stay</a:t>
-            </a:r>
-            <a:endParaRPr lang="en-US" dirty="0"/>
-          </a:p>
-        </p:txBody>
-      </p:sp>
-      <p:pic>
-        <p:nvPicPr>
-          <p:cNvPr id="4" name="Content Placeholder 3"/>
-          <p:cNvPicPr>
-            <a:picLocks noGrp="1" noChangeAspect="1"/>
-          </p:cNvPicPr>
-          <p:nvPr>
-            <p:ph idx="1"/>
-          </p:nvPr>
-        </p:nvPicPr>
-        <p:blipFill>
-          <a:blip r:embed="rId2">
-            <a:extLst>
-              <a:ext uri="{28A0092B-C50C-407E-A947-70E740481C1C}">
-                <a14:useLocalDpi xmlns:a14="http://schemas.microsoft.com/office/drawing/2010/main" val="0"/>
-              </a:ext>
-            </a:extLst>
-          </a:blip>
-          <a:stretch>
-            <a:fillRect/>
-          </a:stretch>
-        </p:blipFill>
-        <p:spPr>
-          <a:xfrm>
-            <a:off x="4639786" y="0"/>
-            <a:ext cx="7552214" cy="6858000"/>
-          </a:xfrm>
-        </p:spPr>
-      </p:pic>
-      <p:sp>
-        <p:nvSpPr>
-          <p:cNvPr id="5" name="TextBox 4"/>
-          <p:cNvSpPr txBox="1"/>
-          <p:nvPr/>
-        </p:nvSpPr>
-        <p:spPr>
-          <a:xfrm>
-            <a:off x="501041" y="2517731"/>
-            <a:ext cx="3507288" cy="3416320"/>
-          </a:xfrm>
-          <a:prstGeom prst="rect">
-            <a:avLst/>
-          </a:prstGeom>
-          <a:noFill/>
-        </p:spPr>
-        <p:txBody>
-          <a:bodyPr wrap="square" rtlCol="0">
-            <a:spAutoFit/>
-          </a:bodyPr>
-          <a:lstStyle/>
-          <a:p>
-            <a:pPr algn="ctr">
-              <a:lnSpc>
-                <a:spcPct val="200000"/>
-              </a:lnSpc>
-            </a:pPr>
-            <a:r>
-              <a:rPr lang="en-US" dirty="0"/>
-              <a:t>Mean total length of stay for each admission was 5.4 days, with median of 3 </a:t>
-            </a:r>
-            <a:r>
-              <a:rPr lang="en-US" dirty="0" smtClean="0"/>
-              <a:t>days.</a:t>
-            </a:r>
-          </a:p>
-          <a:p>
-            <a:pPr algn="ctr">
-              <a:lnSpc>
-                <a:spcPct val="200000"/>
-              </a:lnSpc>
-            </a:pPr>
-            <a:r>
-              <a:rPr lang="en-US" dirty="0" smtClean="0"/>
-              <a:t>Both the group show almost similar density distribution</a:t>
-            </a:r>
-          </a:p>
-          <a:p>
-            <a:pPr algn="ctr">
-              <a:lnSpc>
-                <a:spcPct val="200000"/>
-              </a:lnSpc>
-            </a:pPr>
-            <a:r>
-              <a:rPr lang="en-US" dirty="0" smtClean="0"/>
-              <a:t>(p-value </a:t>
-            </a:r>
-            <a:r>
-              <a:rPr lang="en-US" dirty="0"/>
-              <a:t>= </a:t>
-            </a:r>
-            <a:r>
-              <a:rPr lang="en-US" dirty="0" smtClean="0"/>
-              <a:t>0.9651).</a:t>
-            </a:r>
-            <a:endParaRPr lang="en-US" dirty="0"/>
-          </a:p>
-        </p:txBody>
-      </p:sp>
-    </p:spTree>
-    <p:extLst>
-      <p:ext uri="{BB962C8B-B14F-4D97-AF65-F5344CB8AC3E}">
-        <p14:creationId xmlns:p14="http://schemas.microsoft.com/office/powerpoint/2010/main" val="96473774"/>
       </p:ext>
     </p:extLst>
   </p:cSld>
@@ -8559,36 +8563,73 @@
             <p:ph type="title"/>
           </p:nvPr>
         </p:nvSpPr>
-        <p:spPr/>
-        <p:txBody>
-          <a:bodyPr/>
-          <a:lstStyle/>
-          <a:p>
-            <a:r>
-              <a:rPr lang="en-US" dirty="0"/>
-              <a:t>Hemoglobin level</a:t>
-            </a:r>
-          </a:p>
-        </p:txBody>
-      </p:sp>
-      <p:sp>
-        <p:nvSpPr>
-          <p:cNvPr id="3" name="Content Placeholder 2"/>
-          <p:cNvSpPr>
-            <a:spLocks noGrp="1"/>
-          </p:cNvSpPr>
-          <p:nvPr>
-            <p:ph idx="1"/>
-          </p:nvPr>
-        </p:nvSpPr>
         <p:spPr>
           <a:xfrm>
-            <a:off x="685801" y="1989783"/>
-            <a:ext cx="10131425" cy="3649133"/>
+            <a:off x="0" y="597074"/>
+            <a:ext cx="10131425" cy="1456267"/>
           </a:xfrm>
         </p:spPr>
         <p:txBody>
           <a:bodyPr/>
+          <a:lstStyle/>
+          <a:p>
+            <a:r>
+              <a:rPr lang="en-US" dirty="0" smtClean="0"/>
+              <a:t>Total length of stay</a:t>
+            </a:r>
+            <a:endParaRPr lang="en-US" dirty="0"/>
+          </a:p>
+        </p:txBody>
+      </p:sp>
+      <p:pic>
+        <p:nvPicPr>
+          <p:cNvPr id="4" name="Content Placeholder 3"/>
+          <p:cNvPicPr>
+            <a:picLocks noGrp="1" noChangeAspect="1"/>
+          </p:cNvPicPr>
+          <p:nvPr>
+            <p:ph idx="1"/>
+          </p:nvPr>
+        </p:nvPicPr>
+        <p:blipFill>
+          <a:blip r:embed="rId2">
+            <a:extLst>
+              <a:ext uri="{28A0092B-C50C-407E-A947-70E740481C1C}">
+                <a14:useLocalDpi xmlns:a14="http://schemas.microsoft.com/office/drawing/2010/main" val="0"/>
+              </a:ext>
+            </a:extLst>
+          </a:blip>
+          <a:stretch>
+            <a:fillRect/>
+          </a:stretch>
+        </p:blipFill>
+        <p:spPr>
+          <a:xfrm>
+            <a:off x="4639786" y="0"/>
+            <a:ext cx="7552214" cy="6858000"/>
+          </a:xfrm>
+        </p:spPr>
+      </p:pic>
+      <p:sp>
+        <p:nvSpPr>
+          <p:cNvPr id="5" name="TextBox 4"/>
+          <p:cNvSpPr txBox="1"/>
+          <p:nvPr/>
+        </p:nvSpPr>
+        <p:spPr>
+          <a:xfrm>
+            <a:off x="501041" y="2517731"/>
+            <a:ext cx="3507288" cy="3416320"/>
+          </a:xfrm>
+          <a:prstGeom prst="rect">
+            <a:avLst/>
+          </a:prstGeom>
+          <a:noFill/>
+        </p:spPr>
+        <p:txBody>
+          <a:bodyPr wrap="square" rtlCol="0">
+            <a:spAutoFit/>
+          </a:bodyPr>
           <a:lstStyle/>
           <a:p>
             <a:pPr algn="ctr">
@@ -8598,7 +8639,41 @@
             </a:pPr>
             <a:r>
               <a:rPr lang="en-US" dirty="0"/>
-              <a:t>Mean Hemoglobin level for the patient was 11.69 g/dl. Median value was 12 g/dl. Minimum level of hemoglobin was 5.3 g/dl and maximum was 19.90 g/dl.</a:t>
+              <a:t>Mean total length of stay for each admission was 5.4 days, with median of 3 </a:t>
+            </a:r>
+            <a:r>
+              <a:rPr lang="en-US" dirty="0" smtClean="0"/>
+              <a:t>days.</a:t>
+            </a:r>
+          </a:p>
+          <a:p>
+            <a:pPr algn="ctr">
+              <a:lnSpc>
+                <a:spcPct val="200000"/>
+              </a:lnSpc>
+            </a:pPr>
+            <a:r>
+              <a:rPr lang="en-US" dirty="0" smtClean="0"/>
+              <a:t>Both the group show almost similar density distribution</a:t>
+            </a:r>
+          </a:p>
+          <a:p>
+            <a:pPr algn="ctr">
+              <a:lnSpc>
+                <a:spcPct val="200000"/>
+              </a:lnSpc>
+            </a:pPr>
+            <a:r>
+              <a:rPr lang="en-US" dirty="0" smtClean="0"/>
+              <a:t>(p-value </a:t>
+            </a:r>
+            <a:r>
+              <a:rPr lang="en-US" dirty="0"/>
+              <a:t>= </a:t>
+            </a:r>
+            <a:r>
+              <a:rPr lang="en-US" dirty="0" smtClean="0"/>
+              <a:t>0.9651).</a:t>
             </a:r>
             <a:endParaRPr lang="en-US" dirty="0"/>
           </a:p>
@@ -8607,7 +8682,7 @@
     </p:spTree>
     <p:extLst>
       <p:ext uri="{BB962C8B-B14F-4D97-AF65-F5344CB8AC3E}">
-        <p14:creationId xmlns:p14="http://schemas.microsoft.com/office/powerpoint/2010/main" val="1479619364"/>
+        <p14:creationId xmlns:p14="http://schemas.microsoft.com/office/powerpoint/2010/main" val="96473774"/>
       </p:ext>
     </p:extLst>
   </p:cSld>
@@ -8651,73 +8726,36 @@
             <p:ph type="title"/>
           </p:nvPr>
         </p:nvSpPr>
+        <p:spPr/>
+        <p:txBody>
+          <a:bodyPr/>
+          <a:lstStyle/>
+          <a:p>
+            <a:r>
+              <a:rPr lang="en-US" dirty="0"/>
+              <a:t>Hemoglobin level</a:t>
+            </a:r>
+          </a:p>
+        </p:txBody>
+      </p:sp>
+      <p:sp>
+        <p:nvSpPr>
+          <p:cNvPr id="3" name="Content Placeholder 2"/>
+          <p:cNvSpPr>
+            <a:spLocks noGrp="1"/>
+          </p:cNvSpPr>
+          <p:nvPr>
+            <p:ph idx="1"/>
+          </p:nvPr>
+        </p:nvSpPr>
         <p:spPr>
           <a:xfrm>
-            <a:off x="234864" y="521918"/>
-            <a:ext cx="10131425" cy="1456267"/>
+            <a:off x="685801" y="1989783"/>
+            <a:ext cx="10131425" cy="3649133"/>
           </a:xfrm>
         </p:spPr>
         <p:txBody>
           <a:bodyPr/>
-          <a:lstStyle/>
-          <a:p>
-            <a:r>
-              <a:rPr lang="en-US" dirty="0" smtClean="0"/>
-              <a:t>Hemoglobin level</a:t>
-            </a:r>
-            <a:endParaRPr lang="en-US" dirty="0"/>
-          </a:p>
-        </p:txBody>
-      </p:sp>
-      <p:pic>
-        <p:nvPicPr>
-          <p:cNvPr id="6" name="Content Placeholder 5"/>
-          <p:cNvPicPr>
-            <a:picLocks noGrp="1" noChangeAspect="1"/>
-          </p:cNvPicPr>
-          <p:nvPr>
-            <p:ph idx="1"/>
-          </p:nvPr>
-        </p:nvPicPr>
-        <p:blipFill>
-          <a:blip r:embed="rId2">
-            <a:extLst>
-              <a:ext uri="{28A0092B-C50C-407E-A947-70E740481C1C}">
-                <a14:useLocalDpi xmlns:a14="http://schemas.microsoft.com/office/drawing/2010/main" val="0"/>
-              </a:ext>
-            </a:extLst>
-          </a:blip>
-          <a:stretch>
-            <a:fillRect/>
-          </a:stretch>
-        </p:blipFill>
-        <p:spPr>
-          <a:xfrm>
-            <a:off x="4639786" y="0"/>
-            <a:ext cx="7552214" cy="6858000"/>
-          </a:xfrm>
-        </p:spPr>
-      </p:pic>
-      <p:sp>
-        <p:nvSpPr>
-          <p:cNvPr id="7" name="TextBox 6"/>
-          <p:cNvSpPr txBox="1"/>
-          <p:nvPr/>
-        </p:nvSpPr>
-        <p:spPr>
-          <a:xfrm>
-            <a:off x="776613" y="1555770"/>
-            <a:ext cx="3156559" cy="2308324"/>
-          </a:xfrm>
-          <a:prstGeom prst="rect">
-            <a:avLst/>
-          </a:prstGeom>
-          <a:noFill/>
-        </p:spPr>
-        <p:txBody>
-          <a:bodyPr wrap="square" rtlCol="0">
-            <a:spAutoFit/>
-          </a:bodyPr>
           <a:lstStyle/>
           <a:p>
             <a:pPr algn="ctr">
@@ -8726,60 +8764,16 @@
               </a:lnSpc>
             </a:pPr>
             <a:r>
-              <a:rPr lang="en-US" dirty="0" smtClean="0"/>
-              <a:t>Among the readmitted patients the hemoglobin level was  less compared with the not-readmitted patients.</a:t>
-            </a:r>
-            <a:endParaRPr lang="en-US" dirty="0"/>
-          </a:p>
-        </p:txBody>
-      </p:sp>
-      <p:sp>
-        <p:nvSpPr>
-          <p:cNvPr id="8" name="TextBox 7"/>
-          <p:cNvSpPr txBox="1"/>
-          <p:nvPr/>
-        </p:nvSpPr>
-        <p:spPr>
-          <a:xfrm>
-            <a:off x="713984" y="3967155"/>
-            <a:ext cx="3219188" cy="2230739"/>
-          </a:xfrm>
-          <a:prstGeom prst="rect">
-            <a:avLst/>
-          </a:prstGeom>
-          <a:noFill/>
-        </p:spPr>
-        <p:txBody>
-          <a:bodyPr wrap="square" rtlCol="0">
-            <a:spAutoFit/>
-          </a:bodyPr>
-          <a:lstStyle/>
-          <a:p>
-            <a:pPr algn="ctr">
-              <a:lnSpc>
-                <a:spcPct val="200000"/>
-              </a:lnSpc>
-            </a:pPr>
-            <a:r>
-              <a:rPr lang="en-US" dirty="0" smtClean="0"/>
-              <a:t>Welch two sample t-test shows </a:t>
-            </a:r>
-            <a:r>
               <a:rPr lang="en-US" dirty="0"/>
-              <a:t>significant difference(p-value &lt; 2.2e-16) </a:t>
-            </a:r>
-            <a:r>
-              <a:rPr lang="en-US" dirty="0" smtClean="0"/>
-              <a:t>in hemoglobin level in two groups.</a:t>
-            </a:r>
-            <a:endParaRPr lang="en-US" dirty="0"/>
+              <a:t>Mean Hemoglobin level for the patient was 11.69 g/dl. Median value was 12 g/dl. Minimum level of hemoglobin was 5.3 g/dl and maximum was 19.90 g/dl.</a:t>
+            </a:r>
           </a:p>
         </p:txBody>
       </p:sp>
     </p:spTree>
     <p:extLst>
       <p:ext uri="{BB962C8B-B14F-4D97-AF65-F5344CB8AC3E}">
-        <p14:creationId xmlns:p14="http://schemas.microsoft.com/office/powerpoint/2010/main" val="1255239439"/>
+        <p14:creationId xmlns:p14="http://schemas.microsoft.com/office/powerpoint/2010/main" val="1479619364"/>
       </p:ext>
     </p:extLst>
   </p:cSld>
@@ -8823,58 +8817,126 @@
             <p:ph type="title"/>
           </p:nvPr>
         </p:nvSpPr>
-        <p:spPr/>
-        <p:txBody>
-          <a:bodyPr/>
-          <a:lstStyle/>
-          <a:p>
-            <a:r>
-              <a:rPr lang="en-US" dirty="0"/>
-              <a:t>Sodium level</a:t>
-            </a:r>
-          </a:p>
-        </p:txBody>
-      </p:sp>
-      <p:sp>
-        <p:nvSpPr>
-          <p:cNvPr id="3" name="Content Placeholder 2"/>
-          <p:cNvSpPr>
-            <a:spLocks noGrp="1"/>
-          </p:cNvSpPr>
-          <p:nvPr>
-            <p:ph idx="1"/>
-          </p:nvPr>
-        </p:nvSpPr>
         <p:spPr>
           <a:xfrm>
-            <a:off x="685801" y="1989784"/>
-            <a:ext cx="10131425" cy="3133362"/>
+            <a:off x="234864" y="521918"/>
+            <a:ext cx="10131425" cy="1456267"/>
           </a:xfrm>
         </p:spPr>
         <p:txBody>
           <a:bodyPr/>
           <a:lstStyle/>
           <a:p>
-            <a:pPr algn="ctr"/>
+            <a:r>
+              <a:rPr lang="en-US" dirty="0" smtClean="0"/>
+              <a:t>Hemoglobin level</a:t>
+            </a:r>
+            <a:endParaRPr lang="en-US" dirty="0"/>
+          </a:p>
+        </p:txBody>
+      </p:sp>
+      <p:pic>
+        <p:nvPicPr>
+          <p:cNvPr id="6" name="Content Placeholder 5"/>
+          <p:cNvPicPr>
+            <a:picLocks noGrp="1" noChangeAspect="1"/>
+          </p:cNvPicPr>
+          <p:nvPr>
+            <p:ph idx="1"/>
+          </p:nvPr>
+        </p:nvPicPr>
+        <p:blipFill>
+          <a:blip r:embed="rId2">
+            <a:extLst>
+              <a:ext uri="{28A0092B-C50C-407E-A947-70E740481C1C}">
+                <a14:useLocalDpi xmlns:a14="http://schemas.microsoft.com/office/drawing/2010/main" val="0"/>
+              </a:ext>
+            </a:extLst>
+          </a:blip>
+          <a:stretch>
+            <a:fillRect/>
+          </a:stretch>
+        </p:blipFill>
+        <p:spPr>
+          <a:xfrm>
+            <a:off x="4639786" y="0"/>
+            <a:ext cx="7552214" cy="6858000"/>
+          </a:xfrm>
+        </p:spPr>
+      </p:pic>
+      <p:sp>
+        <p:nvSpPr>
+          <p:cNvPr id="7" name="TextBox 6"/>
+          <p:cNvSpPr txBox="1"/>
+          <p:nvPr/>
+        </p:nvSpPr>
+        <p:spPr>
+          <a:xfrm>
+            <a:off x="776613" y="1555770"/>
+            <a:ext cx="3156559" cy="2308324"/>
+          </a:xfrm>
+          <a:prstGeom prst="rect">
+            <a:avLst/>
+          </a:prstGeom>
+          <a:noFill/>
+        </p:spPr>
+        <p:txBody>
+          <a:bodyPr wrap="square" rtlCol="0">
+            <a:spAutoFit/>
+          </a:bodyPr>
+          <a:lstStyle/>
+          <a:p>
+            <a:pPr algn="ctr">
+              <a:lnSpc>
+                <a:spcPct val="200000"/>
+              </a:lnSpc>
+            </a:pPr>
+            <a:r>
+              <a:rPr lang="en-US" dirty="0" smtClean="0"/>
+              <a:t>Among the readmitted patients the hemoglobin level was  less compared with the not-readmitted patients.</a:t>
+            </a:r>
+            <a:endParaRPr lang="en-US" dirty="0"/>
+          </a:p>
+        </p:txBody>
+      </p:sp>
+      <p:sp>
+        <p:nvSpPr>
+          <p:cNvPr id="8" name="TextBox 7"/>
+          <p:cNvSpPr txBox="1"/>
+          <p:nvPr/>
+        </p:nvSpPr>
+        <p:spPr>
+          <a:xfrm>
+            <a:off x="713984" y="3967155"/>
+            <a:ext cx="3219188" cy="2230739"/>
+          </a:xfrm>
+          <a:prstGeom prst="rect">
+            <a:avLst/>
+          </a:prstGeom>
+          <a:noFill/>
+        </p:spPr>
+        <p:txBody>
+          <a:bodyPr wrap="square" rtlCol="0">
+            <a:spAutoFit/>
+          </a:bodyPr>
+          <a:lstStyle/>
+          <a:p>
+            <a:pPr algn="ctr">
+              <a:lnSpc>
+                <a:spcPct val="200000"/>
+              </a:lnSpc>
+            </a:pPr>
+            <a:r>
+              <a:rPr lang="en-US" dirty="0" smtClean="0"/>
+              <a:t>Welch two sample t-test shows </a:t>
+            </a:r>
             <a:r>
               <a:rPr lang="en-US" dirty="0"/>
-              <a:t>Mean Sodium level was 137.5 </a:t>
-            </a:r>
-            <a:r>
-              <a:rPr lang="en-US" dirty="0" err="1"/>
-              <a:t>mEq</a:t>
-            </a:r>
-            <a:r>
-              <a:rPr lang="en-US" dirty="0"/>
-              <a:t>/L with minimum of 120 </a:t>
-            </a:r>
-            <a:r>
-              <a:rPr lang="en-US" dirty="0" err="1"/>
-              <a:t>mEq</a:t>
-            </a:r>
-            <a:r>
-              <a:rPr lang="en-US" dirty="0"/>
-              <a:t>/L and maximum 182mEq/L</a:t>
+              <a:t>significant difference(p-value &lt; 2.2e-16) </a:t>
+            </a:r>
+            <a:r>
+              <a:rPr lang="en-US" dirty="0" smtClean="0"/>
+              <a:t>in hemoglobin level in two groups.</a:t>
             </a:r>
             <a:endParaRPr lang="en-US" dirty="0"/>
           </a:p>
@@ -8883,7 +8945,7 @@
     </p:spTree>
     <p:extLst>
       <p:ext uri="{BB962C8B-B14F-4D97-AF65-F5344CB8AC3E}">
-        <p14:creationId xmlns:p14="http://schemas.microsoft.com/office/powerpoint/2010/main" val="35919964"/>
+        <p14:creationId xmlns:p14="http://schemas.microsoft.com/office/powerpoint/2010/main" val="1255239439"/>
       </p:ext>
     </p:extLst>
   </p:cSld>
@@ -8933,104 +8995,60 @@
           <a:lstStyle/>
           <a:p>
             <a:r>
-              <a:rPr lang="en-US" dirty="0" smtClean="0"/>
+              <a:rPr lang="en-US" dirty="0"/>
               <a:t>Sodium level</a:t>
             </a:r>
-            <a:endParaRPr lang="en-US" dirty="0"/>
-          </a:p>
-        </p:txBody>
-      </p:sp>
-      <p:pic>
-        <p:nvPicPr>
-          <p:cNvPr id="4" name="Content Placeholder 3"/>
-          <p:cNvPicPr>
-            <a:picLocks noGrp="1" noChangeAspect="1"/>
-          </p:cNvPicPr>
+          </a:p>
+        </p:txBody>
+      </p:sp>
+      <p:sp>
+        <p:nvSpPr>
+          <p:cNvPr id="3" name="Content Placeholder 2"/>
+          <p:cNvSpPr>
+            <a:spLocks noGrp="1"/>
+          </p:cNvSpPr>
           <p:nvPr>
             <p:ph idx="1"/>
           </p:nvPr>
-        </p:nvPicPr>
-        <p:blipFill>
-          <a:blip r:embed="rId2">
-            <a:extLst>
-              <a:ext uri="{28A0092B-C50C-407E-A947-70E740481C1C}">
-                <a14:useLocalDpi xmlns:a14="http://schemas.microsoft.com/office/drawing/2010/main" val="0"/>
-              </a:ext>
-            </a:extLst>
-          </a:blip>
-          <a:stretch>
-            <a:fillRect/>
-          </a:stretch>
-        </p:blipFill>
+        </p:nvSpPr>
         <p:spPr>
           <a:xfrm>
-            <a:off x="4597052" y="0"/>
-            <a:ext cx="7594948" cy="6896806"/>
+            <a:off x="685801" y="1989784"/>
+            <a:ext cx="10131425" cy="3133362"/>
           </a:xfrm>
         </p:spPr>
-      </p:pic>
-      <p:sp>
-        <p:nvSpPr>
-          <p:cNvPr id="5" name="Rectangle 4"/>
-          <p:cNvSpPr/>
-          <p:nvPr/>
-        </p:nvSpPr>
-        <p:spPr>
-          <a:xfrm>
-            <a:off x="685801" y="2311511"/>
-            <a:ext cx="2821486" cy="2169825"/>
-          </a:xfrm>
-          <a:prstGeom prst="rect">
-            <a:avLst/>
-          </a:prstGeom>
-        </p:spPr>
-        <p:txBody>
-          <a:bodyPr wrap="square">
-            <a:spAutoFit/>
-          </a:bodyPr>
-          <a:lstStyle/>
-          <a:p>
-            <a:pPr algn="ctr">
-              <a:lnSpc>
-                <a:spcPct val="150000"/>
-              </a:lnSpc>
-            </a:pPr>
+        <p:txBody>
+          <a:bodyPr/>
+          <a:lstStyle/>
+          <a:p>
+            <a:pPr algn="ctr"/>
             <a:r>
               <a:rPr lang="en-US" dirty="0"/>
-              <a:t>Welch two sample t-test </a:t>
-            </a:r>
-            <a:r>
-              <a:rPr lang="en-US" dirty="0" smtClean="0"/>
-              <a:t>shows there is no </a:t>
+              <a:t>Mean Sodium level was 137.5 </a:t>
+            </a:r>
+            <a:r>
+              <a:rPr lang="en-US" dirty="0" err="1"/>
+              <a:t>mEq</a:t>
             </a:r>
             <a:r>
               <a:rPr lang="en-US" dirty="0"/>
-              <a:t>significant </a:t>
-            </a:r>
-            <a:r>
-              <a:rPr lang="en-US" dirty="0" smtClean="0"/>
-              <a:t>difference (</a:t>
+              <a:t>/L with minimum of 120 </a:t>
+            </a:r>
+            <a:r>
+              <a:rPr lang="en-US" dirty="0" err="1"/>
+              <a:t>mEq</a:t>
             </a:r>
             <a:r>
               <a:rPr lang="en-US" dirty="0"/>
-              <a:t>p-value = 0.3755) in </a:t>
-            </a:r>
-            <a:r>
-              <a:rPr lang="en-US" dirty="0" smtClean="0"/>
-              <a:t>sodium level </a:t>
-            </a:r>
-            <a:r>
-              <a:rPr lang="en-US" dirty="0"/>
-              <a:t>in two groups</a:t>
-            </a:r>
-            <a:endParaRPr lang="en-US" dirty="0"/>
+              <a:t>/L and maximum 182mEq/L</a:t>
+            </a:r>
           </a:p>
         </p:txBody>
       </p:sp>
     </p:spTree>
     <p:extLst>
       <p:ext uri="{BB962C8B-B14F-4D97-AF65-F5344CB8AC3E}">
-        <p14:creationId xmlns:p14="http://schemas.microsoft.com/office/powerpoint/2010/main" val="1583785847"/>
+        <p14:creationId xmlns:p14="http://schemas.microsoft.com/office/powerpoint/2010/main" val="35919964"/>
       </p:ext>
     </p:extLst>
   </p:cSld>
@@ -9074,20 +9092,14 @@
             <p:ph type="title"/>
           </p:nvPr>
         </p:nvSpPr>
-        <p:spPr>
-          <a:xfrm rot="16200000">
-            <a:off x="-2700866" y="2700865"/>
-            <a:ext cx="6858000" cy="1456267"/>
-          </a:xfrm>
-        </p:spPr>
+        <p:spPr/>
         <p:txBody>
           <a:bodyPr/>
           <a:lstStyle/>
           <a:p>
-            <a:pPr algn="ctr"/>
-            <a:r>
-              <a:rPr lang="en-US" dirty="0" smtClean="0"/>
-              <a:t>Correlated variable</a:t>
+            <a:r>
+              <a:rPr lang="en-US" dirty="0" smtClean="0"/>
+              <a:t>Sodium level</a:t>
             </a:r>
             <a:endParaRPr lang="en-US" dirty="0"/>
           </a:p>
@@ -9117,50 +9129,72 @@
         </p:blipFill>
         <p:spPr>
           <a:xfrm>
-            <a:off x="4872625" y="-2"/>
-            <a:ext cx="7319375" cy="6807750"/>
+            <a:off x="4597052" y="0"/>
+            <a:ext cx="7594948" cy="6896806"/>
           </a:xfrm>
         </p:spPr>
       </p:pic>
       <p:sp>
         <p:nvSpPr>
-          <p:cNvPr id="5" name="TextBox 4"/>
-          <p:cNvSpPr txBox="1"/>
+          <p:cNvPr id="5" name="Rectangle 4"/>
+          <p:cNvSpPr/>
           <p:nvPr/>
         </p:nvSpPr>
         <p:spPr>
           <a:xfrm>
-            <a:off x="2182778" y="2036629"/>
-            <a:ext cx="1540701" cy="2784737"/>
+            <a:off x="685801" y="2311511"/>
+            <a:ext cx="2821486" cy="2169825"/>
           </a:xfrm>
           <a:prstGeom prst="rect">
             <a:avLst/>
           </a:prstGeom>
-          <a:noFill/>
         </p:spPr>
         <p:txBody>
-          <a:bodyPr wrap="square" rtlCol="0">
+          <a:bodyPr wrap="square">
             <a:spAutoFit/>
           </a:bodyPr>
           <a:lstStyle/>
           <a:p>
             <a:pPr algn="ctr">
               <a:lnSpc>
-                <a:spcPct val="200000"/>
+                <a:spcPct val="150000"/>
               </a:lnSpc>
             </a:pPr>
             <a:r>
-              <a:rPr lang="en-US" dirty="0" smtClean="0"/>
-              <a:t>No significant correlated variables were found in the final data set.</a:t>
-            </a:r>
-            <a:endParaRPr lang="en-US" dirty="0"/>
+              <a:rPr lang="en-US" dirty="0"/>
+              <a:t>Welch two sample t-test </a:t>
+            </a:r>
+            <a:r>
+              <a:rPr lang="en-US" dirty="0" smtClean="0"/>
+              <a:t>shows there is no </a:t>
+            </a:r>
+            <a:r>
+              <a:rPr lang="en-US" dirty="0"/>
+              <a:t>significant </a:t>
+            </a:r>
+            <a:r>
+              <a:rPr lang="en-US" dirty="0" smtClean="0"/>
+              <a:t>difference (</a:t>
+            </a:r>
+            <a:r>
+              <a:rPr lang="en-US" dirty="0"/>
+              <a:t>p-value = 0.3755) in </a:t>
+            </a:r>
+            <a:r>
+              <a:rPr lang="en-US" dirty="0" smtClean="0"/>
+              <a:t>sodium level </a:t>
+            </a:r>
+            <a:r>
+              <a:rPr lang="en-US" dirty="0"/>
+              <a:t>in two groups</a:t>
+            </a:r>
           </a:p>
         </p:txBody>
       </p:sp>
     </p:spTree>
     <p:extLst>
       <p:ext uri="{BB962C8B-B14F-4D97-AF65-F5344CB8AC3E}">
-        <p14:creationId xmlns:p14="http://schemas.microsoft.com/office/powerpoint/2010/main" val="430586674"/>
+        <p14:creationId xmlns:p14="http://schemas.microsoft.com/office/powerpoint/2010/main" val="1583785847"/>
       </p:ext>
     </p:extLst>
   </p:cSld>
@@ -9201,80 +9235,51 @@
             <a:spLocks noGrp="1"/>
           </p:cNvSpPr>
           <p:nvPr>
-            <p:ph type="ctrTitle"/>
-          </p:nvPr>
-        </p:nvSpPr>
-        <p:spPr>
-          <a:xfrm>
-            <a:off x="3691467" y="1405467"/>
-            <a:ext cx="7468658" cy="2980264"/>
-          </a:xfrm>
-        </p:spPr>
-        <p:txBody>
-          <a:bodyPr>
-            <a:normAutofit fontScale="90000"/>
-          </a:bodyPr>
-          <a:lstStyle/>
-          <a:p>
-            <a:r>
-              <a:rPr lang="en-US" dirty="0"/>
-              <a:t>A Model to Predict 30-Day Hospital Readmission of Patients in San Francisco General Hospital</a:t>
-            </a:r>
-          </a:p>
-        </p:txBody>
-      </p:sp>
-      <p:sp>
-        <p:nvSpPr>
-          <p:cNvPr id="3" name="Subtitle 2"/>
-          <p:cNvSpPr>
-            <a:spLocks noGrp="1"/>
-          </p:cNvSpPr>
-          <p:nvPr>
-            <p:ph type="subTitle" idx="1"/>
+            <p:ph type="title"/>
           </p:nvPr>
         </p:nvSpPr>
         <p:spPr/>
         <p:txBody>
-          <a:bodyPr>
-            <a:normAutofit/>
-          </a:bodyPr>
-          <a:lstStyle/>
-          <a:p>
-            <a:r>
-              <a:rPr lang="en-US" dirty="0" smtClean="0"/>
-              <a:t>USING   </a:t>
-            </a:r>
-            <a:r>
-              <a:rPr lang="en-US" sz="4400" dirty="0" smtClean="0"/>
-              <a:t>R</a:t>
-            </a:r>
-          </a:p>
-          <a:p>
-            <a:r>
-              <a:rPr lang="en-US" sz="2000" dirty="0" smtClean="0"/>
-              <a:t>A K M Tanzir HASAN</a:t>
-            </a:r>
-            <a:endParaRPr lang="en-US" sz="2000" dirty="0"/>
+          <a:bodyPr/>
+          <a:lstStyle/>
+          <a:p>
+            <a:r>
+              <a:rPr lang="en-US" dirty="0" smtClean="0"/>
+              <a:t>The study we followed </a:t>
+            </a:r>
+            <a:endParaRPr lang="en-US" dirty="0"/>
+          </a:p>
+        </p:txBody>
+      </p:sp>
+      <p:sp>
+        <p:nvSpPr>
+          <p:cNvPr id="3" name="Content Placeholder 2"/>
+          <p:cNvSpPr>
+            <a:spLocks noGrp="1"/>
+          </p:cNvSpPr>
+          <p:nvPr>
+            <p:ph idx="1"/>
+          </p:nvPr>
+        </p:nvSpPr>
+        <p:spPr/>
+        <p:txBody>
+          <a:bodyPr/>
+          <a:lstStyle/>
+          <a:p>
+            <a:endParaRPr lang="en-US" dirty="0"/>
           </a:p>
         </p:txBody>
       </p:sp>
     </p:spTree>
     <p:extLst>
       <p:ext uri="{BB962C8B-B14F-4D97-AF65-F5344CB8AC3E}">
-        <p14:creationId xmlns:p14="http://schemas.microsoft.com/office/powerpoint/2010/main" val="160952201"/>
+        <p14:creationId xmlns:p14="http://schemas.microsoft.com/office/powerpoint/2010/main" val="517635204"/>
       </p:ext>
     </p:extLst>
   </p:cSld>
   <p:clrMapOvr>
     <a:masterClrMapping/>
   </p:clrMapOvr>
-  <p:timing>
-    <p:tnLst>
-      <p:par>
-        <p:cTn id="1" dur="indefinite" restart="never" nodeType="tmRoot"/>
-      </p:par>
-    </p:tnLst>
-  </p:timing>
 </p:sld>
 </file>
 
@@ -9305,14 +9310,20 @@
             <p:ph type="title"/>
           </p:nvPr>
         </p:nvSpPr>
-        <p:spPr/>
+        <p:spPr>
+          <a:xfrm rot="16200000">
+            <a:off x="-2700866" y="2700865"/>
+            <a:ext cx="6858000" cy="1456267"/>
+          </a:xfrm>
+        </p:spPr>
         <p:txBody>
           <a:bodyPr/>
           <a:lstStyle/>
           <a:p>
-            <a:r>
-              <a:rPr lang="en-US" dirty="0" smtClean="0"/>
-              <a:t>Logistic regression: model fitting</a:t>
+            <a:pPr algn="ctr"/>
+            <a:r>
+              <a:rPr lang="en-US" dirty="0" smtClean="0"/>
+              <a:t>Correlated variable</a:t>
             </a:r>
             <a:endParaRPr lang="en-US" dirty="0"/>
           </a:p>
@@ -9320,139 +9331,72 @@
       </p:sp>
       <p:sp>
         <p:nvSpPr>
-          <p:cNvPr id="3" name="Content Placeholder 2"/>
-          <p:cNvSpPr>
-            <a:spLocks noGrp="1"/>
-          </p:cNvSpPr>
-          <p:nvPr>
-            <p:ph idx="1"/>
-          </p:nvPr>
+          <p:cNvPr id="5" name="TextBox 4"/>
+          <p:cNvSpPr txBox="1"/>
+          <p:nvPr/>
         </p:nvSpPr>
         <p:spPr>
           <a:xfrm>
-            <a:off x="685801" y="2142067"/>
-            <a:ext cx="10131425" cy="4459149"/>
+            <a:off x="1154232" y="2036629"/>
+            <a:ext cx="1540701" cy="2784737"/>
           </a:xfrm>
+          <a:prstGeom prst="rect">
+            <a:avLst/>
+          </a:prstGeom>
+          <a:noFill/>
         </p:spPr>
         <p:txBody>
-          <a:bodyPr>
-            <a:normAutofit fontScale="92500" lnSpcReduction="20000"/>
+          <a:bodyPr wrap="square" rtlCol="0">
+            <a:spAutoFit/>
           </a:bodyPr>
           <a:lstStyle/>
           <a:p>
-            <a:pPr>
+            <a:pPr algn="ctr">
               <a:lnSpc>
                 <a:spcPct val="200000"/>
               </a:lnSpc>
             </a:pPr>
             <a:r>
               <a:rPr lang="en-US" dirty="0" smtClean="0"/>
-              <a:t>Step function was used to get the best predictors in logistic regression model.</a:t>
-            </a:r>
-          </a:p>
-          <a:p>
-            <a:pPr>
-              <a:lnSpc>
-                <a:spcPct val="200000"/>
-              </a:lnSpc>
-            </a:pPr>
-            <a:r>
-              <a:rPr lang="en-US" dirty="0" smtClean="0"/>
-              <a:t>A null model was fitted with only intercept as predictor.</a:t>
-            </a:r>
-          </a:p>
-          <a:p>
-            <a:pPr>
-              <a:lnSpc>
-                <a:spcPct val="200000"/>
-              </a:lnSpc>
-            </a:pPr>
-            <a:r>
-              <a:rPr lang="en-US" dirty="0" smtClean="0"/>
-              <a:t>And as main model, all variables were fitted as predictor variable. </a:t>
-            </a:r>
-          </a:p>
-          <a:p>
-            <a:pPr>
-              <a:lnSpc>
-                <a:spcPct val="200000"/>
-              </a:lnSpc>
-            </a:pPr>
-            <a:r>
-              <a:rPr lang="en-US" dirty="0" smtClean="0"/>
-              <a:t>Step function  returned  race and hemoglobin level as significant predictor with ACI 1629.09 where starting ACI was 1634.4.</a:t>
+              <a:t>No significant correlated variables were found in the final data set.</a:t>
             </a:r>
             <a:endParaRPr lang="en-US" dirty="0"/>
           </a:p>
-          <a:p>
-            <a:pPr>
-              <a:lnSpc>
-                <a:spcPct val="200000"/>
-              </a:lnSpc>
-            </a:pPr>
-            <a:r>
-              <a:rPr lang="en-US" dirty="0" smtClean="0"/>
-              <a:t>With the variables race </a:t>
-            </a:r>
-            <a:r>
-              <a:rPr lang="en-US" dirty="0"/>
-              <a:t>and hemoglobin </a:t>
-            </a:r>
-            <a:r>
-              <a:rPr lang="en-US" dirty="0" smtClean="0"/>
-              <a:t> the fitted logistic </a:t>
-            </a:r>
-            <a:r>
-              <a:rPr lang="en-US" dirty="0"/>
-              <a:t>regression model Hosmer and Lameshow R^2 </a:t>
-            </a:r>
-            <a:r>
-              <a:rPr lang="en-US" dirty="0" smtClean="0"/>
-              <a:t>was  0.013, </a:t>
-            </a:r>
-            <a:r>
-              <a:rPr lang="de-DE" dirty="0"/>
-              <a:t>Cox </a:t>
-            </a:r>
-            <a:r>
-              <a:rPr lang="de-DE" dirty="0" smtClean="0"/>
-              <a:t>&amp;Snell </a:t>
-            </a:r>
-            <a:r>
-              <a:rPr lang="de-DE" dirty="0"/>
-              <a:t>R^2   </a:t>
-            </a:r>
-            <a:r>
-              <a:rPr lang="de-DE" dirty="0" smtClean="0"/>
-              <a:t>was  0.018  and</a:t>
-            </a:r>
-            <a:r>
-              <a:rPr lang="de-DE" dirty="0"/>
-              <a:t> Nagelkerke R^2 </a:t>
-            </a:r>
-            <a:r>
-              <a:rPr lang="de-DE" dirty="0" smtClean="0"/>
-              <a:t>was 0.024. </a:t>
-            </a:r>
-          </a:p>
-          <a:p>
-            <a:pPr>
-              <a:lnSpc>
-                <a:spcPct val="200000"/>
-              </a:lnSpc>
-            </a:pPr>
-            <a:r>
-              <a:rPr lang="en-US" dirty="0" smtClean="0"/>
-              <a:t>Considering the AIC and  low R square values decision were made to add more variables to the model. </a:t>
-            </a:r>
-            <a:endParaRPr lang="en-US" dirty="0"/>
-          </a:p>
-        </p:txBody>
-      </p:sp>
+        </p:txBody>
+      </p:sp>
+      <p:pic>
+        <p:nvPicPr>
+          <p:cNvPr id="6" name="Content Placeholder 5"/>
+          <p:cNvPicPr>
+            <a:picLocks noGrp="1" noChangeAspect="1"/>
+          </p:cNvPicPr>
+          <p:nvPr>
+            <p:ph idx="1"/>
+          </p:nvPr>
+        </p:nvPicPr>
+        <p:blipFill>
+          <a:blip r:embed="rId2">
+            <a:extLst>
+              <a:ext uri="{28A0092B-C50C-407E-A947-70E740481C1C}">
+                <a14:useLocalDpi xmlns:a14="http://schemas.microsoft.com/office/drawing/2010/main" val="0"/>
+              </a:ext>
+            </a:extLst>
+          </a:blip>
+          <a:stretch>
+            <a:fillRect/>
+          </a:stretch>
+        </p:blipFill>
+        <p:spPr>
+          <a:xfrm>
+            <a:off x="3424521" y="0"/>
+            <a:ext cx="8767480" cy="6858000"/>
+          </a:xfrm>
+        </p:spPr>
+      </p:pic>
     </p:spTree>
     <p:extLst>
       <p:ext uri="{BB962C8B-B14F-4D97-AF65-F5344CB8AC3E}">
-        <p14:creationId xmlns:p14="http://schemas.microsoft.com/office/powerpoint/2010/main" val="1660785161"/>
+        <p14:creationId xmlns:p14="http://schemas.microsoft.com/office/powerpoint/2010/main" val="430586674"/>
       </p:ext>
     </p:extLst>
   </p:cSld>
@@ -9502,6 +9446,994 @@
           <a:lstStyle/>
           <a:p>
             <a:r>
+              <a:rPr lang="en-US" dirty="0"/>
+              <a:t>Logistic regression: model fitting</a:t>
+            </a:r>
+          </a:p>
+        </p:txBody>
+      </p:sp>
+      <p:sp>
+        <p:nvSpPr>
+          <p:cNvPr id="3" name="Content Placeholder 2"/>
+          <p:cNvSpPr>
+            <a:spLocks noGrp="1"/>
+          </p:cNvSpPr>
+          <p:nvPr>
+            <p:ph idx="1"/>
+          </p:nvPr>
+        </p:nvSpPr>
+        <p:spPr/>
+        <p:txBody>
+          <a:bodyPr>
+            <a:normAutofit fontScale="92500" lnSpcReduction="20000"/>
+          </a:bodyPr>
+          <a:lstStyle/>
+          <a:p>
+            <a:pPr>
+              <a:lnSpc>
+                <a:spcPct val="200000"/>
+              </a:lnSpc>
+            </a:pPr>
+            <a:r>
+              <a:rPr lang="en-US" dirty="0"/>
+              <a:t>Step function was used to get the best predictors in logistic regression model.</a:t>
+            </a:r>
+          </a:p>
+          <a:p>
+            <a:pPr>
+              <a:lnSpc>
+                <a:spcPct val="200000"/>
+              </a:lnSpc>
+            </a:pPr>
+            <a:r>
+              <a:rPr lang="en-US" dirty="0"/>
+              <a:t>A null model was fitted with only intercept as predictor.</a:t>
+            </a:r>
+          </a:p>
+          <a:p>
+            <a:pPr>
+              <a:lnSpc>
+                <a:spcPct val="200000"/>
+              </a:lnSpc>
+            </a:pPr>
+            <a:r>
+              <a:rPr lang="en-US" dirty="0"/>
+              <a:t>And as main model, all variables were fitted as predictor variable. </a:t>
+            </a:r>
+            <a:endParaRPr lang="en-US" dirty="0" smtClean="0"/>
+          </a:p>
+          <a:p>
+            <a:pPr>
+              <a:lnSpc>
+                <a:spcPct val="200000"/>
+              </a:lnSpc>
+            </a:pPr>
+            <a:r>
+              <a:rPr lang="en-US" dirty="0"/>
+              <a:t>Step function  returned  </a:t>
+            </a:r>
+            <a:r>
+              <a:rPr lang="en-US" dirty="0" err="1"/>
+              <a:t>AdmitCount</a:t>
+            </a:r>
+            <a:r>
+              <a:rPr lang="en-US" dirty="0"/>
+              <a:t> </a:t>
+            </a:r>
+            <a:r>
+              <a:rPr lang="en-US" dirty="0" smtClean="0"/>
+              <a:t>,</a:t>
+            </a:r>
+            <a:r>
+              <a:rPr lang="en-US" dirty="0" err="1" smtClean="0"/>
+              <a:t>dx_group</a:t>
+            </a:r>
+            <a:r>
+              <a:rPr lang="en-US" dirty="0" smtClean="0"/>
+              <a:t> ,</a:t>
+            </a:r>
+            <a:r>
+              <a:rPr lang="en-US" dirty="0" err="1" smtClean="0"/>
+              <a:t>Hb</a:t>
+            </a:r>
+            <a:r>
+              <a:rPr lang="en-US" dirty="0" smtClean="0"/>
+              <a:t>  and homelessness as </a:t>
+            </a:r>
+            <a:r>
+              <a:rPr lang="en-US" dirty="0"/>
+              <a:t>significant predictor with ACI </a:t>
+            </a:r>
+            <a:r>
+              <a:rPr lang="hr-HR" dirty="0"/>
+              <a:t>4292.59</a:t>
+            </a:r>
+            <a:r>
+              <a:rPr lang="en-US" dirty="0" smtClean="0"/>
+              <a:t> </a:t>
+            </a:r>
+            <a:r>
+              <a:rPr lang="en-US" dirty="0"/>
+              <a:t>where starting ACI was </a:t>
+            </a:r>
+            <a:r>
+              <a:rPr lang="nb-NO" dirty="0"/>
+              <a:t>5821.63</a:t>
+            </a:r>
+            <a:r>
+              <a:rPr lang="en-US" dirty="0" smtClean="0"/>
+              <a:t>.</a:t>
+            </a:r>
+          </a:p>
+          <a:p>
+            <a:pPr>
+              <a:lnSpc>
+                <a:spcPct val="200000"/>
+              </a:lnSpc>
+            </a:pPr>
+            <a:r>
+              <a:rPr lang="en-US" dirty="0" smtClean="0"/>
+              <a:t>Depending on the p value of </a:t>
+            </a:r>
+            <a:r>
+              <a:rPr lang="en-US" dirty="0"/>
+              <a:t>the </a:t>
+            </a:r>
+            <a:r>
+              <a:rPr lang="en-US" dirty="0" smtClean="0"/>
+              <a:t>Coefficients of the variables </a:t>
+            </a:r>
+            <a:r>
+              <a:rPr lang="en-US" dirty="0" err="1" smtClean="0"/>
+              <a:t>dx_group</a:t>
+            </a:r>
+            <a:r>
+              <a:rPr lang="en-US" dirty="0" smtClean="0"/>
+              <a:t> was removed from the model.</a:t>
+            </a:r>
+            <a:endParaRPr lang="en-US" dirty="0"/>
+          </a:p>
+          <a:p>
+            <a:pPr>
+              <a:lnSpc>
+                <a:spcPct val="200000"/>
+              </a:lnSpc>
+            </a:pPr>
+            <a:endParaRPr lang="en-US" dirty="0"/>
+          </a:p>
+          <a:p>
+            <a:endParaRPr lang="en-US" dirty="0"/>
+          </a:p>
+        </p:txBody>
+      </p:sp>
+    </p:spTree>
+    <p:extLst>
+      <p:ext uri="{BB962C8B-B14F-4D97-AF65-F5344CB8AC3E}">
+        <p14:creationId xmlns:p14="http://schemas.microsoft.com/office/powerpoint/2010/main" val="1894934162"/>
+      </p:ext>
+    </p:extLst>
+  </p:cSld>
+  <p:clrMapOvr>
+    <a:masterClrMapping/>
+  </p:clrMapOvr>
+</p:sld>
+</file>
+
+<file path=ppt/slides/slide32.xml><?xml version="1.0" encoding="utf-8"?>
+<p:sld xmlns:a="http://schemas.openxmlformats.org/drawingml/2006/main" xmlns:r="http://schemas.openxmlformats.org/officeDocument/2006/relationships" xmlns:p="http://schemas.openxmlformats.org/presentationml/2006/main">
+  <p:cSld>
+    <p:spTree>
+      <p:nvGrpSpPr>
+        <p:cNvPr id="1" name=""/>
+        <p:cNvGrpSpPr/>
+        <p:nvPr/>
+      </p:nvGrpSpPr>
+      <p:grpSpPr>
+        <a:xfrm>
+          <a:off x="0" y="0"/>
+          <a:ext cx="0" cy="0"/>
+          <a:chOff x="0" y="0"/>
+          <a:chExt cx="0" cy="0"/>
+        </a:xfrm>
+      </p:grpSpPr>
+      <p:sp>
+        <p:nvSpPr>
+          <p:cNvPr id="2" name="Title 1"/>
+          <p:cNvSpPr>
+            <a:spLocks noGrp="1"/>
+          </p:cNvSpPr>
+          <p:nvPr>
+            <p:ph type="title"/>
+          </p:nvPr>
+        </p:nvSpPr>
+        <p:spPr/>
+        <p:txBody>
+          <a:bodyPr/>
+          <a:lstStyle/>
+          <a:p>
+            <a:endParaRPr lang="en-US"/>
+          </a:p>
+        </p:txBody>
+      </p:sp>
+      <p:pic>
+        <p:nvPicPr>
+          <p:cNvPr id="4" name="Content Placeholder 3"/>
+          <p:cNvPicPr>
+            <a:picLocks noGrp="1" noChangeAspect="1"/>
+          </p:cNvPicPr>
+          <p:nvPr>
+            <p:ph idx="1"/>
+          </p:nvPr>
+        </p:nvPicPr>
+        <p:blipFill>
+          <a:blip r:embed="rId2">
+            <a:extLst>
+              <a:ext uri="{28A0092B-C50C-407E-A947-70E740481C1C}">
+                <a14:useLocalDpi xmlns:a14="http://schemas.microsoft.com/office/drawing/2010/main" val="0"/>
+              </a:ext>
+            </a:extLst>
+          </a:blip>
+          <a:stretch>
+            <a:fillRect/>
+          </a:stretch>
+        </p:blipFill>
+        <p:spPr>
+          <a:xfrm>
+            <a:off x="405147" y="280219"/>
+            <a:ext cx="11349318" cy="6338187"/>
+          </a:xfrm>
+        </p:spPr>
+      </p:pic>
+    </p:spTree>
+    <p:extLst>
+      <p:ext uri="{BB962C8B-B14F-4D97-AF65-F5344CB8AC3E}">
+        <p14:creationId xmlns:p14="http://schemas.microsoft.com/office/powerpoint/2010/main" val="2075717600"/>
+      </p:ext>
+    </p:extLst>
+  </p:cSld>
+  <p:clrMapOvr>
+    <a:masterClrMapping/>
+  </p:clrMapOvr>
+</p:sld>
+</file>
+
+<file path=ppt/slides/slide33.xml><?xml version="1.0" encoding="utf-8"?>
+<p:sld xmlns:a="http://schemas.openxmlformats.org/drawingml/2006/main" xmlns:r="http://schemas.openxmlformats.org/officeDocument/2006/relationships" xmlns:p="http://schemas.openxmlformats.org/presentationml/2006/main">
+  <p:cSld>
+    <p:spTree>
+      <p:nvGrpSpPr>
+        <p:cNvPr id="1" name=""/>
+        <p:cNvGrpSpPr/>
+        <p:nvPr/>
+      </p:nvGrpSpPr>
+      <p:grpSpPr>
+        <a:xfrm>
+          <a:off x="0" y="0"/>
+          <a:ext cx="0" cy="0"/>
+          <a:chOff x="0" y="0"/>
+          <a:chExt cx="0" cy="0"/>
+        </a:xfrm>
+      </p:grpSpPr>
+      <p:sp>
+        <p:nvSpPr>
+          <p:cNvPr id="2" name="Title 1"/>
+          <p:cNvSpPr>
+            <a:spLocks noGrp="1"/>
+          </p:cNvSpPr>
+          <p:nvPr>
+            <p:ph type="title"/>
+          </p:nvPr>
+        </p:nvSpPr>
+        <p:spPr/>
+        <p:txBody>
+          <a:bodyPr/>
+          <a:lstStyle/>
+          <a:p>
+            <a:r>
+              <a:rPr lang="en-US" dirty="0"/>
+              <a:t>Logistic regression: model fitting</a:t>
+            </a:r>
+          </a:p>
+        </p:txBody>
+      </p:sp>
+      <p:sp>
+        <p:nvSpPr>
+          <p:cNvPr id="3" name="Content Placeholder 2"/>
+          <p:cNvSpPr>
+            <a:spLocks noGrp="1"/>
+          </p:cNvSpPr>
+          <p:nvPr>
+            <p:ph idx="1"/>
+          </p:nvPr>
+        </p:nvSpPr>
+        <p:spPr>
+          <a:xfrm>
+            <a:off x="685801" y="2142067"/>
+            <a:ext cx="10575098" cy="3649133"/>
+          </a:xfrm>
+        </p:spPr>
+        <p:txBody>
+          <a:bodyPr/>
+          <a:lstStyle/>
+          <a:p>
+            <a:r>
+              <a:rPr lang="en-US" dirty="0" smtClean="0"/>
+              <a:t>The regression coefficients gave the change in log(odds) in the response for a unit change in the predictor variable, holding other predictor variable constant</a:t>
+            </a:r>
+          </a:p>
+          <a:p>
+            <a:r>
+              <a:rPr lang="en-US" dirty="0" smtClean="0"/>
+              <a:t>Because log(odds) are difficult to interpret, we </a:t>
+            </a:r>
+            <a:r>
+              <a:rPr lang="en-US" dirty="0" err="1"/>
+              <a:t>e</a:t>
+            </a:r>
+            <a:r>
+              <a:rPr lang="en-US" dirty="0" err="1" smtClean="0"/>
+              <a:t>xponentiate</a:t>
+            </a:r>
+            <a:r>
+              <a:rPr lang="en-US" dirty="0" smtClean="0"/>
+              <a:t> them to put the result on an odds scale</a:t>
+            </a:r>
+          </a:p>
+          <a:p>
+            <a:endParaRPr lang="en-US" dirty="0" smtClean="0"/>
+          </a:p>
+          <a:p>
+            <a:endParaRPr lang="en-US" dirty="0" smtClean="0"/>
+          </a:p>
+          <a:p>
+            <a:pPr marL="0" indent="0">
+              <a:buNone/>
+            </a:pPr>
+            <a:r>
+              <a:rPr lang="en-US" dirty="0" err="1" smtClean="0"/>
+              <a:t>exp</a:t>
+            </a:r>
+            <a:r>
+              <a:rPr lang="en-US" dirty="0" smtClean="0"/>
+              <a:t>(</a:t>
+            </a:r>
+            <a:r>
+              <a:rPr lang="en-US" dirty="0" err="1" smtClean="0"/>
+              <a:t>coef</a:t>
+            </a:r>
+            <a:r>
+              <a:rPr lang="en-US" dirty="0" smtClean="0"/>
+              <a:t>(</a:t>
+            </a:r>
+            <a:r>
+              <a:rPr lang="en-US" dirty="0" err="1" smtClean="0"/>
+              <a:t>fit_mod</a:t>
+            </a:r>
+            <a:r>
+              <a:rPr lang="en-US" dirty="0" smtClean="0"/>
+              <a:t>))             (Intercept)               </a:t>
+            </a:r>
+            <a:r>
+              <a:rPr lang="en-US" dirty="0" err="1" smtClean="0"/>
+              <a:t>AdmitCount</a:t>
+            </a:r>
+            <a:r>
+              <a:rPr lang="en-US" dirty="0" smtClean="0"/>
+              <a:t>                       </a:t>
+            </a:r>
+            <a:r>
+              <a:rPr lang="en-US" dirty="0" err="1" smtClean="0"/>
+              <a:t>Hb</a:t>
+            </a:r>
+            <a:r>
+              <a:rPr lang="en-US" dirty="0" smtClean="0"/>
+              <a:t>            </a:t>
+            </a:r>
+            <a:r>
+              <a:rPr lang="en-US" dirty="0" err="1" smtClean="0"/>
+              <a:t>homelessnessnot_homeless</a:t>
+            </a:r>
+            <a:r>
+              <a:rPr lang="en-US" dirty="0" smtClean="0"/>
+              <a:t>          </a:t>
+            </a:r>
+          </a:p>
+          <a:p>
+            <a:pPr marL="0" indent="0">
+              <a:buNone/>
+            </a:pPr>
+            <a:r>
+              <a:rPr lang="en-US" dirty="0" smtClean="0"/>
+              <a:t>                                              </a:t>
+            </a:r>
+            <a:r>
+              <a:rPr lang="de-DE" dirty="0" smtClean="0"/>
+              <a:t>0.2136110                  2.2954460                 0.8929313              0.8043495</a:t>
+            </a:r>
+            <a:endParaRPr lang="en-US" dirty="0"/>
+          </a:p>
+        </p:txBody>
+      </p:sp>
+    </p:spTree>
+    <p:extLst>
+      <p:ext uri="{BB962C8B-B14F-4D97-AF65-F5344CB8AC3E}">
+        <p14:creationId xmlns:p14="http://schemas.microsoft.com/office/powerpoint/2010/main" val="1724400554"/>
+      </p:ext>
+    </p:extLst>
+  </p:cSld>
+  <p:clrMapOvr>
+    <a:masterClrMapping/>
+  </p:clrMapOvr>
+</p:sld>
+</file>
+
+<file path=ppt/slides/slide34.xml><?xml version="1.0" encoding="utf-8"?>
+<p:sld xmlns:a="http://schemas.openxmlformats.org/drawingml/2006/main" xmlns:r="http://schemas.openxmlformats.org/officeDocument/2006/relationships" xmlns:p="http://schemas.openxmlformats.org/presentationml/2006/main">
+  <p:cSld>
+    <p:spTree>
+      <p:nvGrpSpPr>
+        <p:cNvPr id="1" name=""/>
+        <p:cNvGrpSpPr/>
+        <p:nvPr/>
+      </p:nvGrpSpPr>
+      <p:grpSpPr>
+        <a:xfrm>
+          <a:off x="0" y="0"/>
+          <a:ext cx="0" cy="0"/>
+          <a:chOff x="0" y="0"/>
+          <a:chExt cx="0" cy="0"/>
+        </a:xfrm>
+      </p:grpSpPr>
+      <p:sp>
+        <p:nvSpPr>
+          <p:cNvPr id="2" name="Title 1"/>
+          <p:cNvSpPr>
+            <a:spLocks noGrp="1"/>
+          </p:cNvSpPr>
+          <p:nvPr>
+            <p:ph type="title"/>
+          </p:nvPr>
+        </p:nvSpPr>
+        <p:spPr/>
+        <p:txBody>
+          <a:bodyPr/>
+          <a:lstStyle/>
+          <a:p>
+            <a:r>
+              <a:rPr lang="en-US" dirty="0"/>
+              <a:t>Logistic regression: model fitting</a:t>
+            </a:r>
+          </a:p>
+        </p:txBody>
+      </p:sp>
+      <p:sp>
+        <p:nvSpPr>
+          <p:cNvPr id="3" name="Content Placeholder 2"/>
+          <p:cNvSpPr>
+            <a:spLocks noGrp="1"/>
+          </p:cNvSpPr>
+          <p:nvPr>
+            <p:ph idx="1"/>
+          </p:nvPr>
+        </p:nvSpPr>
+        <p:spPr/>
+        <p:txBody>
+          <a:bodyPr/>
+          <a:lstStyle/>
+          <a:p>
+            <a:r>
+              <a:rPr lang="en-US" dirty="0"/>
+              <a:t>T</a:t>
+            </a:r>
+            <a:r>
+              <a:rPr lang="en-US" dirty="0" smtClean="0"/>
+              <a:t>he </a:t>
+            </a:r>
+            <a:r>
+              <a:rPr lang="en-US" dirty="0"/>
+              <a:t>training set accuracy of our </a:t>
+            </a:r>
+            <a:r>
+              <a:rPr lang="en-US" dirty="0" smtClean="0"/>
+              <a:t>model was  </a:t>
+            </a:r>
+            <a:r>
+              <a:rPr lang="is-IS" dirty="0" smtClean="0"/>
+              <a:t>0.9024278  i.e 90%</a:t>
+            </a:r>
+          </a:p>
+          <a:p>
+            <a:r>
+              <a:rPr lang="en-US" dirty="0"/>
+              <a:t>In order to test this model's generalizability, </a:t>
+            </a:r>
+            <a:r>
+              <a:rPr lang="en-US" dirty="0" smtClean="0"/>
+              <a:t>we performed k-fold cross-validation</a:t>
+            </a:r>
+          </a:p>
+          <a:p>
+            <a:r>
+              <a:rPr lang="en-US" dirty="0"/>
+              <a:t>CV-estimated accuracy </a:t>
+            </a:r>
+            <a:r>
+              <a:rPr lang="en-US" dirty="0" smtClean="0"/>
+              <a:t>rate was  93%</a:t>
+            </a:r>
+          </a:p>
+          <a:p>
+            <a:r>
+              <a:rPr lang="en-US" dirty="0"/>
+              <a:t>This indicates that it is highly </a:t>
+            </a:r>
+            <a:r>
+              <a:rPr lang="en-US" dirty="0" smtClean="0"/>
+              <a:t>unlikely that </a:t>
+            </a:r>
+            <a:r>
+              <a:rPr lang="en-US" dirty="0"/>
+              <a:t>we are overfitting.</a:t>
+            </a:r>
+            <a:endParaRPr lang="en-US" dirty="0"/>
+          </a:p>
+        </p:txBody>
+      </p:sp>
+    </p:spTree>
+    <p:extLst>
+      <p:ext uri="{BB962C8B-B14F-4D97-AF65-F5344CB8AC3E}">
+        <p14:creationId xmlns:p14="http://schemas.microsoft.com/office/powerpoint/2010/main" val="952575589"/>
+      </p:ext>
+    </p:extLst>
+  </p:cSld>
+  <p:clrMapOvr>
+    <a:masterClrMapping/>
+  </p:clrMapOvr>
+</p:sld>
+</file>
+
+<file path=ppt/slides/slide35.xml><?xml version="1.0" encoding="utf-8"?>
+<p:sld xmlns:a="http://schemas.openxmlformats.org/drawingml/2006/main" xmlns:r="http://schemas.openxmlformats.org/officeDocument/2006/relationships" xmlns:p="http://schemas.openxmlformats.org/presentationml/2006/main">
+  <p:cSld>
+    <p:spTree>
+      <p:nvGrpSpPr>
+        <p:cNvPr id="1" name=""/>
+        <p:cNvGrpSpPr/>
+        <p:nvPr/>
+      </p:nvGrpSpPr>
+      <p:grpSpPr>
+        <a:xfrm>
+          <a:off x="0" y="0"/>
+          <a:ext cx="0" cy="0"/>
+          <a:chOff x="0" y="0"/>
+          <a:chExt cx="0" cy="0"/>
+        </a:xfrm>
+      </p:grpSpPr>
+      <p:sp>
+        <p:nvSpPr>
+          <p:cNvPr id="2" name="Title 1"/>
+          <p:cNvSpPr>
+            <a:spLocks noGrp="1"/>
+          </p:cNvSpPr>
+          <p:nvPr>
+            <p:ph type="title"/>
+          </p:nvPr>
+        </p:nvSpPr>
+        <p:spPr/>
+        <p:txBody>
+          <a:bodyPr/>
+          <a:lstStyle/>
+          <a:p>
+            <a:r>
+              <a:rPr lang="en-US" dirty="0" smtClean="0"/>
+              <a:t>Logistic regression: model fitting</a:t>
+            </a:r>
+            <a:endParaRPr lang="en-US" dirty="0"/>
+          </a:p>
+        </p:txBody>
+      </p:sp>
+      <p:sp>
+        <p:nvSpPr>
+          <p:cNvPr id="3" name="Content Placeholder 2"/>
+          <p:cNvSpPr>
+            <a:spLocks noGrp="1"/>
+          </p:cNvSpPr>
+          <p:nvPr>
+            <p:ph idx="1"/>
+          </p:nvPr>
+        </p:nvSpPr>
+        <p:spPr>
+          <a:xfrm>
+            <a:off x="685801" y="797506"/>
+            <a:ext cx="10131425" cy="4459149"/>
+          </a:xfrm>
+        </p:spPr>
+        <p:txBody>
+          <a:bodyPr>
+            <a:normAutofit/>
+          </a:bodyPr>
+          <a:lstStyle/>
+          <a:p>
+            <a:pPr marL="0" indent="0">
+              <a:lnSpc>
+                <a:spcPct val="200000"/>
+              </a:lnSpc>
+              <a:buNone/>
+            </a:pPr>
+            <a:r>
+              <a:rPr lang="en-US" sz="2400" dirty="0"/>
+              <a:t>Pseudo R^2 for  logistic </a:t>
+            </a:r>
+            <a:r>
+              <a:rPr lang="en-US" sz="2400" dirty="0" smtClean="0"/>
+              <a:t>regression</a:t>
+            </a:r>
+          </a:p>
+          <a:p>
+            <a:pPr>
+              <a:lnSpc>
+                <a:spcPct val="200000"/>
+              </a:lnSpc>
+            </a:pPr>
+            <a:r>
+              <a:rPr lang="en-US" dirty="0" smtClean="0"/>
+              <a:t>Hosmer </a:t>
+            </a:r>
+            <a:r>
+              <a:rPr lang="en-US" dirty="0"/>
+              <a:t>and Lameshow R^2  </a:t>
+            </a:r>
+            <a:r>
+              <a:rPr lang="en-US" dirty="0" smtClean="0"/>
+              <a:t>0.26</a:t>
+            </a:r>
+          </a:p>
+          <a:p>
+            <a:pPr>
+              <a:lnSpc>
+                <a:spcPct val="200000"/>
+              </a:lnSpc>
+            </a:pPr>
+            <a:r>
+              <a:rPr lang="en-US" dirty="0" smtClean="0"/>
+              <a:t> </a:t>
+            </a:r>
+            <a:r>
+              <a:rPr lang="en-US" dirty="0"/>
+              <a:t>Cox and Snell R^2        0.16 </a:t>
+            </a:r>
+            <a:endParaRPr lang="en-US" dirty="0" smtClean="0"/>
+          </a:p>
+          <a:p>
+            <a:pPr>
+              <a:lnSpc>
+                <a:spcPct val="200000"/>
+              </a:lnSpc>
+            </a:pPr>
+            <a:r>
+              <a:rPr lang="en-US" dirty="0"/>
+              <a:t> </a:t>
+            </a:r>
+            <a:r>
+              <a:rPr lang="en-US" dirty="0" smtClean="0"/>
+              <a:t>Nagelkerke </a:t>
+            </a:r>
+            <a:r>
+              <a:rPr lang="en-US" dirty="0"/>
+              <a:t>R^2           0.327 </a:t>
+            </a:r>
+            <a:endParaRPr lang="en-US" dirty="0"/>
+          </a:p>
+        </p:txBody>
+      </p:sp>
+    </p:spTree>
+    <p:extLst>
+      <p:ext uri="{BB962C8B-B14F-4D97-AF65-F5344CB8AC3E}">
+        <p14:creationId xmlns:p14="http://schemas.microsoft.com/office/powerpoint/2010/main" val="1660785161"/>
+      </p:ext>
+    </p:extLst>
+  </p:cSld>
+  <p:clrMapOvr>
+    <a:masterClrMapping/>
+  </p:clrMapOvr>
+  <p:timing>
+    <p:tnLst>
+      <p:par>
+        <p:cTn id="1" dur="indefinite" restart="never" nodeType="tmRoot"/>
+      </p:par>
+    </p:tnLst>
+  </p:timing>
+</p:sld>
+</file>
+
+<file path=ppt/slides/slide36.xml><?xml version="1.0" encoding="utf-8"?>
+<p:sld xmlns:a="http://schemas.openxmlformats.org/drawingml/2006/main" xmlns:r="http://schemas.openxmlformats.org/officeDocument/2006/relationships" xmlns:p="http://schemas.openxmlformats.org/presentationml/2006/main">
+  <p:cSld>
+    <p:spTree>
+      <p:nvGrpSpPr>
+        <p:cNvPr id="1" name=""/>
+        <p:cNvGrpSpPr/>
+        <p:nvPr/>
+      </p:nvGrpSpPr>
+      <p:grpSpPr>
+        <a:xfrm>
+          <a:off x="0" y="0"/>
+          <a:ext cx="0" cy="0"/>
+          <a:chOff x="0" y="0"/>
+          <a:chExt cx="0" cy="0"/>
+        </a:xfrm>
+      </p:grpSpPr>
+      <p:sp>
+        <p:nvSpPr>
+          <p:cNvPr id="2" name="Title 1"/>
+          <p:cNvSpPr>
+            <a:spLocks noGrp="1"/>
+          </p:cNvSpPr>
+          <p:nvPr>
+            <p:ph type="title"/>
+          </p:nvPr>
+        </p:nvSpPr>
+        <p:spPr/>
+        <p:txBody>
+          <a:bodyPr/>
+          <a:lstStyle/>
+          <a:p>
+            <a:r>
+              <a:rPr lang="en-US" dirty="0"/>
+              <a:t>Logistic regression: model fitting</a:t>
+            </a:r>
+          </a:p>
+        </p:txBody>
+      </p:sp>
+      <p:sp>
+        <p:nvSpPr>
+          <p:cNvPr id="3" name="Content Placeholder 2"/>
+          <p:cNvSpPr>
+            <a:spLocks noGrp="1"/>
+          </p:cNvSpPr>
+          <p:nvPr>
+            <p:ph idx="1"/>
+          </p:nvPr>
+        </p:nvSpPr>
+        <p:spPr/>
+        <p:txBody>
+          <a:bodyPr/>
+          <a:lstStyle/>
+          <a:p>
+            <a:pPr algn="just">
+              <a:lnSpc>
+                <a:spcPct val="200000"/>
+              </a:lnSpc>
+            </a:pPr>
+            <a:r>
+              <a:rPr lang="en-US" dirty="0" smtClean="0"/>
+              <a:t>The Boston</a:t>
+            </a:r>
+            <a:r>
+              <a:rPr lang="en-US" dirty="0"/>
+              <a:t>, </a:t>
+            </a:r>
+            <a:r>
+              <a:rPr lang="en-US" dirty="0" smtClean="0"/>
+              <a:t>Massachusetts study that we followed found hemoglobin </a:t>
+            </a:r>
+            <a:r>
+              <a:rPr lang="en-US" dirty="0"/>
+              <a:t>at discharge, discharge from an </a:t>
+            </a:r>
+            <a:r>
+              <a:rPr lang="en-US" dirty="0"/>
+              <a:t>o</a:t>
+            </a:r>
+            <a:r>
+              <a:rPr lang="en-US" dirty="0" smtClean="0"/>
+              <a:t>ncology </a:t>
+            </a:r>
+            <a:r>
+              <a:rPr lang="en-US" dirty="0"/>
+              <a:t>service, </a:t>
+            </a:r>
+            <a:r>
+              <a:rPr lang="en-US" dirty="0"/>
+              <a:t>s</a:t>
+            </a:r>
+            <a:r>
+              <a:rPr lang="en-US" dirty="0" smtClean="0"/>
+              <a:t>odium </a:t>
+            </a:r>
+            <a:r>
+              <a:rPr lang="en-US" dirty="0"/>
+              <a:t>level at discharge</a:t>
+            </a:r>
+            <a:r>
+              <a:rPr lang="en-US" dirty="0">
+                <a:solidFill>
+                  <a:srgbClr val="FF0000"/>
+                </a:solidFill>
+              </a:rPr>
+              <a:t>, </a:t>
+            </a:r>
+            <a:r>
+              <a:rPr lang="en-US" dirty="0">
+                <a:solidFill>
+                  <a:srgbClr val="FF0000"/>
+                </a:solidFill>
+              </a:rPr>
+              <a:t>p</a:t>
+            </a:r>
+            <a:r>
+              <a:rPr lang="en-US" dirty="0" smtClean="0">
+                <a:solidFill>
+                  <a:srgbClr val="FF0000"/>
+                </a:solidFill>
+              </a:rPr>
+              <a:t>rocedure </a:t>
+            </a:r>
+            <a:r>
+              <a:rPr lang="en-US" dirty="0">
+                <a:solidFill>
+                  <a:srgbClr val="FF0000"/>
+                </a:solidFill>
+              </a:rPr>
+              <a:t>during the index admission (any </a:t>
+            </a:r>
+            <a:r>
+              <a:rPr lang="en-US" i="1" dirty="0">
+                <a:solidFill>
+                  <a:srgbClr val="FF0000"/>
+                </a:solidFill>
+              </a:rPr>
+              <a:t>ICD-9-CM</a:t>
+            </a:r>
+            <a:r>
+              <a:rPr lang="en-US" dirty="0">
+                <a:solidFill>
+                  <a:srgbClr val="FF0000"/>
+                </a:solidFill>
+              </a:rPr>
+              <a:t> –coded procedure)</a:t>
+            </a:r>
+            <a:r>
+              <a:rPr lang="en-US" dirty="0"/>
+              <a:t>, </a:t>
+            </a:r>
+            <a:r>
+              <a:rPr lang="en-US" dirty="0">
+                <a:solidFill>
+                  <a:srgbClr val="FF0000"/>
+                </a:solidFill>
+              </a:rPr>
+              <a:t>i</a:t>
+            </a:r>
+            <a:r>
+              <a:rPr lang="en-US" dirty="0" smtClean="0">
+                <a:solidFill>
+                  <a:srgbClr val="FF0000"/>
+                </a:solidFill>
+              </a:rPr>
+              <a:t>ndex </a:t>
+            </a:r>
+            <a:r>
+              <a:rPr lang="en-US" dirty="0">
+                <a:solidFill>
+                  <a:srgbClr val="FF0000"/>
+                </a:solidFill>
+              </a:rPr>
+              <a:t>t</a:t>
+            </a:r>
+            <a:r>
+              <a:rPr lang="en-US" dirty="0" smtClean="0">
+                <a:solidFill>
+                  <a:srgbClr val="FF0000"/>
+                </a:solidFill>
+              </a:rPr>
+              <a:t>ype </a:t>
+            </a:r>
+            <a:r>
+              <a:rPr lang="en-US" dirty="0">
+                <a:solidFill>
+                  <a:srgbClr val="FF0000"/>
+                </a:solidFill>
+              </a:rPr>
+              <a:t>of admission (</a:t>
+            </a:r>
+            <a:r>
+              <a:rPr lang="en-US" dirty="0" smtClean="0">
+                <a:solidFill>
+                  <a:srgbClr val="FF0000"/>
+                </a:solidFill>
+              </a:rPr>
+              <a:t>non-elective </a:t>
+            </a:r>
+            <a:r>
+              <a:rPr lang="en-US" dirty="0">
+                <a:solidFill>
+                  <a:srgbClr val="FF0000"/>
+                </a:solidFill>
+              </a:rPr>
+              <a:t>vs elective)</a:t>
+            </a:r>
+            <a:r>
+              <a:rPr lang="en-US" dirty="0"/>
+              <a:t>, number of </a:t>
+            </a:r>
+            <a:r>
+              <a:rPr lang="en-US" dirty="0"/>
+              <a:t>a</a:t>
+            </a:r>
+            <a:r>
+              <a:rPr lang="en-US" dirty="0" smtClean="0"/>
+              <a:t>dmissions </a:t>
+            </a:r>
+            <a:r>
+              <a:rPr lang="en-US" dirty="0"/>
+              <a:t>during the past 12 months, and </a:t>
+            </a:r>
+            <a:r>
+              <a:rPr lang="en-US" dirty="0"/>
+              <a:t>l</a:t>
+            </a:r>
+            <a:r>
+              <a:rPr lang="en-US" dirty="0" smtClean="0"/>
+              <a:t>ength </a:t>
+            </a:r>
+            <a:r>
+              <a:rPr lang="en-US" dirty="0"/>
+              <a:t>of stay</a:t>
+            </a:r>
+            <a:endParaRPr lang="en-US" b="1" dirty="0"/>
+          </a:p>
+          <a:p>
+            <a:endParaRPr lang="en-US" dirty="0"/>
+          </a:p>
+        </p:txBody>
+      </p:sp>
+    </p:spTree>
+    <p:extLst>
+      <p:ext uri="{BB962C8B-B14F-4D97-AF65-F5344CB8AC3E}">
+        <p14:creationId xmlns:p14="http://schemas.microsoft.com/office/powerpoint/2010/main" val="1095202607"/>
+      </p:ext>
+    </p:extLst>
+  </p:cSld>
+  <p:clrMapOvr>
+    <a:masterClrMapping/>
+  </p:clrMapOvr>
+</p:sld>
+</file>
+
+<file path=ppt/slides/slide37.xml><?xml version="1.0" encoding="utf-8"?>
+<p:sld xmlns:a="http://schemas.openxmlformats.org/drawingml/2006/main" xmlns:r="http://schemas.openxmlformats.org/officeDocument/2006/relationships" xmlns:p="http://schemas.openxmlformats.org/presentationml/2006/main">
+  <p:cSld>
+    <p:spTree>
+      <p:nvGrpSpPr>
+        <p:cNvPr id="1" name=""/>
+        <p:cNvGrpSpPr/>
+        <p:nvPr/>
+      </p:nvGrpSpPr>
+      <p:grpSpPr>
+        <a:xfrm>
+          <a:off x="0" y="0"/>
+          <a:ext cx="0" cy="0"/>
+          <a:chOff x="0" y="0"/>
+          <a:chExt cx="0" cy="0"/>
+        </a:xfrm>
+      </p:grpSpPr>
+      <p:sp>
+        <p:nvSpPr>
+          <p:cNvPr id="2" name="Title 1"/>
+          <p:cNvSpPr>
+            <a:spLocks noGrp="1"/>
+          </p:cNvSpPr>
+          <p:nvPr>
+            <p:ph type="title"/>
+          </p:nvPr>
+        </p:nvSpPr>
+        <p:spPr/>
+        <p:txBody>
+          <a:bodyPr/>
+          <a:lstStyle/>
+          <a:p>
+            <a:r>
               <a:rPr lang="en-US" dirty="0" smtClean="0"/>
               <a:t>Next step</a:t>
             </a:r>
@@ -9615,7 +10547,7 @@
 </p:sld>
 </file>
 
-<file path=ppt/slides/slide32.xml><?xml version="1.0" encoding="utf-8"?>
+<file path=ppt/slides/slide38.xml><?xml version="1.0" encoding="utf-8"?>
 <p:sld xmlns:a="http://schemas.openxmlformats.org/drawingml/2006/main" xmlns:r="http://schemas.openxmlformats.org/officeDocument/2006/relationships" xmlns:p="http://schemas.openxmlformats.org/presentationml/2006/main">
   <p:cSld>
     <p:spTree>
@@ -10029,7 +10961,7 @@
 </p:sld>
 </file>
 
-<file path=ppt/slides/slide33.xml><?xml version="1.0" encoding="utf-8"?>
+<file path=ppt/slides/slide39.xml><?xml version="1.0" encoding="utf-8"?>
 <p:sld xmlns:a="http://schemas.openxmlformats.org/drawingml/2006/main" xmlns:r="http://schemas.openxmlformats.org/officeDocument/2006/relationships" xmlns:p="http://schemas.openxmlformats.org/presentationml/2006/main">
   <p:cSld>
     <p:spTree>
@@ -10146,7 +11078,25 @@
             </a:r>
             <a:r>
               <a:rPr lang="en-US" dirty="0" smtClean="0"/>
-              <a:t>Principal, DPH.</a:t>
+              <a:t>Principal, </a:t>
+            </a:r>
+            <a:r>
+              <a:rPr lang="en-US" dirty="0" smtClean="0"/>
+              <a:t>DPH</a:t>
+            </a:r>
+            <a:r>
+              <a:rPr lang="en-US" dirty="0" smtClean="0"/>
+              <a:t>.</a:t>
+            </a:r>
+          </a:p>
+          <a:p>
+            <a:r>
+              <a:rPr lang="en-US" dirty="0"/>
+              <a:t>Steve </a:t>
+            </a:r>
+            <a:r>
+              <a:rPr lang="en-US" dirty="0" smtClean="0"/>
+              <a:t>Solnit, DPH.</a:t>
             </a:r>
             <a:endParaRPr lang="en-US" dirty="0"/>
           </a:p>
@@ -10159,74 +11109,6 @@
     <p:extLst>
       <p:ext uri="{BB962C8B-B14F-4D97-AF65-F5344CB8AC3E}">
         <p14:creationId xmlns:p14="http://schemas.microsoft.com/office/powerpoint/2010/main" val="102474573"/>
-      </p:ext>
-    </p:extLst>
-  </p:cSld>
-  <p:clrMapOvr>
-    <a:masterClrMapping/>
-  </p:clrMapOvr>
-  <p:timing>
-    <p:tnLst>
-      <p:par>
-        <p:cTn id="1" dur="indefinite" restart="never" nodeType="tmRoot"/>
-      </p:par>
-    </p:tnLst>
-  </p:timing>
-</p:sld>
-</file>
-
-<file path=ppt/slides/slide34.xml><?xml version="1.0" encoding="utf-8"?>
-<p:sld xmlns:a="http://schemas.openxmlformats.org/drawingml/2006/main" xmlns:r="http://schemas.openxmlformats.org/officeDocument/2006/relationships" xmlns:p="http://schemas.openxmlformats.org/presentationml/2006/main">
-  <p:cSld>
-    <p:spTree>
-      <p:nvGrpSpPr>
-        <p:cNvPr id="1" name=""/>
-        <p:cNvGrpSpPr/>
-        <p:nvPr/>
-      </p:nvGrpSpPr>
-      <p:grpSpPr>
-        <a:xfrm>
-          <a:off x="0" y="0"/>
-          <a:ext cx="0" cy="0"/>
-          <a:chOff x="0" y="0"/>
-          <a:chExt cx="0" cy="0"/>
-        </a:xfrm>
-      </p:grpSpPr>
-      <p:sp>
-        <p:nvSpPr>
-          <p:cNvPr id="2" name="Title 1"/>
-          <p:cNvSpPr>
-            <a:spLocks noGrp="1"/>
-          </p:cNvSpPr>
-          <p:nvPr>
-            <p:ph type="title"/>
-          </p:nvPr>
-        </p:nvSpPr>
-        <p:spPr>
-          <a:xfrm>
-            <a:off x="948847" y="2626291"/>
-            <a:ext cx="10131425" cy="1456267"/>
-          </a:xfrm>
-        </p:spPr>
-        <p:txBody>
-          <a:bodyPr>
-            <a:normAutofit/>
-          </a:bodyPr>
-          <a:lstStyle/>
-          <a:p>
-            <a:pPr algn="ctr"/>
-            <a:r>
-              <a:rPr lang="en-US" sz="5400" smtClean="0"/>
-              <a:t>Thank you</a:t>
-            </a:r>
-            <a:endParaRPr lang="en-US" sz="5400"/>
-          </a:p>
-        </p:txBody>
-      </p:sp>
-    </p:spTree>
-    <p:extLst>
-      <p:ext uri="{BB962C8B-B14F-4D97-AF65-F5344CB8AC3E}">
-        <p14:creationId xmlns:p14="http://schemas.microsoft.com/office/powerpoint/2010/main" val="1884002374"/>
       </p:ext>
     </p:extLst>
   </p:cSld>
@@ -10267,62 +11149,135 @@
             <a:spLocks noGrp="1"/>
           </p:cNvSpPr>
           <p:nvPr>
-            <p:ph type="title"/>
+            <p:ph type="ctrTitle"/>
+          </p:nvPr>
+        </p:nvSpPr>
+        <p:spPr>
+          <a:xfrm>
+            <a:off x="3691467" y="1405467"/>
+            <a:ext cx="7468658" cy="2980264"/>
+          </a:xfrm>
+        </p:spPr>
+        <p:txBody>
+          <a:bodyPr>
+            <a:normAutofit fontScale="90000"/>
+          </a:bodyPr>
+          <a:lstStyle/>
+          <a:p>
+            <a:r>
+              <a:rPr lang="en-US" dirty="0"/>
+              <a:t>A Model to Predict 30-Day Hospital Readmission of Patients in San Francisco General Hospital</a:t>
+            </a:r>
+          </a:p>
+        </p:txBody>
+      </p:sp>
+      <p:sp>
+        <p:nvSpPr>
+          <p:cNvPr id="3" name="Subtitle 2"/>
+          <p:cNvSpPr>
+            <a:spLocks noGrp="1"/>
+          </p:cNvSpPr>
+          <p:nvPr>
+            <p:ph type="subTitle" idx="1"/>
           </p:nvPr>
         </p:nvSpPr>
         <p:spPr/>
         <p:txBody>
-          <a:bodyPr/>
-          <a:lstStyle/>
-          <a:p>
-            <a:r>
-              <a:rPr lang="en-US" dirty="0"/>
-              <a:t>objective</a:t>
-            </a:r>
-            <a:endParaRPr lang="en-US" dirty="0"/>
-          </a:p>
-        </p:txBody>
-      </p:sp>
-      <p:sp>
-        <p:nvSpPr>
-          <p:cNvPr id="3" name="Content Placeholder 2"/>
-          <p:cNvSpPr>
-            <a:spLocks noGrp="1"/>
-          </p:cNvSpPr>
-          <p:nvPr>
-            <p:ph idx="1"/>
-          </p:nvPr>
-        </p:nvSpPr>
-        <p:spPr/>
-        <p:txBody>
-          <a:bodyPr/>
-          <a:lstStyle/>
-          <a:p>
-            <a:pPr>
-              <a:lnSpc>
-                <a:spcPct val="200000"/>
-              </a:lnSpc>
-            </a:pPr>
-            <a:r>
-              <a:rPr lang="en-US" dirty="0"/>
-              <a:t>The objective of the study </a:t>
-            </a:r>
-            <a:r>
-              <a:rPr lang="en-US" dirty="0" smtClean="0"/>
-              <a:t>was </a:t>
-            </a:r>
-            <a:r>
-              <a:rPr lang="en-US" dirty="0"/>
-              <a:t>to drive a prediction model for 30-day hospital readmission using administrative and clinical data.</a:t>
-            </a:r>
-            <a:endParaRPr lang="en-US" dirty="0"/>
+          <a:bodyPr>
+            <a:normAutofit/>
+          </a:bodyPr>
+          <a:lstStyle/>
+          <a:p>
+            <a:r>
+              <a:rPr lang="en-US" dirty="0" smtClean="0"/>
+              <a:t>USING   </a:t>
+            </a:r>
+            <a:r>
+              <a:rPr lang="en-US" sz="4400" dirty="0" smtClean="0"/>
+              <a:t>R</a:t>
+            </a:r>
+          </a:p>
+          <a:p>
+            <a:r>
+              <a:rPr lang="en-US" sz="2000" dirty="0" smtClean="0"/>
+              <a:t>A K M Tanzir HASAN</a:t>
+            </a:r>
+            <a:endParaRPr lang="en-US" sz="2000" dirty="0"/>
           </a:p>
         </p:txBody>
       </p:sp>
     </p:spTree>
     <p:extLst>
       <p:ext uri="{BB962C8B-B14F-4D97-AF65-F5344CB8AC3E}">
-        <p14:creationId xmlns:p14="http://schemas.microsoft.com/office/powerpoint/2010/main" val="1491652340"/>
+        <p14:creationId xmlns:p14="http://schemas.microsoft.com/office/powerpoint/2010/main" val="160952201"/>
+      </p:ext>
+    </p:extLst>
+  </p:cSld>
+  <p:clrMapOvr>
+    <a:masterClrMapping/>
+  </p:clrMapOvr>
+  <p:timing>
+    <p:tnLst>
+      <p:par>
+        <p:cTn id="1" dur="indefinite" restart="never" nodeType="tmRoot"/>
+      </p:par>
+    </p:tnLst>
+  </p:timing>
+</p:sld>
+</file>
+
+<file path=ppt/slides/slide40.xml><?xml version="1.0" encoding="utf-8"?>
+<p:sld xmlns:a="http://schemas.openxmlformats.org/drawingml/2006/main" xmlns:r="http://schemas.openxmlformats.org/officeDocument/2006/relationships" xmlns:p="http://schemas.openxmlformats.org/presentationml/2006/main">
+  <p:cSld>
+    <p:spTree>
+      <p:nvGrpSpPr>
+        <p:cNvPr id="1" name=""/>
+        <p:cNvGrpSpPr/>
+        <p:nvPr/>
+      </p:nvGrpSpPr>
+      <p:grpSpPr>
+        <a:xfrm>
+          <a:off x="0" y="0"/>
+          <a:ext cx="0" cy="0"/>
+          <a:chOff x="0" y="0"/>
+          <a:chExt cx="0" cy="0"/>
+        </a:xfrm>
+      </p:grpSpPr>
+      <p:sp>
+        <p:nvSpPr>
+          <p:cNvPr id="2" name="Title 1"/>
+          <p:cNvSpPr>
+            <a:spLocks noGrp="1"/>
+          </p:cNvSpPr>
+          <p:nvPr>
+            <p:ph type="title"/>
+          </p:nvPr>
+        </p:nvSpPr>
+        <p:spPr>
+          <a:xfrm>
+            <a:off x="948847" y="2626291"/>
+            <a:ext cx="10131425" cy="1456267"/>
+          </a:xfrm>
+        </p:spPr>
+        <p:txBody>
+          <a:bodyPr>
+            <a:normAutofit/>
+          </a:bodyPr>
+          <a:lstStyle/>
+          <a:p>
+            <a:pPr algn="ctr"/>
+            <a:r>
+              <a:rPr lang="en-US" sz="5400" smtClean="0"/>
+              <a:t>Thank you</a:t>
+            </a:r>
+            <a:endParaRPr lang="en-US" sz="5400"/>
+          </a:p>
+        </p:txBody>
+      </p:sp>
+    </p:spTree>
+    <p:extLst>
+      <p:ext uri="{BB962C8B-B14F-4D97-AF65-F5344CB8AC3E}">
+        <p14:creationId xmlns:p14="http://schemas.microsoft.com/office/powerpoint/2010/main" val="1884002374"/>
       </p:ext>
     </p:extLst>
   </p:cSld>
@@ -10372,10 +11327,9 @@
           <a:lstStyle/>
           <a:p>
             <a:r>
-              <a:rPr lang="en-US" dirty="0" smtClean="0"/>
-              <a:t>What is readmission</a:t>
-            </a:r>
-            <a:endParaRPr lang="en-US" dirty="0"/>
+              <a:rPr lang="en-US" dirty="0"/>
+              <a:t>objective</a:t>
+            </a:r>
           </a:p>
         </p:txBody>
       </p:sp>
@@ -10401,16 +11355,23 @@
             </a:pPr>
             <a:r>
               <a:rPr lang="en-US" dirty="0"/>
-              <a:t>Hospital readmission occurs when a patient is admitted to a hospital within a specified time period after being discharged from an earlier hospitalization.</a:t>
-            </a:r>
-            <a:endParaRPr lang="en-US" dirty="0"/>
+              <a:t>The objective of the study </a:t>
+            </a:r>
+            <a:r>
+              <a:rPr lang="en-US" dirty="0" smtClean="0"/>
+              <a:t>was </a:t>
+            </a:r>
+            <a:r>
+              <a:rPr lang="en-US" dirty="0"/>
+              <a:t>to drive a prediction model for 30-day hospital readmission using administrative and clinical data.</a:t>
+            </a:r>
           </a:p>
         </p:txBody>
       </p:sp>
     </p:spTree>
     <p:extLst>
       <p:ext uri="{BB962C8B-B14F-4D97-AF65-F5344CB8AC3E}">
-        <p14:creationId xmlns:p14="http://schemas.microsoft.com/office/powerpoint/2010/main" val="1296572187"/>
+        <p14:creationId xmlns:p14="http://schemas.microsoft.com/office/powerpoint/2010/main" val="1491652340"/>
       </p:ext>
     </p:extLst>
   </p:cSld>
@@ -10460,8 +11421,8 @@
           <a:lstStyle/>
           <a:p>
             <a:r>
-              <a:rPr lang="en-US" dirty="0"/>
-              <a:t>Scope of the Project</a:t>
+              <a:rPr lang="en-US" dirty="0" smtClean="0"/>
+              <a:t>What is readmission</a:t>
             </a:r>
             <a:endParaRPr lang="en-US" dirty="0"/>
           </a:p>
@@ -10489,20 +11450,15 @@
             </a:pPr>
             <a:r>
               <a:rPr lang="en-US" dirty="0"/>
-              <a:t>Once completed, the model will provide an easy means of identifying patients who may need more intensive transitional care interventions before discharge. Clinicians will be able to target transitional care interventions more efficiently and will be able to help hospitals reduce the readmission </a:t>
-            </a:r>
-            <a:r>
-              <a:rPr lang="en-US" dirty="0" smtClean="0"/>
-              <a:t>rate.</a:t>
-            </a:r>
-            <a:endParaRPr lang="en-US" dirty="0"/>
+              <a:t>Hospital readmission occurs when a patient is admitted to a hospital within a specified time period after being discharged from an earlier hospitalization.</a:t>
+            </a:r>
           </a:p>
         </p:txBody>
       </p:sp>
     </p:spTree>
     <p:extLst>
       <p:ext uri="{BB962C8B-B14F-4D97-AF65-F5344CB8AC3E}">
-        <p14:creationId xmlns:p14="http://schemas.microsoft.com/office/powerpoint/2010/main" val="1977396332"/>
+        <p14:creationId xmlns:p14="http://schemas.microsoft.com/office/powerpoint/2010/main" val="1296572187"/>
       </p:ext>
     </p:extLst>
   </p:cSld>
@@ -10552,10 +11508,9 @@
           <a:lstStyle/>
           <a:p>
             <a:r>
-              <a:rPr lang="en-US" dirty="0" smtClean="0"/>
-              <a:t>Methodology</a:t>
-            </a:r>
-            <a:endParaRPr lang="en-US" dirty="0"/>
+              <a:rPr lang="en-US" dirty="0"/>
+              <a:t>Scope of the Project</a:t>
+            </a:r>
           </a:p>
         </p:txBody>
       </p:sp>
@@ -10581,15 +11536,11 @@
             </a:pPr>
             <a:r>
               <a:rPr lang="en-US" dirty="0"/>
-              <a:t>For this retrospective cohort study the patients who were discharged from San Francisco General Hospital between December 1, 2015 and November 30</a:t>
-            </a:r>
-            <a:r>
-              <a:rPr lang="en-US" dirty="0" smtClean="0"/>
-              <a:t>, 2016 </a:t>
-            </a:r>
-            <a:r>
-              <a:rPr lang="en-US" dirty="0"/>
-              <a:t>were followed. The admission from December 1, 2015 to December 31, 2016 were followed for any readmission within 30 days.</a:t>
+              <a:t>Once completed, the model will provide an easy means of identifying patients who may need more intensive transitional care interventions before discharge. Clinicians will be able to target transitional care interventions more efficiently and will be able to help hospitals reduce the readmission </a:t>
+            </a:r>
+            <a:r>
+              <a:rPr lang="en-US" dirty="0" smtClean="0"/>
+              <a:t>rate.</a:t>
             </a:r>
             <a:endParaRPr lang="en-US" dirty="0"/>
           </a:p>
@@ -10598,7 +11549,7 @@
     </p:spTree>
     <p:extLst>
       <p:ext uri="{BB962C8B-B14F-4D97-AF65-F5344CB8AC3E}">
-        <p14:creationId xmlns:p14="http://schemas.microsoft.com/office/powerpoint/2010/main" val="2080214258"/>
+        <p14:creationId xmlns:p14="http://schemas.microsoft.com/office/powerpoint/2010/main" val="1977396332"/>
       </p:ext>
     </p:extLst>
   </p:cSld>
@@ -10649,7 +11600,7 @@
           <a:p>
             <a:r>
               <a:rPr lang="en-US" dirty="0" smtClean="0"/>
-              <a:t>Exclusion criteria </a:t>
+              <a:t>Methodology</a:t>
             </a:r>
             <a:endParaRPr lang="en-US" dirty="0"/>
           </a:p>
@@ -10677,50 +11628,23 @@
             </a:pPr>
             <a:r>
               <a:rPr lang="en-US" dirty="0"/>
-              <a:t>The patients who's admission type was Labor &amp; Delivery were excluded from the study</a:t>
-            </a:r>
-            <a:r>
-              <a:rPr lang="en-US" dirty="0" smtClean="0"/>
-              <a:t>.</a:t>
-            </a:r>
-          </a:p>
-          <a:p>
-            <a:pPr>
-              <a:lnSpc>
-                <a:spcPct val="200000"/>
-              </a:lnSpc>
-            </a:pPr>
+              <a:t>For this retrospective cohort study the patients who were discharged from San Francisco General Hospital between December 1, 2015 and November 30</a:t>
+            </a:r>
+            <a:r>
+              <a:rPr lang="en-US" dirty="0" smtClean="0"/>
+              <a:t>, 2016 </a:t>
+            </a:r>
             <a:r>
               <a:rPr lang="en-US" dirty="0"/>
-              <a:t>A case was considered readmission only when the patient was admitted for the same medical condition</a:t>
-            </a:r>
-            <a:r>
-              <a:rPr lang="en-US" dirty="0" smtClean="0"/>
-              <a:t>.</a:t>
-            </a:r>
-          </a:p>
-          <a:p>
-            <a:pPr>
-              <a:lnSpc>
-                <a:spcPct val="200000"/>
-              </a:lnSpc>
-            </a:pPr>
-            <a:r>
-              <a:rPr lang="en-US" dirty="0"/>
-              <a:t>Transfer from one department to another or same day admission were also </a:t>
-            </a:r>
-            <a:r>
-              <a:rPr lang="en-US" dirty="0" smtClean="0"/>
-              <a:t>excluded.</a:t>
-            </a:r>
-            <a:endParaRPr lang="en-US" dirty="0"/>
+              <a:t>were followed. The admission from December 1, 2015 to December 31, 2016 were followed for any readmission within 30 days.</a:t>
+            </a:r>
           </a:p>
         </p:txBody>
       </p:sp>
     </p:spTree>
     <p:extLst>
       <p:ext uri="{BB962C8B-B14F-4D97-AF65-F5344CB8AC3E}">
-        <p14:creationId xmlns:p14="http://schemas.microsoft.com/office/powerpoint/2010/main" val="1397565126"/>
+        <p14:creationId xmlns:p14="http://schemas.microsoft.com/office/powerpoint/2010/main" val="2080214258"/>
       </p:ext>
     </p:extLst>
   </p:cSld>
@@ -10771,7 +11695,7 @@
           <a:p>
             <a:r>
               <a:rPr lang="en-US" dirty="0" smtClean="0"/>
-              <a:t>Sample size  and character </a:t>
+              <a:t>Exclusion criteria </a:t>
             </a:r>
             <a:endParaRPr lang="en-US" dirty="0"/>
           </a:p>
@@ -10798,8 +11722,12 @@
               </a:lnSpc>
             </a:pPr>
             <a:r>
-              <a:rPr lang="en-US" dirty="0" smtClean="0"/>
-              <a:t>8786 patients were in the study cohort.</a:t>
+              <a:rPr lang="en-US" dirty="0"/>
+              <a:t>The patients who's admission type was Labor &amp; Delivery were excluded from the study</a:t>
+            </a:r>
+            <a:r>
+              <a:rPr lang="en-US" dirty="0" smtClean="0"/>
+              <a:t>.</a:t>
             </a:r>
           </a:p>
           <a:p>
@@ -10809,8 +11737,12 @@
               </a:lnSpc>
             </a:pPr>
             <a:r>
-              <a:rPr lang="en-US" dirty="0" smtClean="0"/>
-              <a:t>Among the patients 3083 were female and 5703 were male</a:t>
+              <a:rPr lang="en-US" dirty="0"/>
+              <a:t>A case was considered readmission only when the patient was admitted for the same medical condition</a:t>
+            </a:r>
+            <a:r>
+              <a:rPr lang="en-US" dirty="0" smtClean="0"/>
+              <a:t>.</a:t>
             </a:r>
           </a:p>
           <a:p>
@@ -10820,43 +11752,12 @@
               </a:lnSpc>
             </a:pPr>
             <a:r>
-              <a:rPr lang="en-US" dirty="0" smtClean="0"/>
-              <a:t>The age of the patients were between 14 and 100 with mean age of 53</a:t>
-            </a:r>
-          </a:p>
-          <a:p>
-            <a:pPr>
-              <a:lnSpc>
-                <a:spcPct val="200000"/>
-              </a:lnSpc>
-            </a:pPr>
-            <a:r>
-              <a:rPr lang="en-US" dirty="0" smtClean="0"/>
-              <a:t>Among the patients 30.6% were White, 24.7% were  </a:t>
-            </a:r>
-            <a:r>
               <a:rPr lang="en-US" dirty="0"/>
-              <a:t>African </a:t>
-            </a:r>
-            <a:r>
-              <a:rPr lang="en-US" dirty="0" smtClean="0"/>
-              <a:t>American, 25% other race, 16.7%               Asian, 1%  </a:t>
-            </a:r>
-            <a:r>
-              <a:rPr lang="en-US" dirty="0"/>
-              <a:t>American </a:t>
-            </a:r>
-            <a:r>
-              <a:rPr lang="en-US" dirty="0" smtClean="0"/>
-              <a:t>Indian, 1.6%  </a:t>
-            </a:r>
-            <a:r>
-              <a:rPr lang="en-US" dirty="0"/>
-              <a:t>Pacific </a:t>
-            </a:r>
-            <a:r>
-              <a:rPr lang="en-US" dirty="0" smtClean="0"/>
-              <a:t>Islander and rest declined to specify their race.</a:t>
+              <a:t>Transfer from one department to another or same day admission were also </a:t>
+            </a:r>
+            <a:r>
+              <a:rPr lang="en-US" dirty="0" smtClean="0"/>
+              <a:t>excluded.</a:t>
             </a:r>
             <a:endParaRPr lang="en-US" dirty="0"/>
           </a:p>
@@ -10865,7 +11766,7 @@
     </p:spTree>
     <p:extLst>
       <p:ext uri="{BB962C8B-B14F-4D97-AF65-F5344CB8AC3E}">
-        <p14:creationId xmlns:p14="http://schemas.microsoft.com/office/powerpoint/2010/main" val="1508441475"/>
+        <p14:creationId xmlns:p14="http://schemas.microsoft.com/office/powerpoint/2010/main" val="1397565126"/>
       </p:ext>
     </p:extLst>
   </p:cSld>

--- a/30_day_readmission.pptx
+++ b/30_day_readmission.pptx
@@ -5,49 +5,48 @@
     <p:sldMasterId id="2147483687" r:id="rId1"/>
   </p:sldMasterIdLst>
   <p:notesMasterIdLst>
-    <p:notesMasterId r:id="rId42"/>
+    <p:notesMasterId r:id="rId41"/>
   </p:notesMasterIdLst>
   <p:sldIdLst>
     <p:sldId id="264" r:id="rId2"/>
     <p:sldId id="267" r:id="rId3"/>
-    <p:sldId id="291" r:id="rId4"/>
-    <p:sldId id="256" r:id="rId5"/>
-    <p:sldId id="257" r:id="rId6"/>
-    <p:sldId id="278" r:id="rId7"/>
-    <p:sldId id="279" r:id="rId8"/>
-    <p:sldId id="258" r:id="rId9"/>
-    <p:sldId id="259" r:id="rId10"/>
-    <p:sldId id="266" r:id="rId11"/>
-    <p:sldId id="260" r:id="rId12"/>
-    <p:sldId id="261" r:id="rId13"/>
-    <p:sldId id="265" r:id="rId14"/>
-    <p:sldId id="270" r:id="rId15"/>
-    <p:sldId id="272" r:id="rId16"/>
-    <p:sldId id="277" r:id="rId17"/>
-    <p:sldId id="280" r:id="rId18"/>
-    <p:sldId id="271" r:id="rId19"/>
-    <p:sldId id="281" r:id="rId20"/>
-    <p:sldId id="273" r:id="rId21"/>
-    <p:sldId id="274" r:id="rId22"/>
-    <p:sldId id="275" r:id="rId23"/>
-    <p:sldId id="282" r:id="rId24"/>
-    <p:sldId id="276" r:id="rId25"/>
-    <p:sldId id="285" r:id="rId26"/>
-    <p:sldId id="289" r:id="rId27"/>
-    <p:sldId id="283" r:id="rId28"/>
-    <p:sldId id="290" r:id="rId29"/>
-    <p:sldId id="284" r:id="rId30"/>
-    <p:sldId id="286" r:id="rId31"/>
-    <p:sldId id="292" r:id="rId32"/>
-    <p:sldId id="294" r:id="rId33"/>
-    <p:sldId id="295" r:id="rId34"/>
-    <p:sldId id="296" r:id="rId35"/>
-    <p:sldId id="287" r:id="rId36"/>
-    <p:sldId id="293" r:id="rId37"/>
-    <p:sldId id="268" r:id="rId38"/>
-    <p:sldId id="288" r:id="rId39"/>
-    <p:sldId id="269" r:id="rId40"/>
-    <p:sldId id="263" r:id="rId41"/>
+    <p:sldId id="256" r:id="rId4"/>
+    <p:sldId id="257" r:id="rId5"/>
+    <p:sldId id="278" r:id="rId6"/>
+    <p:sldId id="279" r:id="rId7"/>
+    <p:sldId id="258" r:id="rId8"/>
+    <p:sldId id="259" r:id="rId9"/>
+    <p:sldId id="266" r:id="rId10"/>
+    <p:sldId id="260" r:id="rId11"/>
+    <p:sldId id="261" r:id="rId12"/>
+    <p:sldId id="265" r:id="rId13"/>
+    <p:sldId id="270" r:id="rId14"/>
+    <p:sldId id="272" r:id="rId15"/>
+    <p:sldId id="277" r:id="rId16"/>
+    <p:sldId id="280" r:id="rId17"/>
+    <p:sldId id="271" r:id="rId18"/>
+    <p:sldId id="281" r:id="rId19"/>
+    <p:sldId id="273" r:id="rId20"/>
+    <p:sldId id="274" r:id="rId21"/>
+    <p:sldId id="275" r:id="rId22"/>
+    <p:sldId id="282" r:id="rId23"/>
+    <p:sldId id="276" r:id="rId24"/>
+    <p:sldId id="285" r:id="rId25"/>
+    <p:sldId id="289" r:id="rId26"/>
+    <p:sldId id="283" r:id="rId27"/>
+    <p:sldId id="290" r:id="rId28"/>
+    <p:sldId id="284" r:id="rId29"/>
+    <p:sldId id="286" r:id="rId30"/>
+    <p:sldId id="292" r:id="rId31"/>
+    <p:sldId id="294" r:id="rId32"/>
+    <p:sldId id="295" r:id="rId33"/>
+    <p:sldId id="296" r:id="rId34"/>
+    <p:sldId id="287" r:id="rId35"/>
+    <p:sldId id="293" r:id="rId36"/>
+    <p:sldId id="268" r:id="rId37"/>
+    <p:sldId id="288" r:id="rId38"/>
+    <p:sldId id="269" r:id="rId39"/>
+    <p:sldId id="263" r:id="rId40"/>
   </p:sldIdLst>
   <p:sldSz cx="12192000" cy="6858000"/>
   <p:notesSz cx="6858000" cy="9144000"/>
@@ -244,7 +243,7 @@
           <a:p>
             <a:fld id="{6353B3A7-B3F5-B64A-A2A8-84834FE5989E}" type="datetimeFigureOut">
               <a:rPr lang="en-US" smtClean="0"/>
-              <a:t>5/29/17</a:t>
+              <a:t>6/1/2017</a:t>
             </a:fld>
             <a:endParaRPr lang="en-US"/>
           </a:p>
@@ -577,7 +576,7 @@
           <a:p>
             <a:fld id="{80CD9A3C-FB9A-F949-BDA1-6B8D208611BC}" type="slidenum">
               <a:rPr lang="en-US" smtClean="0"/>
-              <a:t>8</a:t>
+              <a:t>1</a:t>
             </a:fld>
             <a:endParaRPr lang="en-US"/>
           </a:p>
@@ -586,7 +585,7 @@
     </p:spTree>
     <p:extLst>
       <p:ext uri="{BB962C8B-B14F-4D97-AF65-F5344CB8AC3E}">
-        <p14:creationId xmlns:p14="http://schemas.microsoft.com/office/powerpoint/2010/main" val="1478069723"/>
+        <p14:creationId xmlns:p14="http://schemas.microsoft.com/office/powerpoint/2010/main" val="3181089542"/>
       </p:ext>
     </p:extLst>
   </p:cSld>
@@ -661,7 +660,91 @@
           <a:p>
             <a:fld id="{80CD9A3C-FB9A-F949-BDA1-6B8D208611BC}" type="slidenum">
               <a:rPr lang="en-US" smtClean="0"/>
-              <a:t>14</a:t>
+              <a:t>7</a:t>
+            </a:fld>
+            <a:endParaRPr lang="en-US"/>
+          </a:p>
+        </p:txBody>
+      </p:sp>
+    </p:spTree>
+    <p:extLst>
+      <p:ext uri="{BB962C8B-B14F-4D97-AF65-F5344CB8AC3E}">
+        <p14:creationId xmlns:p14="http://schemas.microsoft.com/office/powerpoint/2010/main" val="1478069723"/>
+      </p:ext>
+    </p:extLst>
+  </p:cSld>
+  <p:clrMapOvr>
+    <a:masterClrMapping/>
+  </p:clrMapOvr>
+</p:notes>
+</file>
+
+<file path=ppt/notesSlides/notesSlide3.xml><?xml version="1.0" encoding="utf-8"?>
+<p:notes xmlns:a="http://schemas.openxmlformats.org/drawingml/2006/main" xmlns:r="http://schemas.openxmlformats.org/officeDocument/2006/relationships" xmlns:p="http://schemas.openxmlformats.org/presentationml/2006/main">
+  <p:cSld>
+    <p:spTree>
+      <p:nvGrpSpPr>
+        <p:cNvPr id="1" name=""/>
+        <p:cNvGrpSpPr/>
+        <p:nvPr/>
+      </p:nvGrpSpPr>
+      <p:grpSpPr>
+        <a:xfrm>
+          <a:off x="0" y="0"/>
+          <a:ext cx="0" cy="0"/>
+          <a:chOff x="0" y="0"/>
+          <a:chExt cx="0" cy="0"/>
+        </a:xfrm>
+      </p:grpSpPr>
+      <p:sp>
+        <p:nvSpPr>
+          <p:cNvPr id="2" name="Slide Image Placeholder 1"/>
+          <p:cNvSpPr>
+            <a:spLocks noGrp="1" noRot="1" noChangeAspect="1"/>
+          </p:cNvSpPr>
+          <p:nvPr>
+            <p:ph type="sldImg"/>
+          </p:nvPr>
+        </p:nvSpPr>
+        <p:spPr/>
+      </p:sp>
+      <p:sp>
+        <p:nvSpPr>
+          <p:cNvPr id="3" name="Notes Placeholder 2"/>
+          <p:cNvSpPr>
+            <a:spLocks noGrp="1"/>
+          </p:cNvSpPr>
+          <p:nvPr>
+            <p:ph type="body" idx="1"/>
+          </p:nvPr>
+        </p:nvSpPr>
+        <p:spPr/>
+        <p:txBody>
+          <a:bodyPr/>
+          <a:lstStyle/>
+          <a:p>
+            <a:endParaRPr lang="en-US" dirty="0"/>
+          </a:p>
+        </p:txBody>
+      </p:sp>
+      <p:sp>
+        <p:nvSpPr>
+          <p:cNvPr id="4" name="Slide Number Placeholder 3"/>
+          <p:cNvSpPr>
+            <a:spLocks noGrp="1"/>
+          </p:cNvSpPr>
+          <p:nvPr>
+            <p:ph type="sldNum" sz="quarter" idx="10"/>
+          </p:nvPr>
+        </p:nvSpPr>
+        <p:spPr/>
+        <p:txBody>
+          <a:bodyPr/>
+          <a:lstStyle/>
+          <a:p>
+            <a:fld id="{80CD9A3C-FB9A-F949-BDA1-6B8D208611BC}" type="slidenum">
+              <a:rPr lang="en-US" smtClean="0"/>
+              <a:t>13</a:t>
             </a:fld>
             <a:endParaRPr lang="en-US"/>
           </a:p>
@@ -905,7 +988,7 @@
             <a:fld id="{B61BEF0D-F0BB-DE4B-95CE-6DB70DBA9567}" type="datetimeFigureOut">
               <a:rPr lang="en-US" smtClean="0"/>
               <a:pPr/>
-              <a:t>5/29/17</a:t>
+              <a:t>6/1/2017</a:t>
             </a:fld>
             <a:endParaRPr lang="en-US"/>
           </a:p>
@@ -1241,7 +1324,7 @@
             <a:fld id="{B61BEF0D-F0BB-DE4B-95CE-6DB70DBA9567}" type="datetimeFigureOut">
               <a:rPr lang="en-US" smtClean="0"/>
               <a:pPr/>
-              <a:t>5/29/17</a:t>
+              <a:t>6/1/2017</a:t>
             </a:fld>
             <a:endParaRPr lang="en-US"/>
           </a:p>
@@ -1521,7 +1604,7 @@
             <a:fld id="{B61BEF0D-F0BB-DE4B-95CE-6DB70DBA9567}" type="datetimeFigureOut">
               <a:rPr lang="en-US" smtClean="0"/>
               <a:pPr/>
-              <a:t>5/29/17</a:t>
+              <a:t>6/1/2017</a:t>
             </a:fld>
             <a:endParaRPr lang="en-US"/>
           </a:p>
@@ -2091,7 +2174,7 @@
             <a:fld id="{B61BEF0D-F0BB-DE4B-95CE-6DB70DBA9567}" type="datetimeFigureOut">
               <a:rPr lang="en-US" smtClean="0"/>
               <a:pPr/>
-              <a:t>5/29/17</a:t>
+              <a:t>6/1/2017</a:t>
             </a:fld>
             <a:endParaRPr lang="en-US"/>
           </a:p>
@@ -2371,7 +2454,7 @@
             <a:fld id="{B61BEF0D-F0BB-DE4B-95CE-6DB70DBA9567}" type="datetimeFigureOut">
               <a:rPr lang="en-US" smtClean="0"/>
               <a:pPr/>
-              <a:t>5/29/17</a:t>
+              <a:t>6/1/2017</a:t>
             </a:fld>
             <a:endParaRPr lang="en-US"/>
           </a:p>
@@ -2935,7 +3018,7 @@
             <a:fld id="{B61BEF0D-F0BB-DE4B-95CE-6DB70DBA9567}" type="datetimeFigureOut">
               <a:rPr lang="en-US" smtClean="0"/>
               <a:pPr/>
-              <a:t>5/29/17</a:t>
+              <a:t>6/1/2017</a:t>
             </a:fld>
             <a:endParaRPr lang="en-US"/>
           </a:p>
@@ -3264,7 +3347,7 @@
             <a:fld id="{B61BEF0D-F0BB-DE4B-95CE-6DB70DBA9567}" type="datetimeFigureOut">
               <a:rPr lang="en-US" smtClean="0"/>
               <a:pPr/>
-              <a:t>5/29/17</a:t>
+              <a:t>6/1/2017</a:t>
             </a:fld>
             <a:endParaRPr lang="en-US"/>
           </a:p>
@@ -3471,7 +3554,7 @@
             <a:fld id="{B61BEF0D-F0BB-DE4B-95CE-6DB70DBA9567}" type="datetimeFigureOut">
               <a:rPr lang="en-US" smtClean="0"/>
               <a:pPr/>
-              <a:t>5/29/17</a:t>
+              <a:t>6/1/2017</a:t>
             </a:fld>
             <a:endParaRPr lang="en-US"/>
           </a:p>
@@ -3683,7 +3766,7 @@
             <a:fld id="{B61BEF0D-F0BB-DE4B-95CE-6DB70DBA9567}" type="datetimeFigureOut">
               <a:rPr lang="en-US" smtClean="0"/>
               <a:pPr/>
-              <a:t>5/29/17</a:t>
+              <a:t>6/1/2017</a:t>
             </a:fld>
             <a:endParaRPr lang="en-US"/>
           </a:p>
@@ -3885,7 +3968,7 @@
             <a:fld id="{B61BEF0D-F0BB-DE4B-95CE-6DB70DBA9567}" type="datetimeFigureOut">
               <a:rPr lang="en-US" smtClean="0"/>
               <a:pPr/>
-              <a:t>5/29/17</a:t>
+              <a:t>6/1/2017</a:t>
             </a:fld>
             <a:endParaRPr lang="en-US"/>
           </a:p>
@@ -4163,7 +4246,7 @@
             <a:fld id="{B61BEF0D-F0BB-DE4B-95CE-6DB70DBA9567}" type="datetimeFigureOut">
               <a:rPr lang="en-US" smtClean="0"/>
               <a:pPr/>
-              <a:t>5/29/17</a:t>
+              <a:t>6/1/2017</a:t>
             </a:fld>
             <a:endParaRPr lang="en-US"/>
           </a:p>
@@ -4431,7 +4514,7 @@
             <a:fld id="{B61BEF0D-F0BB-DE4B-95CE-6DB70DBA9567}" type="datetimeFigureOut">
               <a:rPr lang="en-US" smtClean="0"/>
               <a:pPr/>
-              <a:t>5/29/17</a:t>
+              <a:t>6/1/2017</a:t>
             </a:fld>
             <a:endParaRPr lang="en-US"/>
           </a:p>
@@ -4807,7 +4890,7 @@
             <a:fld id="{B61BEF0D-F0BB-DE4B-95CE-6DB70DBA9567}" type="datetimeFigureOut">
               <a:rPr lang="en-US" smtClean="0"/>
               <a:pPr/>
-              <a:t>5/29/17</a:t>
+              <a:t>6/1/2017</a:t>
             </a:fld>
             <a:endParaRPr lang="en-US"/>
           </a:p>
@@ -4957,7 +5040,7 @@
             <a:fld id="{B61BEF0D-F0BB-DE4B-95CE-6DB70DBA9567}" type="datetimeFigureOut">
               <a:rPr lang="en-US" smtClean="0"/>
               <a:pPr/>
-              <a:t>5/29/17</a:t>
+              <a:t>6/1/2017</a:t>
             </a:fld>
             <a:endParaRPr lang="en-US"/>
           </a:p>
@@ -5084,7 +5167,7 @@
             <a:fld id="{B61BEF0D-F0BB-DE4B-95CE-6DB70DBA9567}" type="datetimeFigureOut">
               <a:rPr lang="en-US" smtClean="0"/>
               <a:pPr/>
-              <a:t>5/29/17</a:t>
+              <a:t>6/1/2017</a:t>
             </a:fld>
             <a:endParaRPr lang="en-US"/>
           </a:p>
@@ -5371,7 +5454,7 @@
             <a:fld id="{B61BEF0D-F0BB-DE4B-95CE-6DB70DBA9567}" type="datetimeFigureOut">
               <a:rPr lang="en-US" smtClean="0"/>
               <a:pPr/>
-              <a:t>5/29/17</a:t>
+              <a:t>6/1/2017</a:t>
             </a:fld>
             <a:endParaRPr lang="en-US"/>
           </a:p>
@@ -5697,7 +5780,7 @@
             <a:fld id="{B61BEF0D-F0BB-DE4B-95CE-6DB70DBA9567}" type="datetimeFigureOut">
               <a:rPr lang="en-US" smtClean="0"/>
               <a:pPr/>
-              <a:t>5/29/17</a:t>
+              <a:t>6/1/2017</a:t>
             </a:fld>
             <a:endParaRPr lang="en-US"/>
           </a:p>
@@ -5943,7 +6026,7 @@
             <a:fld id="{B61BEF0D-F0BB-DE4B-95CE-6DB70DBA9567}" type="datetimeFigureOut">
               <a:rPr lang="en-US" smtClean="0"/>
               <a:pPr/>
-              <a:t>5/29/17</a:t>
+              <a:t>6/1/2017</a:t>
             </a:fld>
             <a:endParaRPr lang="en-US"/>
           </a:p>
@@ -6489,7 +6572,7 @@
           <p:nvPr/>
         </p:nvPicPr>
         <p:blipFill>
-          <a:blip r:embed="rId2">
+          <a:blip r:embed="rId3">
             <a:extLst>
               <a:ext uri="{28A0092B-C50C-407E-A947-70E740481C1C}">
                 <a14:useLocalDpi xmlns:a14="http://schemas.microsoft.com/office/drawing/2010/main" val="0"/>
@@ -6519,7 +6602,7 @@
           <p:nvPr/>
         </p:nvPicPr>
         <p:blipFill>
-          <a:blip r:embed="rId3">
+          <a:blip r:embed="rId4">
             <a:extLst>
               <a:ext uri="{28A0092B-C50C-407E-A947-70E740481C1C}">
                 <a14:useLocalDpi xmlns:a14="http://schemas.microsoft.com/office/drawing/2010/main" val="0"/>
@@ -6593,10 +6676,10 @@
           <a:lstStyle/>
           <a:p>
             <a:r>
-              <a:rPr lang="en-US" dirty="0" smtClean="0"/>
-              <a:t>Sample size  and character </a:t>
-            </a:r>
-            <a:endParaRPr lang="en-US" dirty="0"/>
+              <a:rPr lang="en-US" smtClean="0"/>
+              <a:t>List of variables </a:t>
+            </a:r>
+            <a:endParaRPr lang="en-US"/>
           </a:p>
         </p:txBody>
       </p:sp>
@@ -6610,85 +6693,130 @@
             <p:ph idx="1"/>
           </p:nvPr>
         </p:nvSpPr>
-        <p:spPr/>
-        <p:txBody>
-          <a:bodyPr/>
-          <a:lstStyle/>
-          <a:p>
-            <a:pPr>
-              <a:lnSpc>
-                <a:spcPct val="200000"/>
-              </a:lnSpc>
+        <p:spPr>
+          <a:xfrm>
+            <a:off x="1506071" y="2142068"/>
+            <a:ext cx="9311155" cy="2519580"/>
+          </a:xfrm>
+        </p:spPr>
+        <p:txBody>
+          <a:bodyPr numCol="2">
+            <a:normAutofit/>
+          </a:bodyPr>
+          <a:lstStyle/>
+          <a:p>
+            <a:pPr marL="342900" indent="-342900">
+              <a:buFont typeface="+mj-lt"/>
+              <a:buAutoNum type="arabicPeriod"/>
             </a:pPr>
             <a:r>
-              <a:rPr lang="en-US" dirty="0" smtClean="0"/>
-              <a:t>8786 patients were in the study cohort.</a:t>
-            </a:r>
-          </a:p>
-          <a:p>
-            <a:pPr>
-              <a:lnSpc>
-                <a:spcPct val="200000"/>
-              </a:lnSpc>
+              <a:rPr lang="en-US" smtClean="0"/>
+              <a:t>Race</a:t>
+            </a:r>
+          </a:p>
+          <a:p>
+            <a:pPr marL="342900" indent="-342900">
+              <a:buFont typeface="+mj-lt"/>
+              <a:buAutoNum type="arabicPeriod"/>
             </a:pPr>
             <a:r>
-              <a:rPr lang="en-US" dirty="0" smtClean="0"/>
-              <a:t>Among the patients 3083 were female and 5703 were male</a:t>
-            </a:r>
-          </a:p>
-          <a:p>
-            <a:pPr>
-              <a:lnSpc>
-                <a:spcPct val="200000"/>
-              </a:lnSpc>
+              <a:rPr lang="en-US" smtClean="0"/>
+              <a:t>Gender</a:t>
+            </a:r>
+          </a:p>
+          <a:p>
+            <a:pPr marL="342900" indent="-342900">
+              <a:buFont typeface="+mj-lt"/>
+              <a:buAutoNum type="arabicPeriod"/>
             </a:pPr>
             <a:r>
-              <a:rPr lang="en-US" dirty="0" smtClean="0"/>
-              <a:t>The age of the patients were between 14 and 100 with mean age of 53</a:t>
-            </a:r>
-          </a:p>
-          <a:p>
-            <a:pPr>
-              <a:lnSpc>
-                <a:spcPct val="200000"/>
-              </a:lnSpc>
+              <a:rPr lang="en-US" smtClean="0"/>
+              <a:t>Zip code</a:t>
+            </a:r>
+          </a:p>
+          <a:p>
+            <a:pPr marL="342900" indent="-342900">
+              <a:buFont typeface="+mj-lt"/>
+              <a:buAutoNum type="arabicPeriod"/>
             </a:pPr>
             <a:r>
-              <a:rPr lang="en-US" dirty="0" smtClean="0"/>
-              <a:t>Among the patients 30.6% were White, 24.7% were  </a:t>
-            </a:r>
-            <a:r>
-              <a:rPr lang="en-US" dirty="0"/>
-              <a:t>African </a:t>
-            </a:r>
-            <a:r>
-              <a:rPr lang="en-US" dirty="0" smtClean="0"/>
-              <a:t>American, 25% other race, 16.7%               Asian, 1%  </a:t>
-            </a:r>
-            <a:r>
-              <a:rPr lang="en-US" dirty="0"/>
-              <a:t>American </a:t>
-            </a:r>
-            <a:r>
-              <a:rPr lang="en-US" dirty="0" smtClean="0"/>
-              <a:t>Indian, 1.6%  </a:t>
-            </a:r>
-            <a:r>
-              <a:rPr lang="en-US" dirty="0"/>
-              <a:t>Pacific </a:t>
-            </a:r>
-            <a:r>
-              <a:rPr lang="en-US" dirty="0" smtClean="0"/>
-              <a:t>Islander and rest declined to specify their race.</a:t>
-            </a:r>
-            <a:endParaRPr lang="en-US" dirty="0"/>
+              <a:rPr lang="en-US" smtClean="0"/>
+              <a:t>Total length of stay</a:t>
+            </a:r>
+          </a:p>
+          <a:p>
+            <a:pPr marL="342900" indent="-342900">
+              <a:buFont typeface="+mj-lt"/>
+              <a:buAutoNum type="arabicPeriod"/>
+            </a:pPr>
+            <a:r>
+              <a:rPr lang="en-US" smtClean="0"/>
+              <a:t>Interval between two admission</a:t>
+            </a:r>
+          </a:p>
+          <a:p>
+            <a:pPr marL="342900" indent="-342900">
+              <a:buFont typeface="+mj-lt"/>
+              <a:buAutoNum type="arabicPeriod"/>
+            </a:pPr>
+            <a:r>
+              <a:rPr lang="en-US" smtClean="0"/>
+              <a:t>Hospital service</a:t>
+            </a:r>
+          </a:p>
+          <a:p>
+            <a:pPr marL="342900" indent="-342900">
+              <a:buFont typeface="+mj-lt"/>
+              <a:buAutoNum type="arabicPeriod"/>
+            </a:pPr>
+            <a:r>
+              <a:rPr lang="en-US" smtClean="0"/>
+              <a:t>Language </a:t>
+            </a:r>
+          </a:p>
+          <a:p>
+            <a:pPr marL="342900" indent="-342900">
+              <a:buFont typeface="+mj-lt"/>
+              <a:buAutoNum type="arabicPeriod"/>
+            </a:pPr>
+            <a:r>
+              <a:rPr lang="en-US" smtClean="0"/>
+              <a:t>Primary discharge diagnosis</a:t>
+            </a:r>
+          </a:p>
+          <a:p>
+            <a:pPr marL="342900" indent="-342900">
+              <a:buFont typeface="+mj-lt"/>
+              <a:buAutoNum type="arabicPeriod"/>
+            </a:pPr>
+            <a:r>
+              <a:rPr lang="en-US" smtClean="0"/>
+              <a:t>Hemoglobin level before discharge</a:t>
+            </a:r>
+          </a:p>
+          <a:p>
+            <a:pPr marL="342900" indent="-342900">
+              <a:buFont typeface="+mj-lt"/>
+              <a:buAutoNum type="arabicPeriod"/>
+            </a:pPr>
+            <a:r>
+              <a:rPr lang="en-US" smtClean="0"/>
+              <a:t>Sodium level before discharge</a:t>
+            </a:r>
+          </a:p>
+          <a:p>
+            <a:pPr marL="342900" indent="-342900">
+              <a:buFont typeface="+mj-lt"/>
+              <a:buAutoNum type="arabicPeriod"/>
+            </a:pPr>
+            <a:endParaRPr lang="en-US"/>
           </a:p>
         </p:txBody>
       </p:sp>
     </p:spTree>
     <p:extLst>
       <p:ext uri="{BB962C8B-B14F-4D97-AF65-F5344CB8AC3E}">
-        <p14:creationId xmlns:p14="http://schemas.microsoft.com/office/powerpoint/2010/main" val="1508441475"/>
+        <p14:creationId xmlns:p14="http://schemas.microsoft.com/office/powerpoint/2010/main" val="686705589"/>
       </p:ext>
     </p:extLst>
   </p:cSld>
@@ -6739,7 +6867,7 @@
           <a:p>
             <a:r>
               <a:rPr lang="en-US" smtClean="0"/>
-              <a:t>List of variables </a:t>
+              <a:t>Modification of variables</a:t>
             </a:r>
             <a:endParaRPr lang="en-US"/>
           </a:p>
@@ -6755,130 +6883,102 @@
             <p:ph idx="1"/>
           </p:nvPr>
         </p:nvSpPr>
-        <p:spPr>
-          <a:xfrm>
-            <a:off x="1506071" y="2142068"/>
-            <a:ext cx="9311155" cy="2519580"/>
-          </a:xfrm>
-        </p:spPr>
-        <p:txBody>
-          <a:bodyPr numCol="2">
-            <a:normAutofit/>
-          </a:bodyPr>
-          <a:lstStyle/>
-          <a:p>
-            <a:pPr marL="342900" indent="-342900">
-              <a:buFont typeface="+mj-lt"/>
-              <a:buAutoNum type="arabicPeriod"/>
+        <p:spPr/>
+        <p:txBody>
+          <a:bodyPr/>
+          <a:lstStyle/>
+          <a:p>
+            <a:pPr>
+              <a:lnSpc>
+                <a:spcPct val="200000"/>
+              </a:lnSpc>
             </a:pPr>
             <a:r>
-              <a:rPr lang="en-US" smtClean="0"/>
-              <a:t>Race</a:t>
-            </a:r>
-          </a:p>
-          <a:p>
-            <a:pPr marL="342900" indent="-342900">
-              <a:buFont typeface="+mj-lt"/>
-              <a:buAutoNum type="arabicPeriod"/>
+              <a:rPr lang="en-US" dirty="0" smtClean="0"/>
+              <a:t>The variable Zip code was grouped county wise in 12 groups and a group was made for homeless.</a:t>
+            </a:r>
+          </a:p>
+          <a:p>
+            <a:pPr>
+              <a:lnSpc>
+                <a:spcPct val="200000"/>
+              </a:lnSpc>
             </a:pPr>
             <a:r>
-              <a:rPr lang="en-US" smtClean="0"/>
-              <a:t>Gender</a:t>
-            </a:r>
-          </a:p>
-          <a:p>
-            <a:pPr marL="342900" indent="-342900">
-              <a:buFont typeface="+mj-lt"/>
-              <a:buAutoNum type="arabicPeriod"/>
+              <a:rPr lang="en-US" dirty="0" smtClean="0"/>
+              <a:t>The Zip code </a:t>
+            </a:r>
+            <a:r>
+              <a:rPr lang="ru-RU" dirty="0"/>
+              <a:t>"</a:t>
+            </a:r>
+            <a:r>
+              <a:rPr lang="ru-RU" dirty="0" smtClean="0"/>
+              <a:t>99997”</a:t>
+            </a:r>
+            <a:r>
+              <a:rPr lang="en-US" dirty="0" smtClean="0"/>
+              <a:t>, </a:t>
+            </a:r>
+            <a:r>
+              <a:rPr lang="ru-RU" dirty="0"/>
+              <a:t>"</a:t>
+            </a:r>
+            <a:r>
+              <a:rPr lang="ru-RU" dirty="0" smtClean="0"/>
+              <a:t>9999</a:t>
+            </a:r>
+            <a:r>
+              <a:rPr lang="en-US" dirty="0" smtClean="0"/>
+              <a:t>8</a:t>
+            </a:r>
+            <a:r>
+              <a:rPr lang="ru-RU" dirty="0" smtClean="0"/>
+              <a:t>”</a:t>
+            </a:r>
+            <a:r>
+              <a:rPr lang="en-US" dirty="0" smtClean="0"/>
+              <a:t> and </a:t>
+            </a:r>
+            <a:r>
+              <a:rPr lang="ru-RU" dirty="0"/>
+              <a:t>"</a:t>
+            </a:r>
+            <a:r>
+              <a:rPr lang="ru-RU" dirty="0" smtClean="0"/>
+              <a:t>9999</a:t>
+            </a:r>
+            <a:r>
+              <a:rPr lang="en-US" dirty="0" smtClean="0"/>
+              <a:t>9</a:t>
+            </a:r>
+            <a:r>
+              <a:rPr lang="ru-RU" dirty="0" smtClean="0"/>
+              <a:t>”</a:t>
+            </a:r>
+            <a:r>
+              <a:rPr lang="en-US" dirty="0" smtClean="0"/>
+              <a:t> were codes for homeless.</a:t>
+            </a:r>
+          </a:p>
+          <a:p>
+            <a:pPr>
+              <a:lnSpc>
+                <a:spcPct val="200000"/>
+              </a:lnSpc>
             </a:pPr>
             <a:r>
-              <a:rPr lang="en-US" smtClean="0"/>
-              <a:t>Zip code</a:t>
-            </a:r>
-          </a:p>
-          <a:p>
-            <a:pPr marL="342900" indent="-342900">
-              <a:buFont typeface="+mj-lt"/>
-              <a:buAutoNum type="arabicPeriod"/>
-            </a:pPr>
-            <a:r>
-              <a:rPr lang="en-US" smtClean="0"/>
-              <a:t>Total length of stay</a:t>
-            </a:r>
-          </a:p>
-          <a:p>
-            <a:pPr marL="342900" indent="-342900">
-              <a:buFont typeface="+mj-lt"/>
-              <a:buAutoNum type="arabicPeriod"/>
-            </a:pPr>
-            <a:r>
-              <a:rPr lang="en-US" smtClean="0"/>
-              <a:t>Interval between two admission</a:t>
-            </a:r>
-          </a:p>
-          <a:p>
-            <a:pPr marL="342900" indent="-342900">
-              <a:buFont typeface="+mj-lt"/>
-              <a:buAutoNum type="arabicPeriod"/>
-            </a:pPr>
-            <a:r>
-              <a:rPr lang="en-US" smtClean="0"/>
-              <a:t>Hospital service</a:t>
-            </a:r>
-          </a:p>
-          <a:p>
-            <a:pPr marL="342900" indent="-342900">
-              <a:buFont typeface="+mj-lt"/>
-              <a:buAutoNum type="arabicPeriod"/>
-            </a:pPr>
-            <a:r>
-              <a:rPr lang="en-US" smtClean="0"/>
-              <a:t>Language </a:t>
-            </a:r>
-          </a:p>
-          <a:p>
-            <a:pPr marL="342900" indent="-342900">
-              <a:buFont typeface="+mj-lt"/>
-              <a:buAutoNum type="arabicPeriod"/>
-            </a:pPr>
-            <a:r>
-              <a:rPr lang="en-US" smtClean="0"/>
-              <a:t>Primary discharge diagnosis</a:t>
-            </a:r>
-          </a:p>
-          <a:p>
-            <a:pPr marL="342900" indent="-342900">
-              <a:buFont typeface="+mj-lt"/>
-              <a:buAutoNum type="arabicPeriod"/>
-            </a:pPr>
-            <a:r>
-              <a:rPr lang="en-US" smtClean="0"/>
-              <a:t>Hemoglobin level before discharge</a:t>
-            </a:r>
-          </a:p>
-          <a:p>
-            <a:pPr marL="342900" indent="-342900">
-              <a:buFont typeface="+mj-lt"/>
-              <a:buAutoNum type="arabicPeriod"/>
-            </a:pPr>
-            <a:r>
-              <a:rPr lang="en-US" smtClean="0"/>
-              <a:t>Sodium level before discharge</a:t>
-            </a:r>
-          </a:p>
-          <a:p>
-            <a:pPr marL="342900" indent="-342900">
-              <a:buFont typeface="+mj-lt"/>
-              <a:buAutoNum type="arabicPeriod"/>
-            </a:pPr>
-            <a:endParaRPr lang="en-US"/>
+              <a:rPr lang="en-US" dirty="0" smtClean="0"/>
+              <a:t>Depending on the homelessness a new variable was created named homelessness.</a:t>
+            </a:r>
+            <a:endParaRPr lang="en-US" dirty="0"/>
           </a:p>
         </p:txBody>
       </p:sp>
     </p:spTree>
     <p:extLst>
       <p:ext uri="{BB962C8B-B14F-4D97-AF65-F5344CB8AC3E}">
-        <p14:creationId xmlns:p14="http://schemas.microsoft.com/office/powerpoint/2010/main" val="686705589"/>
+        <p14:creationId xmlns:p14="http://schemas.microsoft.com/office/powerpoint/2010/main" val="1781284138"/>
       </p:ext>
     </p:extLst>
   </p:cSld>
@@ -6928,10 +7028,9 @@
           <a:lstStyle/>
           <a:p>
             <a:r>
-              <a:rPr lang="en-US" smtClean="0"/>
+              <a:rPr lang="en-US"/>
               <a:t>Modification of variables</a:t>
             </a:r>
-            <a:endParaRPr lang="en-US"/>
           </a:p>
         </p:txBody>
       </p:sp>
@@ -6957,7 +7056,7 @@
             </a:pPr>
             <a:r>
               <a:rPr lang="en-US" dirty="0" smtClean="0"/>
-              <a:t>The variable Zip code was grouped county wise in 12 groups and a group was made for homeless.</a:t>
+              <a:t>The primary discharge diagnosis were in ICD-9 and ICD-10 codes.</a:t>
             </a:r>
           </a:p>
           <a:p>
@@ -6968,59 +7067,7 @@
             </a:pPr>
             <a:r>
               <a:rPr lang="en-US" dirty="0" smtClean="0"/>
-              <a:t>The Zip code </a:t>
-            </a:r>
-            <a:r>
-              <a:rPr lang="ru-RU" dirty="0"/>
-              <a:t>"</a:t>
-            </a:r>
-            <a:r>
-              <a:rPr lang="ru-RU" dirty="0" smtClean="0"/>
-              <a:t>99997”</a:t>
-            </a:r>
-            <a:r>
-              <a:rPr lang="en-US" dirty="0" smtClean="0"/>
-              <a:t>, </a:t>
-            </a:r>
-            <a:r>
-              <a:rPr lang="ru-RU" dirty="0"/>
-              <a:t>"</a:t>
-            </a:r>
-            <a:r>
-              <a:rPr lang="ru-RU" dirty="0" smtClean="0"/>
-              <a:t>9999</a:t>
-            </a:r>
-            <a:r>
-              <a:rPr lang="en-US" dirty="0" smtClean="0"/>
-              <a:t>8</a:t>
-            </a:r>
-            <a:r>
-              <a:rPr lang="ru-RU" dirty="0" smtClean="0"/>
-              <a:t>”</a:t>
-            </a:r>
-            <a:r>
-              <a:rPr lang="en-US" dirty="0" smtClean="0"/>
-              <a:t> and </a:t>
-            </a:r>
-            <a:r>
-              <a:rPr lang="ru-RU" dirty="0"/>
-              <a:t>"</a:t>
-            </a:r>
-            <a:r>
-              <a:rPr lang="ru-RU" dirty="0" smtClean="0"/>
-              <a:t>9999</a:t>
-            </a:r>
-            <a:r>
-              <a:rPr lang="en-US" dirty="0" smtClean="0"/>
-              <a:t>9</a:t>
-            </a:r>
-            <a:r>
-              <a:rPr lang="ru-RU" dirty="0" smtClean="0"/>
-              <a:t>”</a:t>
-            </a:r>
-            <a:r>
-              <a:rPr lang="en-US" dirty="0" smtClean="0"/>
-              <a:t> were codes for homeless.</a:t>
+              <a:t>For consistency we converted all ICD-9 codes to ICD-10 codes. </a:t>
             </a:r>
           </a:p>
           <a:p>
@@ -7031,7 +7078,45 @@
             </a:pPr>
             <a:r>
               <a:rPr lang="en-US" dirty="0" smtClean="0"/>
-              <a:t>Depending on the homelessness a new variable was created named homelessness.</a:t>
+              <a:t>For </a:t>
+            </a:r>
+            <a:r>
+              <a:rPr lang="en-US" dirty="0"/>
+              <a:t>conversion of the </a:t>
+            </a:r>
+            <a:r>
+              <a:rPr lang="en-US" dirty="0" smtClean="0"/>
+              <a:t>code we used converter available in </a:t>
+            </a:r>
+            <a:r>
+              <a:rPr lang="en-US" dirty="0" smtClean="0">
+                <a:hlinkClick r:id="rId2"/>
+              </a:rPr>
+              <a:t>http</a:t>
+            </a:r>
+            <a:r>
+              <a:rPr lang="en-US" dirty="0">
+                <a:hlinkClick r:id="rId2"/>
+              </a:rPr>
+              <a:t>://</a:t>
+            </a:r>
+            <a:r>
+              <a:rPr lang="en-US" dirty="0" smtClean="0">
+                <a:hlinkClick r:id="rId2"/>
+              </a:rPr>
+              <a:t>www.icd10data.com</a:t>
+            </a:r>
+            <a:endParaRPr lang="en-US" dirty="0" smtClean="0"/>
+          </a:p>
+          <a:p>
+            <a:pPr>
+              <a:lnSpc>
+                <a:spcPct val="200000"/>
+              </a:lnSpc>
+            </a:pPr>
+            <a:r>
+              <a:rPr lang="en-US" dirty="0" smtClean="0"/>
+              <a:t>We then grouped the diagnosis depending on the diseases of different body systems.</a:t>
             </a:r>
             <a:endParaRPr lang="en-US" dirty="0"/>
           </a:p>
@@ -7040,7 +7125,7 @@
     </p:spTree>
     <p:extLst>
       <p:ext uri="{BB962C8B-B14F-4D97-AF65-F5344CB8AC3E}">
-        <p14:creationId xmlns:p14="http://schemas.microsoft.com/office/powerpoint/2010/main" val="1781284138"/>
+        <p14:creationId xmlns:p14="http://schemas.microsoft.com/office/powerpoint/2010/main" val="1155648146"/>
       </p:ext>
     </p:extLst>
   </p:cSld>
@@ -7090,9 +7175,10 @@
           <a:lstStyle/>
           <a:p>
             <a:r>
-              <a:rPr lang="en-US"/>
-              <a:t>Modification of variables</a:t>
-            </a:r>
+              <a:rPr lang="en-US" dirty="0" smtClean="0"/>
+              <a:t>Results</a:t>
+            </a:r>
+            <a:endParaRPr lang="en-US" dirty="0"/>
           </a:p>
         </p:txBody>
       </p:sp>
@@ -7118,7 +7204,7 @@
             </a:pPr>
             <a:r>
               <a:rPr lang="en-US" dirty="0" smtClean="0"/>
-              <a:t>The primary discharge diagnosis were in ICD-9 and ICD-10 codes.</a:t>
+              <a:t>Among the 8786 patients 2034 (23.15%) readmission case within 30 days of discharge were identified.</a:t>
             </a:r>
           </a:p>
           <a:p>
@@ -7129,56 +7215,27 @@
             </a:pPr>
             <a:r>
               <a:rPr lang="en-US" dirty="0" smtClean="0"/>
-              <a:t>For consistency we converted all ICD-9 codes to ICD-10 codes. </a:t>
-            </a:r>
-          </a:p>
-          <a:p>
-            <a:pPr>
-              <a:lnSpc>
-                <a:spcPct val="200000"/>
-              </a:lnSpc>
-            </a:pPr>
-            <a:r>
-              <a:rPr lang="en-US" dirty="0" smtClean="0"/>
-              <a:t>For </a:t>
-            </a:r>
-            <a:r>
-              <a:rPr lang="en-US" dirty="0"/>
-              <a:t>conversion of the </a:t>
-            </a:r>
-            <a:r>
-              <a:rPr lang="en-US" dirty="0" smtClean="0"/>
-              <a:t>code we used converter available in </a:t>
-            </a:r>
-            <a:r>
-              <a:rPr lang="en-US" dirty="0" smtClean="0">
-                <a:hlinkClick r:id="rId2"/>
-              </a:rPr>
-              <a:t>http</a:t>
-            </a:r>
-            <a:r>
-              <a:rPr lang="en-US" dirty="0">
-                <a:hlinkClick r:id="rId2"/>
-              </a:rPr>
-              <a:t>://</a:t>
-            </a:r>
-            <a:r>
-              <a:rPr lang="en-US" dirty="0" smtClean="0">
-                <a:hlinkClick r:id="rId2"/>
-              </a:rPr>
-              <a:t>www.icd10data.com</a:t>
-            </a:r>
-            <a:endParaRPr lang="en-US" dirty="0" smtClean="0"/>
-          </a:p>
-          <a:p>
-            <a:pPr>
-              <a:lnSpc>
-                <a:spcPct val="200000"/>
-              </a:lnSpc>
-            </a:pPr>
-            <a:r>
-              <a:rPr lang="en-US" dirty="0" smtClean="0"/>
-              <a:t>We then grouped the diagnosis depending on the diseases of different body systems.</a:t>
+              <a:t>The number </a:t>
+            </a:r>
+            <a:r>
+              <a:rPr lang="en-US" dirty="0" smtClean="0"/>
+              <a:t>of patients with </a:t>
+            </a:r>
+            <a:r>
+              <a:rPr lang="en-US" dirty="0" smtClean="0"/>
+              <a:t>unique </a:t>
+            </a:r>
+            <a:r>
+              <a:rPr lang="en-US" dirty="0" smtClean="0"/>
+              <a:t>MRN </a:t>
+            </a:r>
+            <a:r>
+              <a:rPr lang="en-US" dirty="0" smtClean="0"/>
+              <a:t>who were admitted once or more with in 30 days were </a:t>
+            </a:r>
+            <a:r>
+              <a:rPr lang="is-IS" dirty="0" smtClean="0"/>
+              <a:t>906 (10%).</a:t>
             </a:r>
             <a:endParaRPr lang="en-US" dirty="0"/>
           </a:p>
@@ -7187,7 +7244,7 @@
     </p:spTree>
     <p:extLst>
       <p:ext uri="{BB962C8B-B14F-4D97-AF65-F5344CB8AC3E}">
-        <p14:creationId xmlns:p14="http://schemas.microsoft.com/office/powerpoint/2010/main" val="1155648146"/>
+        <p14:creationId xmlns:p14="http://schemas.microsoft.com/office/powerpoint/2010/main" val="1546814594"/>
       </p:ext>
     </p:extLst>
   </p:cSld>
@@ -7221,109 +7278,6 @@
           <a:chExt cx="0" cy="0"/>
         </a:xfrm>
       </p:grpSpPr>
-      <p:sp>
-        <p:nvSpPr>
-          <p:cNvPr id="2" name="Title 1"/>
-          <p:cNvSpPr>
-            <a:spLocks noGrp="1"/>
-          </p:cNvSpPr>
-          <p:nvPr>
-            <p:ph type="title"/>
-          </p:nvPr>
-        </p:nvSpPr>
-        <p:spPr/>
-        <p:txBody>
-          <a:bodyPr/>
-          <a:lstStyle/>
-          <a:p>
-            <a:r>
-              <a:rPr lang="en-US" dirty="0" smtClean="0"/>
-              <a:t>Results</a:t>
-            </a:r>
-            <a:endParaRPr lang="en-US" dirty="0"/>
-          </a:p>
-        </p:txBody>
-      </p:sp>
-      <p:sp>
-        <p:nvSpPr>
-          <p:cNvPr id="3" name="Content Placeholder 2"/>
-          <p:cNvSpPr>
-            <a:spLocks noGrp="1"/>
-          </p:cNvSpPr>
-          <p:nvPr>
-            <p:ph idx="1"/>
-          </p:nvPr>
-        </p:nvSpPr>
-        <p:spPr/>
-        <p:txBody>
-          <a:bodyPr/>
-          <a:lstStyle/>
-          <a:p>
-            <a:pPr>
-              <a:lnSpc>
-                <a:spcPct val="200000"/>
-              </a:lnSpc>
-            </a:pPr>
-            <a:r>
-              <a:rPr lang="en-US" dirty="0" smtClean="0"/>
-              <a:t>Among the 8786 patients 2034 (23.15%) readmission case within 30 days of discharge were identified.</a:t>
-            </a:r>
-          </a:p>
-          <a:p>
-            <a:pPr>
-              <a:lnSpc>
-                <a:spcPct val="200000"/>
-              </a:lnSpc>
-            </a:pPr>
-            <a:r>
-              <a:rPr lang="en-US" dirty="0" smtClean="0"/>
-              <a:t>The number of unique patient who were admitted once or more with in 30 days were </a:t>
-            </a:r>
-            <a:r>
-              <a:rPr lang="is-IS" dirty="0" smtClean="0"/>
-              <a:t>906 (10%).</a:t>
-            </a:r>
-            <a:endParaRPr lang="en-US" dirty="0"/>
-          </a:p>
-        </p:txBody>
-      </p:sp>
-    </p:spTree>
-    <p:extLst>
-      <p:ext uri="{BB962C8B-B14F-4D97-AF65-F5344CB8AC3E}">
-        <p14:creationId xmlns:p14="http://schemas.microsoft.com/office/powerpoint/2010/main" val="1546814594"/>
-      </p:ext>
-    </p:extLst>
-  </p:cSld>
-  <p:clrMapOvr>
-    <a:masterClrMapping/>
-  </p:clrMapOvr>
-  <p:timing>
-    <p:tnLst>
-      <p:par>
-        <p:cTn id="1" dur="indefinite" restart="never" nodeType="tmRoot"/>
-      </p:par>
-    </p:tnLst>
-  </p:timing>
-</p:sld>
-</file>
-
-<file path=ppt/slides/slide15.xml><?xml version="1.0" encoding="utf-8"?>
-<p:sld xmlns:a="http://schemas.openxmlformats.org/drawingml/2006/main" xmlns:r="http://schemas.openxmlformats.org/officeDocument/2006/relationships" xmlns:p="http://schemas.openxmlformats.org/presentationml/2006/main">
-  <p:cSld>
-    <p:spTree>
-      <p:nvGrpSpPr>
-        <p:cNvPr id="1" name=""/>
-        <p:cNvGrpSpPr/>
-        <p:nvPr/>
-      </p:nvGrpSpPr>
-      <p:grpSpPr>
-        <a:xfrm>
-          <a:off x="0" y="0"/>
-          <a:ext cx="0" cy="0"/>
-          <a:chOff x="0" y="0"/>
-          <a:chExt cx="0" cy="0"/>
-        </a:xfrm>
-      </p:grpSpPr>
       <p:pic>
         <p:nvPicPr>
           <p:cNvPr id="6" name="Content Placeholder 5"/>
@@ -7408,7 +7362,7 @@
 </p:sld>
 </file>
 
-<file path=ppt/slides/slide16.xml><?xml version="1.0" encoding="utf-8"?>
+<file path=ppt/slides/slide15.xml><?xml version="1.0" encoding="utf-8"?>
 <p:sld xmlns:a="http://schemas.openxmlformats.org/drawingml/2006/main" xmlns:r="http://schemas.openxmlformats.org/officeDocument/2006/relationships" xmlns:p="http://schemas.openxmlformats.org/presentationml/2006/main">
   <p:cSld>
     <p:spTree>
@@ -7497,7 +7451,7 @@
 </p:sld>
 </file>
 
-<file path=ppt/slides/slide17.xml><?xml version="1.0" encoding="utf-8"?>
+<file path=ppt/slides/slide16.xml><?xml version="1.0" encoding="utf-8"?>
 <p:sld xmlns:a="http://schemas.openxmlformats.org/drawingml/2006/main" xmlns:r="http://schemas.openxmlformats.org/officeDocument/2006/relationships" xmlns:p="http://schemas.openxmlformats.org/presentationml/2006/main">
   <p:cSld>
     <p:spTree>
@@ -7623,7 +7577,7 @@
 </p:sld>
 </file>
 
-<file path=ppt/slides/slide18.xml><?xml version="1.0" encoding="utf-8"?>
+<file path=ppt/slides/slide17.xml><?xml version="1.0" encoding="utf-8"?>
 <p:sld xmlns:a="http://schemas.openxmlformats.org/drawingml/2006/main" xmlns:r="http://schemas.openxmlformats.org/officeDocument/2006/relationships" xmlns:p="http://schemas.openxmlformats.org/presentationml/2006/main">
   <p:cSld>
     <p:spTree>
@@ -7753,7 +7707,7 @@
 </p:sld>
 </file>
 
-<file path=ppt/slides/slide19.xml><?xml version="1.0" encoding="utf-8"?>
+<file path=ppt/slides/slide18.xml><?xml version="1.0" encoding="utf-8"?>
 <p:sld xmlns:a="http://schemas.openxmlformats.org/drawingml/2006/main" xmlns:r="http://schemas.openxmlformats.org/officeDocument/2006/relationships" xmlns:p="http://schemas.openxmlformats.org/presentationml/2006/main">
   <p:cSld>
     <p:spTree>
@@ -7845,6 +7799,135 @@
 </p:sld>
 </file>
 
+<file path=ppt/slides/slide19.xml><?xml version="1.0" encoding="utf-8"?>
+<p:sld xmlns:a="http://schemas.openxmlformats.org/drawingml/2006/main" xmlns:r="http://schemas.openxmlformats.org/officeDocument/2006/relationships" xmlns:p="http://schemas.openxmlformats.org/presentationml/2006/main">
+  <p:cSld>
+    <p:spTree>
+      <p:nvGrpSpPr>
+        <p:cNvPr id="1" name=""/>
+        <p:cNvGrpSpPr/>
+        <p:nvPr/>
+      </p:nvGrpSpPr>
+      <p:grpSpPr>
+        <a:xfrm>
+          <a:off x="0" y="0"/>
+          <a:ext cx="0" cy="0"/>
+          <a:chOff x="0" y="0"/>
+          <a:chExt cx="0" cy="0"/>
+        </a:xfrm>
+      </p:grpSpPr>
+      <p:sp>
+        <p:nvSpPr>
+          <p:cNvPr id="2" name="Title 1"/>
+          <p:cNvSpPr>
+            <a:spLocks noGrp="1"/>
+          </p:cNvSpPr>
+          <p:nvPr>
+            <p:ph type="title"/>
+          </p:nvPr>
+        </p:nvSpPr>
+        <p:spPr/>
+        <p:txBody>
+          <a:bodyPr/>
+          <a:lstStyle/>
+          <a:p>
+            <a:pPr algn="r"/>
+            <a:r>
+              <a:rPr lang="en-US" dirty="0" smtClean="0"/>
+              <a:t>language</a:t>
+            </a:r>
+            <a:endParaRPr lang="en-US" dirty="0"/>
+          </a:p>
+        </p:txBody>
+      </p:sp>
+      <p:pic>
+        <p:nvPicPr>
+          <p:cNvPr id="4" name="Content Placeholder 3"/>
+          <p:cNvPicPr>
+            <a:picLocks noGrp="1" noChangeAspect="1"/>
+          </p:cNvPicPr>
+          <p:nvPr>
+            <p:ph idx="1"/>
+          </p:nvPr>
+        </p:nvPicPr>
+        <p:blipFill>
+          <a:blip r:embed="rId2">
+            <a:extLst>
+              <a:ext uri="{28A0092B-C50C-407E-A947-70E740481C1C}">
+                <a14:useLocalDpi xmlns:a14="http://schemas.microsoft.com/office/drawing/2010/main" val="0"/>
+              </a:ext>
+            </a:extLst>
+          </a:blip>
+          <a:stretch>
+            <a:fillRect/>
+          </a:stretch>
+        </p:blipFill>
+        <p:spPr>
+          <a:xfrm>
+            <a:off x="0" y="0"/>
+            <a:ext cx="7277622" cy="6942707"/>
+          </a:xfrm>
+        </p:spPr>
+      </p:pic>
+      <p:sp>
+        <p:nvSpPr>
+          <p:cNvPr id="5" name="TextBox 4"/>
+          <p:cNvSpPr txBox="1"/>
+          <p:nvPr/>
+        </p:nvSpPr>
+        <p:spPr>
+          <a:xfrm>
+            <a:off x="7928975" y="2392471"/>
+            <a:ext cx="3782861" cy="1122743"/>
+          </a:xfrm>
+          <a:prstGeom prst="rect">
+            <a:avLst/>
+          </a:prstGeom>
+          <a:noFill/>
+        </p:spPr>
+        <p:txBody>
+          <a:bodyPr wrap="square" rtlCol="0">
+            <a:spAutoFit/>
+          </a:bodyPr>
+          <a:lstStyle/>
+          <a:p>
+            <a:pPr algn="ctr">
+              <a:lnSpc>
+                <a:spcPct val="200000"/>
+              </a:lnSpc>
+            </a:pPr>
+            <a:r>
+              <a:rPr lang="en-US" dirty="0" smtClean="0"/>
+              <a:t>About 81% of the readmitted  patients first language </a:t>
+            </a:r>
+            <a:r>
+              <a:rPr lang="en-US" smtClean="0"/>
+              <a:t>were English.</a:t>
+            </a:r>
+            <a:endParaRPr lang="en-US" dirty="0"/>
+          </a:p>
+        </p:txBody>
+      </p:sp>
+    </p:spTree>
+    <p:extLst>
+      <p:ext uri="{BB962C8B-B14F-4D97-AF65-F5344CB8AC3E}">
+        <p14:creationId xmlns:p14="http://schemas.microsoft.com/office/powerpoint/2010/main" val="775209369"/>
+      </p:ext>
+    </p:extLst>
+  </p:cSld>
+  <p:clrMapOvr>
+    <a:masterClrMapping/>
+  </p:clrMapOvr>
+  <p:timing>
+    <p:tnLst>
+      <p:par>
+        <p:cTn id="1" dur="indefinite" restart="never" nodeType="tmRoot"/>
+      </p:par>
+    </p:tnLst>
+  </p:timing>
+</p:sld>
+</file>
+
 <file path=ppt/slides/slide2.xml><?xml version="1.0" encoding="utf-8"?>
 <p:sld xmlns:a="http://schemas.openxmlformats.org/drawingml/2006/main" xmlns:r="http://schemas.openxmlformats.org/officeDocument/2006/relationships" xmlns:p="http://schemas.openxmlformats.org/presentationml/2006/main">
   <p:cSld>
@@ -7912,25 +7995,13 @@
               <a:rPr lang="en-US" dirty="0" smtClean="0"/>
               <a:t>Patients </a:t>
             </a:r>
-            <a:r>
-              <a:rPr lang="en-US" dirty="0"/>
-              <a:t>Derivation and Validation of a Prediction </a:t>
-            </a:r>
-            <a:r>
-              <a:rPr lang="en-US" dirty="0" smtClean="0"/>
-              <a:t>Model</a:t>
-            </a:r>
-          </a:p>
-          <a:p>
-            <a:r>
-              <a:rPr lang="en-US" dirty="0"/>
-              <a:t>Academic medical center in Boston, </a:t>
-            </a:r>
-            <a:r>
-              <a:rPr lang="en-US" dirty="0" smtClean="0"/>
-              <a:t>Massachusetts</a:t>
-            </a:r>
             <a:endParaRPr lang="en-US" dirty="0" smtClean="0"/>
+          </a:p>
+          <a:p>
+            <a:r>
+              <a:rPr lang="en-US" dirty="0" smtClean="0"/>
+              <a:t>Academic medical center in Boston, Massachusetts</a:t>
+            </a:r>
           </a:p>
           <a:p>
             <a:pPr marL="0" indent="0">
@@ -7999,23 +8070,34 @@
       </p:grpSpPr>
       <p:sp>
         <p:nvSpPr>
-          <p:cNvPr id="2" name="Title 1"/>
-          <p:cNvSpPr>
-            <a:spLocks noGrp="1"/>
-          </p:cNvSpPr>
-          <p:nvPr>
-            <p:ph type="title"/>
-          </p:nvPr>
-        </p:nvSpPr>
-        <p:spPr/>
-        <p:txBody>
-          <a:bodyPr/>
-          <a:lstStyle/>
-          <a:p>
-            <a:pPr algn="r"/>
-            <a:r>
-              <a:rPr lang="en-US" dirty="0" smtClean="0"/>
-              <a:t>language</a:t>
+          <p:cNvPr id="5" name="TextBox 4"/>
+          <p:cNvSpPr txBox="1"/>
+          <p:nvPr/>
+        </p:nvSpPr>
+        <p:spPr>
+          <a:xfrm>
+            <a:off x="10083451" y="1759632"/>
+            <a:ext cx="1945710" cy="3416320"/>
+          </a:xfrm>
+          <a:prstGeom prst="rect">
+            <a:avLst/>
+          </a:prstGeom>
+          <a:noFill/>
+        </p:spPr>
+        <p:txBody>
+          <a:bodyPr wrap="square" rtlCol="0">
+            <a:spAutoFit/>
+          </a:bodyPr>
+          <a:lstStyle/>
+          <a:p>
+            <a:pPr algn="ctr">
+              <a:lnSpc>
+                <a:spcPct val="200000"/>
+              </a:lnSpc>
+            </a:pPr>
+            <a:r>
+              <a:rPr lang="en-US" dirty="0" smtClean="0"/>
+              <a:t>Among the readmitted patients most patient suffered diseases of digestive system. </a:t>
             </a:r>
             <a:endParaRPr lang="en-US" dirty="0"/>
           </a:p>
@@ -8023,7 +8105,7 @@
       </p:sp>
       <p:pic>
         <p:nvPicPr>
-          <p:cNvPr id="4" name="Content Placeholder 3"/>
+          <p:cNvPr id="7" name="Content Placeholder 6"/>
           <p:cNvPicPr>
             <a:picLocks noGrp="1" noChangeAspect="1"/>
           </p:cNvPicPr>
@@ -8045,54 +8127,15 @@
         </p:blipFill>
         <p:spPr>
           <a:xfrm>
-            <a:off x="0" y="0"/>
-            <a:ext cx="7277622" cy="6942707"/>
+            <a:off x="754167" y="866280"/>
+            <a:ext cx="9034267" cy="5203024"/>
           </a:xfrm>
         </p:spPr>
       </p:pic>
-      <p:sp>
-        <p:nvSpPr>
-          <p:cNvPr id="5" name="TextBox 4"/>
-          <p:cNvSpPr txBox="1"/>
-          <p:nvPr/>
-        </p:nvSpPr>
-        <p:spPr>
-          <a:xfrm>
-            <a:off x="7928975" y="2392471"/>
-            <a:ext cx="3782861" cy="1122743"/>
-          </a:xfrm>
-          <a:prstGeom prst="rect">
-            <a:avLst/>
-          </a:prstGeom>
-          <a:noFill/>
-        </p:spPr>
-        <p:txBody>
-          <a:bodyPr wrap="square" rtlCol="0">
-            <a:spAutoFit/>
-          </a:bodyPr>
-          <a:lstStyle/>
-          <a:p>
-            <a:pPr algn="ctr">
-              <a:lnSpc>
-                <a:spcPct val="200000"/>
-              </a:lnSpc>
-            </a:pPr>
-            <a:r>
-              <a:rPr lang="en-US" dirty="0" smtClean="0"/>
-              <a:t>About 81% of the readmitted  patients first language </a:t>
-            </a:r>
-            <a:r>
-              <a:rPr lang="en-US" smtClean="0"/>
-              <a:t>were English.</a:t>
-            </a:r>
-            <a:endParaRPr lang="en-US" dirty="0"/>
-          </a:p>
-        </p:txBody>
-      </p:sp>
     </p:spTree>
     <p:extLst>
       <p:ext uri="{BB962C8B-B14F-4D97-AF65-F5344CB8AC3E}">
-        <p14:creationId xmlns:p14="http://schemas.microsoft.com/office/powerpoint/2010/main" val="775209369"/>
+        <p14:creationId xmlns:p14="http://schemas.microsoft.com/office/powerpoint/2010/main" val="41979007"/>
       </p:ext>
     </p:extLst>
   </p:cSld>
@@ -8126,9 +8169,56 @@
           <a:chExt cx="0" cy="0"/>
         </a:xfrm>
       </p:grpSpPr>
+      <p:sp>
+        <p:nvSpPr>
+          <p:cNvPr id="5" name="TextBox 4"/>
+          <p:cNvSpPr txBox="1"/>
+          <p:nvPr/>
+        </p:nvSpPr>
+        <p:spPr>
+          <a:xfrm>
+            <a:off x="676405" y="1866378"/>
+            <a:ext cx="3620022" cy="2308324"/>
+          </a:xfrm>
+          <a:prstGeom prst="rect">
+            <a:avLst/>
+          </a:prstGeom>
+          <a:noFill/>
+        </p:spPr>
+        <p:txBody>
+          <a:bodyPr wrap="square" rtlCol="0">
+            <a:spAutoFit/>
+          </a:bodyPr>
+          <a:lstStyle/>
+          <a:p>
+            <a:pPr algn="ctr">
+              <a:lnSpc>
+                <a:spcPct val="200000"/>
+              </a:lnSpc>
+            </a:pPr>
+            <a:r>
+              <a:rPr lang="en-US" smtClean="0"/>
+              <a:t>More than 15</a:t>
+            </a:r>
+            <a:r>
+              <a:rPr lang="en-US" dirty="0" smtClean="0"/>
+              <a:t>% patients had digestive </a:t>
+            </a:r>
+            <a:r>
+              <a:rPr lang="en-US" smtClean="0"/>
+              <a:t>system diseases, 12</a:t>
+            </a:r>
+            <a:r>
+              <a:rPr lang="en-US" dirty="0" smtClean="0"/>
+              <a:t>% had circulatory &amp; respiratory system diseases.</a:t>
+            </a:r>
+            <a:endParaRPr lang="en-US" dirty="0"/>
+          </a:p>
+        </p:txBody>
+      </p:sp>
       <p:pic>
         <p:nvPicPr>
-          <p:cNvPr id="4" name="Content Placeholder 3"/>
+          <p:cNvPr id="7" name="Content Placeholder 6"/>
           <p:cNvPicPr>
             <a:picLocks noGrp="1" noChangeAspect="1"/>
           </p:cNvPicPr>
@@ -8150,159 +8240,11 @@
         </p:blipFill>
         <p:spPr>
           <a:xfrm>
-            <a:off x="-1" y="0"/>
-            <a:ext cx="9873083" cy="6858000"/>
+            <a:off x="4228887" y="1018903"/>
+            <a:ext cx="7621045" cy="4389120"/>
           </a:xfrm>
         </p:spPr>
       </p:pic>
-      <p:sp>
-        <p:nvSpPr>
-          <p:cNvPr id="5" name="TextBox 4"/>
-          <p:cNvSpPr txBox="1"/>
-          <p:nvPr/>
-        </p:nvSpPr>
-        <p:spPr>
-          <a:xfrm>
-            <a:off x="10083451" y="1759632"/>
-            <a:ext cx="1945710" cy="3416320"/>
-          </a:xfrm>
-          <a:prstGeom prst="rect">
-            <a:avLst/>
-          </a:prstGeom>
-          <a:noFill/>
-        </p:spPr>
-        <p:txBody>
-          <a:bodyPr wrap="square" rtlCol="0">
-            <a:spAutoFit/>
-          </a:bodyPr>
-          <a:lstStyle/>
-          <a:p>
-            <a:pPr algn="ctr">
-              <a:lnSpc>
-                <a:spcPct val="200000"/>
-              </a:lnSpc>
-            </a:pPr>
-            <a:r>
-              <a:rPr lang="en-US" dirty="0" smtClean="0"/>
-              <a:t>Among the readmitted patients most patient suffered diseases of digestive system. </a:t>
-            </a:r>
-            <a:endParaRPr lang="en-US" dirty="0"/>
-          </a:p>
-        </p:txBody>
-      </p:sp>
-    </p:spTree>
-    <p:extLst>
-      <p:ext uri="{BB962C8B-B14F-4D97-AF65-F5344CB8AC3E}">
-        <p14:creationId xmlns:p14="http://schemas.microsoft.com/office/powerpoint/2010/main" val="41979007"/>
-      </p:ext>
-    </p:extLst>
-  </p:cSld>
-  <p:clrMapOvr>
-    <a:masterClrMapping/>
-  </p:clrMapOvr>
-  <p:timing>
-    <p:tnLst>
-      <p:par>
-        <p:cTn id="1" dur="indefinite" restart="never" nodeType="tmRoot"/>
-      </p:par>
-    </p:tnLst>
-  </p:timing>
-</p:sld>
-</file>
-
-<file path=ppt/slides/slide22.xml><?xml version="1.0" encoding="utf-8"?>
-<p:sld xmlns:a="http://schemas.openxmlformats.org/drawingml/2006/main" xmlns:r="http://schemas.openxmlformats.org/officeDocument/2006/relationships" xmlns:p="http://schemas.openxmlformats.org/presentationml/2006/main">
-  <p:cSld>
-    <p:spTree>
-      <p:nvGrpSpPr>
-        <p:cNvPr id="1" name=""/>
-        <p:cNvGrpSpPr/>
-        <p:nvPr/>
-      </p:nvGrpSpPr>
-      <p:grpSpPr>
-        <a:xfrm>
-          <a:off x="0" y="0"/>
-          <a:ext cx="0" cy="0"/>
-          <a:chOff x="0" y="0"/>
-          <a:chExt cx="0" cy="0"/>
-        </a:xfrm>
-      </p:grpSpPr>
-      <p:pic>
-        <p:nvPicPr>
-          <p:cNvPr id="4" name="Content Placeholder 3"/>
-          <p:cNvPicPr>
-            <a:picLocks noGrp="1" noChangeAspect="1"/>
-          </p:cNvPicPr>
-          <p:nvPr>
-            <p:ph idx="1"/>
-          </p:nvPr>
-        </p:nvPicPr>
-        <p:blipFill>
-          <a:blip r:embed="rId2">
-            <a:extLst>
-              <a:ext uri="{28A0092B-C50C-407E-A947-70E740481C1C}">
-                <a14:useLocalDpi xmlns:a14="http://schemas.microsoft.com/office/drawing/2010/main" val="0"/>
-              </a:ext>
-            </a:extLst>
-          </a:blip>
-          <a:stretch>
-            <a:fillRect/>
-          </a:stretch>
-        </p:blipFill>
-        <p:spPr>
-          <a:xfrm>
-            <a:off x="5148197" y="0"/>
-            <a:ext cx="7043803" cy="6864799"/>
-          </a:xfrm>
-        </p:spPr>
-      </p:pic>
-      <p:sp>
-        <p:nvSpPr>
-          <p:cNvPr id="5" name="TextBox 4"/>
-          <p:cNvSpPr txBox="1"/>
-          <p:nvPr/>
-        </p:nvSpPr>
-        <p:spPr>
-          <a:xfrm>
-            <a:off x="676405" y="1866378"/>
-            <a:ext cx="3620022" cy="2308324"/>
-          </a:xfrm>
-          <a:prstGeom prst="rect">
-            <a:avLst/>
-          </a:prstGeom>
-          <a:noFill/>
-        </p:spPr>
-        <p:txBody>
-          <a:bodyPr wrap="square" rtlCol="0">
-            <a:spAutoFit/>
-          </a:bodyPr>
-          <a:lstStyle/>
-          <a:p>
-            <a:pPr algn="ctr">
-              <a:lnSpc>
-                <a:spcPct val="200000"/>
-              </a:lnSpc>
-            </a:pPr>
-            <a:r>
-              <a:rPr lang="en-US" smtClean="0"/>
-              <a:t>More than 15</a:t>
-            </a:r>
-            <a:r>
-              <a:rPr lang="en-US" dirty="0" smtClean="0"/>
-              <a:t>% patients had digestive </a:t>
-            </a:r>
-            <a:r>
-              <a:rPr lang="en-US" smtClean="0"/>
-              <a:t>system diseases, 12</a:t>
-            </a:r>
-            <a:r>
-              <a:rPr lang="en-US" dirty="0" smtClean="0"/>
-              <a:t>% had circulatory &amp; respiratory system diseases.</a:t>
-            </a:r>
-            <a:endParaRPr lang="en-US" dirty="0"/>
-          </a:p>
-        </p:txBody>
-      </p:sp>
     </p:spTree>
     <p:extLst>
       <p:ext uri="{BB962C8B-B14F-4D97-AF65-F5344CB8AC3E}">
@@ -8323,7 +8265,7 @@
 </p:sld>
 </file>
 
-<file path=ppt/slides/slide23.xml><?xml version="1.0" encoding="utf-8"?>
+<file path=ppt/slides/slide22.xml><?xml version="1.0" encoding="utf-8"?>
 <p:sld xmlns:a="http://schemas.openxmlformats.org/drawingml/2006/main" xmlns:r="http://schemas.openxmlformats.org/officeDocument/2006/relationships" xmlns:p="http://schemas.openxmlformats.org/presentationml/2006/main">
   <p:cSld>
     <p:spTree>
@@ -8412,7 +8354,7 @@
 </p:sld>
 </file>
 
-<file path=ppt/slides/slide24.xml><?xml version="1.0" encoding="utf-8"?>
+<file path=ppt/slides/slide23.xml><?xml version="1.0" encoding="utf-8"?>
 <p:sld xmlns:a="http://schemas.openxmlformats.org/drawingml/2006/main" xmlns:r="http://schemas.openxmlformats.org/officeDocument/2006/relationships" xmlns:p="http://schemas.openxmlformats.org/presentationml/2006/main">
   <p:cSld>
     <p:spTree>
@@ -8520,6 +8462,169 @@
     <p:extLst>
       <p:ext uri="{BB962C8B-B14F-4D97-AF65-F5344CB8AC3E}">
         <p14:creationId xmlns:p14="http://schemas.microsoft.com/office/powerpoint/2010/main" val="462957121"/>
+      </p:ext>
+    </p:extLst>
+  </p:cSld>
+  <p:clrMapOvr>
+    <a:masterClrMapping/>
+  </p:clrMapOvr>
+  <p:timing>
+    <p:tnLst>
+      <p:par>
+        <p:cTn id="1" dur="indefinite" restart="never" nodeType="tmRoot"/>
+      </p:par>
+    </p:tnLst>
+  </p:timing>
+</p:sld>
+</file>
+
+<file path=ppt/slides/slide24.xml><?xml version="1.0" encoding="utf-8"?>
+<p:sld xmlns:a="http://schemas.openxmlformats.org/drawingml/2006/main" xmlns:r="http://schemas.openxmlformats.org/officeDocument/2006/relationships" xmlns:p="http://schemas.openxmlformats.org/presentationml/2006/main">
+  <p:cSld>
+    <p:spTree>
+      <p:nvGrpSpPr>
+        <p:cNvPr id="1" name=""/>
+        <p:cNvGrpSpPr/>
+        <p:nvPr/>
+      </p:nvGrpSpPr>
+      <p:grpSpPr>
+        <a:xfrm>
+          <a:off x="0" y="0"/>
+          <a:ext cx="0" cy="0"/>
+          <a:chOff x="0" y="0"/>
+          <a:chExt cx="0" cy="0"/>
+        </a:xfrm>
+      </p:grpSpPr>
+      <p:sp>
+        <p:nvSpPr>
+          <p:cNvPr id="2" name="Title 1"/>
+          <p:cNvSpPr>
+            <a:spLocks noGrp="1"/>
+          </p:cNvSpPr>
+          <p:nvPr>
+            <p:ph type="title"/>
+          </p:nvPr>
+        </p:nvSpPr>
+        <p:spPr>
+          <a:xfrm>
+            <a:off x="0" y="597074"/>
+            <a:ext cx="10131425" cy="1456267"/>
+          </a:xfrm>
+        </p:spPr>
+        <p:txBody>
+          <a:bodyPr/>
+          <a:lstStyle/>
+          <a:p>
+            <a:r>
+              <a:rPr lang="en-US" dirty="0" smtClean="0"/>
+              <a:t>Total length of stay</a:t>
+            </a:r>
+            <a:endParaRPr lang="en-US" dirty="0"/>
+          </a:p>
+        </p:txBody>
+      </p:sp>
+      <p:pic>
+        <p:nvPicPr>
+          <p:cNvPr id="4" name="Content Placeholder 3"/>
+          <p:cNvPicPr>
+            <a:picLocks noGrp="1" noChangeAspect="1"/>
+          </p:cNvPicPr>
+          <p:nvPr>
+            <p:ph idx="1"/>
+          </p:nvPr>
+        </p:nvPicPr>
+        <p:blipFill>
+          <a:blip r:embed="rId2">
+            <a:extLst>
+              <a:ext uri="{28A0092B-C50C-407E-A947-70E740481C1C}">
+                <a14:useLocalDpi xmlns:a14="http://schemas.microsoft.com/office/drawing/2010/main" val="0"/>
+              </a:ext>
+            </a:extLst>
+          </a:blip>
+          <a:stretch>
+            <a:fillRect/>
+          </a:stretch>
+        </p:blipFill>
+        <p:spPr>
+          <a:xfrm>
+            <a:off x="4639786" y="0"/>
+            <a:ext cx="7552214" cy="6858000"/>
+          </a:xfrm>
+        </p:spPr>
+      </p:pic>
+      <p:sp>
+        <p:nvSpPr>
+          <p:cNvPr id="5" name="TextBox 4"/>
+          <p:cNvSpPr txBox="1"/>
+          <p:nvPr/>
+        </p:nvSpPr>
+        <p:spPr>
+          <a:xfrm>
+            <a:off x="501041" y="2517731"/>
+            <a:ext cx="3507288" cy="3416320"/>
+          </a:xfrm>
+          <a:prstGeom prst="rect">
+            <a:avLst/>
+          </a:prstGeom>
+          <a:noFill/>
+        </p:spPr>
+        <p:txBody>
+          <a:bodyPr wrap="square" rtlCol="0">
+            <a:spAutoFit/>
+          </a:bodyPr>
+          <a:lstStyle/>
+          <a:p>
+            <a:pPr algn="ctr">
+              <a:lnSpc>
+                <a:spcPct val="200000"/>
+              </a:lnSpc>
+            </a:pPr>
+            <a:r>
+              <a:rPr lang="en-US" dirty="0"/>
+              <a:t>Mean total length of stay for each admission was 5.4 days, with median of 3 </a:t>
+            </a:r>
+            <a:r>
+              <a:rPr lang="en-US" dirty="0" smtClean="0"/>
+              <a:t>days.</a:t>
+            </a:r>
+          </a:p>
+          <a:p>
+            <a:pPr algn="ctr">
+              <a:lnSpc>
+                <a:spcPct val="200000"/>
+              </a:lnSpc>
+            </a:pPr>
+            <a:r>
+              <a:rPr lang="en-US" dirty="0" smtClean="0"/>
+              <a:t>Both the group show almost similar density distribution</a:t>
+            </a:r>
+          </a:p>
+          <a:p>
+            <a:pPr algn="ctr">
+              <a:lnSpc>
+                <a:spcPct val="200000"/>
+              </a:lnSpc>
+            </a:pPr>
+            <a:r>
+              <a:rPr lang="en-US" dirty="0" smtClean="0"/>
+              <a:t>(p-value </a:t>
+            </a:r>
+            <a:r>
+              <a:rPr lang="en-US" dirty="0"/>
+              <a:t>= </a:t>
+            </a:r>
+            <a:r>
+              <a:rPr lang="en-US" dirty="0" smtClean="0"/>
+              <a:t>0.9651).</a:t>
+            </a:r>
+            <a:endParaRPr lang="en-US" dirty="0"/>
+          </a:p>
+        </p:txBody>
+      </p:sp>
+    </p:spTree>
+    <p:extLst>
+      <p:ext uri="{BB962C8B-B14F-4D97-AF65-F5344CB8AC3E}">
+        <p14:creationId xmlns:p14="http://schemas.microsoft.com/office/powerpoint/2010/main" val="96473774"/>
       </p:ext>
     </p:extLst>
   </p:cSld>
@@ -8563,73 +8668,36 @@
             <p:ph type="title"/>
           </p:nvPr>
         </p:nvSpPr>
+        <p:spPr/>
+        <p:txBody>
+          <a:bodyPr/>
+          <a:lstStyle/>
+          <a:p>
+            <a:r>
+              <a:rPr lang="en-US" dirty="0"/>
+              <a:t>Hemoglobin level</a:t>
+            </a:r>
+          </a:p>
+        </p:txBody>
+      </p:sp>
+      <p:sp>
+        <p:nvSpPr>
+          <p:cNvPr id="3" name="Content Placeholder 2"/>
+          <p:cNvSpPr>
+            <a:spLocks noGrp="1"/>
+          </p:cNvSpPr>
+          <p:nvPr>
+            <p:ph idx="1"/>
+          </p:nvPr>
+        </p:nvSpPr>
         <p:spPr>
           <a:xfrm>
-            <a:off x="0" y="597074"/>
-            <a:ext cx="10131425" cy="1456267"/>
+            <a:off x="685801" y="1989783"/>
+            <a:ext cx="10131425" cy="3649133"/>
           </a:xfrm>
         </p:spPr>
         <p:txBody>
           <a:bodyPr/>
-          <a:lstStyle/>
-          <a:p>
-            <a:r>
-              <a:rPr lang="en-US" dirty="0" smtClean="0"/>
-              <a:t>Total length of stay</a:t>
-            </a:r>
-            <a:endParaRPr lang="en-US" dirty="0"/>
-          </a:p>
-        </p:txBody>
-      </p:sp>
-      <p:pic>
-        <p:nvPicPr>
-          <p:cNvPr id="4" name="Content Placeholder 3"/>
-          <p:cNvPicPr>
-            <a:picLocks noGrp="1" noChangeAspect="1"/>
-          </p:cNvPicPr>
-          <p:nvPr>
-            <p:ph idx="1"/>
-          </p:nvPr>
-        </p:nvPicPr>
-        <p:blipFill>
-          <a:blip r:embed="rId2">
-            <a:extLst>
-              <a:ext uri="{28A0092B-C50C-407E-A947-70E740481C1C}">
-                <a14:useLocalDpi xmlns:a14="http://schemas.microsoft.com/office/drawing/2010/main" val="0"/>
-              </a:ext>
-            </a:extLst>
-          </a:blip>
-          <a:stretch>
-            <a:fillRect/>
-          </a:stretch>
-        </p:blipFill>
-        <p:spPr>
-          <a:xfrm>
-            <a:off x="4639786" y="0"/>
-            <a:ext cx="7552214" cy="6858000"/>
-          </a:xfrm>
-        </p:spPr>
-      </p:pic>
-      <p:sp>
-        <p:nvSpPr>
-          <p:cNvPr id="5" name="TextBox 4"/>
-          <p:cNvSpPr txBox="1"/>
-          <p:nvPr/>
-        </p:nvSpPr>
-        <p:spPr>
-          <a:xfrm>
-            <a:off x="501041" y="2517731"/>
-            <a:ext cx="3507288" cy="3416320"/>
-          </a:xfrm>
-          <a:prstGeom prst="rect">
-            <a:avLst/>
-          </a:prstGeom>
-          <a:noFill/>
-        </p:spPr>
-        <p:txBody>
-          <a:bodyPr wrap="square" rtlCol="0">
-            <a:spAutoFit/>
-          </a:bodyPr>
           <a:lstStyle/>
           <a:p>
             <a:pPr algn="ctr">
@@ -8639,50 +8707,15 @@
             </a:pPr>
             <a:r>
               <a:rPr lang="en-US" dirty="0"/>
-              <a:t>Mean total length of stay for each admission was 5.4 days, with median of 3 </a:t>
-            </a:r>
-            <a:r>
-              <a:rPr lang="en-US" dirty="0" smtClean="0"/>
-              <a:t>days.</a:t>
-            </a:r>
-          </a:p>
-          <a:p>
-            <a:pPr algn="ctr">
-              <a:lnSpc>
-                <a:spcPct val="200000"/>
-              </a:lnSpc>
-            </a:pPr>
-            <a:r>
-              <a:rPr lang="en-US" dirty="0" smtClean="0"/>
-              <a:t>Both the group show almost similar density distribution</a:t>
-            </a:r>
-          </a:p>
-          <a:p>
-            <a:pPr algn="ctr">
-              <a:lnSpc>
-                <a:spcPct val="200000"/>
-              </a:lnSpc>
-            </a:pPr>
-            <a:r>
-              <a:rPr lang="en-US" dirty="0" smtClean="0"/>
-              <a:t>(p-value </a:t>
-            </a:r>
-            <a:r>
-              <a:rPr lang="en-US" dirty="0"/>
-              <a:t>= </a:t>
-            </a:r>
-            <a:r>
-              <a:rPr lang="en-US" dirty="0" smtClean="0"/>
-              <a:t>0.9651).</a:t>
-            </a:r>
-            <a:endParaRPr lang="en-US" dirty="0"/>
+              <a:t>Mean Hemoglobin level for the patient was 11.69 g/dl. Median value was 12 g/dl. Minimum level of hemoglobin was 5.3 g/dl and maximum was 19.90 g/dl.</a:t>
+            </a:r>
           </a:p>
         </p:txBody>
       </p:sp>
     </p:spTree>
     <p:extLst>
       <p:ext uri="{BB962C8B-B14F-4D97-AF65-F5344CB8AC3E}">
-        <p14:creationId xmlns:p14="http://schemas.microsoft.com/office/powerpoint/2010/main" val="96473774"/>
+        <p14:creationId xmlns:p14="http://schemas.microsoft.com/office/powerpoint/2010/main" val="1479619364"/>
       </p:ext>
     </p:extLst>
   </p:cSld>
@@ -8726,36 +8759,73 @@
             <p:ph type="title"/>
           </p:nvPr>
         </p:nvSpPr>
-        <p:spPr/>
-        <p:txBody>
-          <a:bodyPr/>
-          <a:lstStyle/>
-          <a:p>
-            <a:r>
-              <a:rPr lang="en-US" dirty="0"/>
-              <a:t>Hemoglobin level</a:t>
-            </a:r>
-          </a:p>
-        </p:txBody>
-      </p:sp>
-      <p:sp>
-        <p:nvSpPr>
-          <p:cNvPr id="3" name="Content Placeholder 2"/>
-          <p:cNvSpPr>
-            <a:spLocks noGrp="1"/>
-          </p:cNvSpPr>
-          <p:nvPr>
-            <p:ph idx="1"/>
-          </p:nvPr>
-        </p:nvSpPr>
         <p:spPr>
           <a:xfrm>
-            <a:off x="685801" y="1989783"/>
-            <a:ext cx="10131425" cy="3649133"/>
+            <a:off x="234864" y="521918"/>
+            <a:ext cx="10131425" cy="1456267"/>
           </a:xfrm>
         </p:spPr>
         <p:txBody>
           <a:bodyPr/>
+          <a:lstStyle/>
+          <a:p>
+            <a:r>
+              <a:rPr lang="en-US" dirty="0" smtClean="0"/>
+              <a:t>Hemoglobin level</a:t>
+            </a:r>
+            <a:endParaRPr lang="en-US" dirty="0"/>
+          </a:p>
+        </p:txBody>
+      </p:sp>
+      <p:pic>
+        <p:nvPicPr>
+          <p:cNvPr id="6" name="Content Placeholder 5"/>
+          <p:cNvPicPr>
+            <a:picLocks noGrp="1" noChangeAspect="1"/>
+          </p:cNvPicPr>
+          <p:nvPr>
+            <p:ph idx="1"/>
+          </p:nvPr>
+        </p:nvPicPr>
+        <p:blipFill>
+          <a:blip r:embed="rId2">
+            <a:extLst>
+              <a:ext uri="{28A0092B-C50C-407E-A947-70E740481C1C}">
+                <a14:useLocalDpi xmlns:a14="http://schemas.microsoft.com/office/drawing/2010/main" val="0"/>
+              </a:ext>
+            </a:extLst>
+          </a:blip>
+          <a:stretch>
+            <a:fillRect/>
+          </a:stretch>
+        </p:blipFill>
+        <p:spPr>
+          <a:xfrm>
+            <a:off x="4639786" y="0"/>
+            <a:ext cx="7552214" cy="6858000"/>
+          </a:xfrm>
+        </p:spPr>
+      </p:pic>
+      <p:sp>
+        <p:nvSpPr>
+          <p:cNvPr id="7" name="TextBox 6"/>
+          <p:cNvSpPr txBox="1"/>
+          <p:nvPr/>
+        </p:nvSpPr>
+        <p:spPr>
+          <a:xfrm>
+            <a:off x="776613" y="1555770"/>
+            <a:ext cx="3156559" cy="2308324"/>
+          </a:xfrm>
+          <a:prstGeom prst="rect">
+            <a:avLst/>
+          </a:prstGeom>
+          <a:noFill/>
+        </p:spPr>
+        <p:txBody>
+          <a:bodyPr wrap="square" rtlCol="0">
+            <a:spAutoFit/>
+          </a:bodyPr>
           <a:lstStyle/>
           <a:p>
             <a:pPr algn="ctr">
@@ -8764,16 +8834,60 @@
               </a:lnSpc>
             </a:pPr>
             <a:r>
+              <a:rPr lang="en-US" dirty="0" smtClean="0"/>
+              <a:t>Among the readmitted patients the hemoglobin level was  less compared with the not-readmitted patients.</a:t>
+            </a:r>
+            <a:endParaRPr lang="en-US" dirty="0"/>
+          </a:p>
+        </p:txBody>
+      </p:sp>
+      <p:sp>
+        <p:nvSpPr>
+          <p:cNvPr id="8" name="TextBox 7"/>
+          <p:cNvSpPr txBox="1"/>
+          <p:nvPr/>
+        </p:nvSpPr>
+        <p:spPr>
+          <a:xfrm>
+            <a:off x="713984" y="3967155"/>
+            <a:ext cx="3219188" cy="2230739"/>
+          </a:xfrm>
+          <a:prstGeom prst="rect">
+            <a:avLst/>
+          </a:prstGeom>
+          <a:noFill/>
+        </p:spPr>
+        <p:txBody>
+          <a:bodyPr wrap="square" rtlCol="0">
+            <a:spAutoFit/>
+          </a:bodyPr>
+          <a:lstStyle/>
+          <a:p>
+            <a:pPr algn="ctr">
+              <a:lnSpc>
+                <a:spcPct val="200000"/>
+              </a:lnSpc>
+            </a:pPr>
+            <a:r>
+              <a:rPr lang="en-US" dirty="0" smtClean="0"/>
+              <a:t>Welch two sample t-test shows </a:t>
+            </a:r>
+            <a:r>
               <a:rPr lang="en-US" dirty="0"/>
-              <a:t>Mean Hemoglobin level for the patient was 11.69 g/dl. Median value was 12 g/dl. Minimum level of hemoglobin was 5.3 g/dl and maximum was 19.90 g/dl.</a:t>
-            </a:r>
+              <a:t>significant difference(p-value &lt; 2.2e-16) </a:t>
+            </a:r>
+            <a:r>
+              <a:rPr lang="en-US" dirty="0" smtClean="0"/>
+              <a:t>in hemoglobin level in two groups.</a:t>
+            </a:r>
+            <a:endParaRPr lang="en-US" dirty="0"/>
           </a:p>
         </p:txBody>
       </p:sp>
     </p:spTree>
     <p:extLst>
       <p:ext uri="{BB962C8B-B14F-4D97-AF65-F5344CB8AC3E}">
-        <p14:creationId xmlns:p14="http://schemas.microsoft.com/office/powerpoint/2010/main" val="1479619364"/>
+        <p14:creationId xmlns:p14="http://schemas.microsoft.com/office/powerpoint/2010/main" val="1255239439"/>
       </p:ext>
     </p:extLst>
   </p:cSld>
@@ -8817,135 +8931,66 @@
             <p:ph type="title"/>
           </p:nvPr>
         </p:nvSpPr>
+        <p:spPr/>
+        <p:txBody>
+          <a:bodyPr/>
+          <a:lstStyle/>
+          <a:p>
+            <a:r>
+              <a:rPr lang="en-US" dirty="0"/>
+              <a:t>Sodium level</a:t>
+            </a:r>
+          </a:p>
+        </p:txBody>
+      </p:sp>
+      <p:sp>
+        <p:nvSpPr>
+          <p:cNvPr id="3" name="Content Placeholder 2"/>
+          <p:cNvSpPr>
+            <a:spLocks noGrp="1"/>
+          </p:cNvSpPr>
+          <p:nvPr>
+            <p:ph idx="1"/>
+          </p:nvPr>
+        </p:nvSpPr>
         <p:spPr>
           <a:xfrm>
-            <a:off x="234864" y="521918"/>
-            <a:ext cx="10131425" cy="1456267"/>
+            <a:off x="685801" y="1989784"/>
+            <a:ext cx="10131425" cy="3133362"/>
           </a:xfrm>
         </p:spPr>
         <p:txBody>
           <a:bodyPr/>
           <a:lstStyle/>
           <a:p>
-            <a:r>
-              <a:rPr lang="en-US" dirty="0" smtClean="0"/>
-              <a:t>Hemoglobin level</a:t>
-            </a:r>
-            <a:endParaRPr lang="en-US" dirty="0"/>
-          </a:p>
-        </p:txBody>
-      </p:sp>
-      <p:pic>
-        <p:nvPicPr>
-          <p:cNvPr id="6" name="Content Placeholder 5"/>
-          <p:cNvPicPr>
-            <a:picLocks noGrp="1" noChangeAspect="1"/>
-          </p:cNvPicPr>
-          <p:nvPr>
-            <p:ph idx="1"/>
-          </p:nvPr>
-        </p:nvPicPr>
-        <p:blipFill>
-          <a:blip r:embed="rId2">
-            <a:extLst>
-              <a:ext uri="{28A0092B-C50C-407E-A947-70E740481C1C}">
-                <a14:useLocalDpi xmlns:a14="http://schemas.microsoft.com/office/drawing/2010/main" val="0"/>
-              </a:ext>
-            </a:extLst>
-          </a:blip>
-          <a:stretch>
-            <a:fillRect/>
-          </a:stretch>
-        </p:blipFill>
-        <p:spPr>
-          <a:xfrm>
-            <a:off x="4639786" y="0"/>
-            <a:ext cx="7552214" cy="6858000"/>
-          </a:xfrm>
-        </p:spPr>
-      </p:pic>
-      <p:sp>
-        <p:nvSpPr>
-          <p:cNvPr id="7" name="TextBox 6"/>
-          <p:cNvSpPr txBox="1"/>
-          <p:nvPr/>
-        </p:nvSpPr>
-        <p:spPr>
-          <a:xfrm>
-            <a:off x="776613" y="1555770"/>
-            <a:ext cx="3156559" cy="2308324"/>
-          </a:xfrm>
-          <a:prstGeom prst="rect">
-            <a:avLst/>
-          </a:prstGeom>
-          <a:noFill/>
-        </p:spPr>
-        <p:txBody>
-          <a:bodyPr wrap="square" rtlCol="0">
-            <a:spAutoFit/>
-          </a:bodyPr>
-          <a:lstStyle/>
-          <a:p>
-            <a:pPr algn="ctr">
-              <a:lnSpc>
-                <a:spcPct val="200000"/>
-              </a:lnSpc>
-            </a:pPr>
-            <a:r>
-              <a:rPr lang="en-US" dirty="0" smtClean="0"/>
-              <a:t>Among the readmitted patients the hemoglobin level was  less compared with the not-readmitted patients.</a:t>
-            </a:r>
-            <a:endParaRPr lang="en-US" dirty="0"/>
-          </a:p>
-        </p:txBody>
-      </p:sp>
-      <p:sp>
-        <p:nvSpPr>
-          <p:cNvPr id="8" name="TextBox 7"/>
-          <p:cNvSpPr txBox="1"/>
-          <p:nvPr/>
-        </p:nvSpPr>
-        <p:spPr>
-          <a:xfrm>
-            <a:off x="713984" y="3967155"/>
-            <a:ext cx="3219188" cy="2230739"/>
-          </a:xfrm>
-          <a:prstGeom prst="rect">
-            <a:avLst/>
-          </a:prstGeom>
-          <a:noFill/>
-        </p:spPr>
-        <p:txBody>
-          <a:bodyPr wrap="square" rtlCol="0">
-            <a:spAutoFit/>
-          </a:bodyPr>
-          <a:lstStyle/>
-          <a:p>
-            <a:pPr algn="ctr">
-              <a:lnSpc>
-                <a:spcPct val="200000"/>
-              </a:lnSpc>
-            </a:pPr>
-            <a:r>
-              <a:rPr lang="en-US" dirty="0" smtClean="0"/>
-              <a:t>Welch two sample t-test shows </a:t>
-            </a:r>
+            <a:pPr algn="ctr"/>
             <a:r>
               <a:rPr lang="en-US" dirty="0"/>
-              <a:t>significant difference(p-value &lt; 2.2e-16) </a:t>
-            </a:r>
-            <a:r>
-              <a:rPr lang="en-US" dirty="0" smtClean="0"/>
-              <a:t>in hemoglobin level in two groups.</a:t>
-            </a:r>
-            <a:endParaRPr lang="en-US" dirty="0"/>
+              <a:t>Mean Sodium level was 137.5 </a:t>
+            </a:r>
+            <a:r>
+              <a:rPr lang="en-US" dirty="0" err="1"/>
+              <a:t>mEq</a:t>
+            </a:r>
+            <a:r>
+              <a:rPr lang="en-US" dirty="0"/>
+              <a:t>/L with minimum of 120 </a:t>
+            </a:r>
+            <a:r>
+              <a:rPr lang="en-US" dirty="0" err="1"/>
+              <a:t>mEq</a:t>
+            </a:r>
+            <a:r>
+              <a:rPr lang="en-US" dirty="0"/>
+              <a:t>/L and maximum 182mEq/L</a:t>
+            </a:r>
           </a:p>
         </p:txBody>
       </p:sp>
     </p:spTree>
     <p:extLst>
       <p:ext uri="{BB962C8B-B14F-4D97-AF65-F5344CB8AC3E}">
-        <p14:creationId xmlns:p14="http://schemas.microsoft.com/office/powerpoint/2010/main" val="1255239439"/>
+        <p14:creationId xmlns:p14="http://schemas.microsoft.com/office/powerpoint/2010/main" val="35919964"/>
       </p:ext>
     </p:extLst>
   </p:cSld>
@@ -8995,109 +9040,6 @@
           <a:lstStyle/>
           <a:p>
             <a:r>
-              <a:rPr lang="en-US" dirty="0"/>
-              <a:t>Sodium level</a:t>
-            </a:r>
-          </a:p>
-        </p:txBody>
-      </p:sp>
-      <p:sp>
-        <p:nvSpPr>
-          <p:cNvPr id="3" name="Content Placeholder 2"/>
-          <p:cNvSpPr>
-            <a:spLocks noGrp="1"/>
-          </p:cNvSpPr>
-          <p:nvPr>
-            <p:ph idx="1"/>
-          </p:nvPr>
-        </p:nvSpPr>
-        <p:spPr>
-          <a:xfrm>
-            <a:off x="685801" y="1989784"/>
-            <a:ext cx="10131425" cy="3133362"/>
-          </a:xfrm>
-        </p:spPr>
-        <p:txBody>
-          <a:bodyPr/>
-          <a:lstStyle/>
-          <a:p>
-            <a:pPr algn="ctr"/>
-            <a:r>
-              <a:rPr lang="en-US" dirty="0"/>
-              <a:t>Mean Sodium level was 137.5 </a:t>
-            </a:r>
-            <a:r>
-              <a:rPr lang="en-US" dirty="0" err="1"/>
-              <a:t>mEq</a:t>
-            </a:r>
-            <a:r>
-              <a:rPr lang="en-US" dirty="0"/>
-              <a:t>/L with minimum of 120 </a:t>
-            </a:r>
-            <a:r>
-              <a:rPr lang="en-US" dirty="0" err="1"/>
-              <a:t>mEq</a:t>
-            </a:r>
-            <a:r>
-              <a:rPr lang="en-US" dirty="0"/>
-              <a:t>/L and maximum 182mEq/L</a:t>
-            </a:r>
-          </a:p>
-        </p:txBody>
-      </p:sp>
-    </p:spTree>
-    <p:extLst>
-      <p:ext uri="{BB962C8B-B14F-4D97-AF65-F5344CB8AC3E}">
-        <p14:creationId xmlns:p14="http://schemas.microsoft.com/office/powerpoint/2010/main" val="35919964"/>
-      </p:ext>
-    </p:extLst>
-  </p:cSld>
-  <p:clrMapOvr>
-    <a:masterClrMapping/>
-  </p:clrMapOvr>
-  <p:timing>
-    <p:tnLst>
-      <p:par>
-        <p:cTn id="1" dur="indefinite" restart="never" nodeType="tmRoot"/>
-      </p:par>
-    </p:tnLst>
-  </p:timing>
-</p:sld>
-</file>
-
-<file path=ppt/slides/slide29.xml><?xml version="1.0" encoding="utf-8"?>
-<p:sld xmlns:a="http://schemas.openxmlformats.org/drawingml/2006/main" xmlns:r="http://schemas.openxmlformats.org/officeDocument/2006/relationships" xmlns:p="http://schemas.openxmlformats.org/presentationml/2006/main">
-  <p:cSld>
-    <p:spTree>
-      <p:nvGrpSpPr>
-        <p:cNvPr id="1" name=""/>
-        <p:cNvGrpSpPr/>
-        <p:nvPr/>
-      </p:nvGrpSpPr>
-      <p:grpSpPr>
-        <a:xfrm>
-          <a:off x="0" y="0"/>
-          <a:ext cx="0" cy="0"/>
-          <a:chOff x="0" y="0"/>
-          <a:chExt cx="0" cy="0"/>
-        </a:xfrm>
-      </p:grpSpPr>
-      <p:sp>
-        <p:nvSpPr>
-          <p:cNvPr id="2" name="Title 1"/>
-          <p:cNvSpPr>
-            <a:spLocks noGrp="1"/>
-          </p:cNvSpPr>
-          <p:nvPr>
-            <p:ph type="title"/>
-          </p:nvPr>
-        </p:nvSpPr>
-        <p:spPr/>
-        <p:txBody>
-          <a:bodyPr/>
-          <a:lstStyle/>
-          <a:p>
-            <a:r>
               <a:rPr lang="en-US" dirty="0" smtClean="0"/>
               <a:t>Sodium level</a:t>
             </a:r>
@@ -9211,79 +9153,7 @@
 </p:sld>
 </file>
 
-<file path=ppt/slides/slide3.xml><?xml version="1.0" encoding="utf-8"?>
-<p:sld xmlns:a="http://schemas.openxmlformats.org/drawingml/2006/main" xmlns:r="http://schemas.openxmlformats.org/officeDocument/2006/relationships" xmlns:p="http://schemas.openxmlformats.org/presentationml/2006/main">
-  <p:cSld>
-    <p:spTree>
-      <p:nvGrpSpPr>
-        <p:cNvPr id="1" name=""/>
-        <p:cNvGrpSpPr/>
-        <p:nvPr/>
-      </p:nvGrpSpPr>
-      <p:grpSpPr>
-        <a:xfrm>
-          <a:off x="0" y="0"/>
-          <a:ext cx="0" cy="0"/>
-          <a:chOff x="0" y="0"/>
-          <a:chExt cx="0" cy="0"/>
-        </a:xfrm>
-      </p:grpSpPr>
-      <p:sp>
-        <p:nvSpPr>
-          <p:cNvPr id="2" name="Title 1"/>
-          <p:cNvSpPr>
-            <a:spLocks noGrp="1"/>
-          </p:cNvSpPr>
-          <p:nvPr>
-            <p:ph type="title"/>
-          </p:nvPr>
-        </p:nvSpPr>
-        <p:spPr/>
-        <p:txBody>
-          <a:bodyPr/>
-          <a:lstStyle/>
-          <a:p>
-            <a:r>
-              <a:rPr lang="en-US" dirty="0" smtClean="0"/>
-              <a:t>The study we followed </a:t>
-            </a:r>
-            <a:endParaRPr lang="en-US" dirty="0"/>
-          </a:p>
-        </p:txBody>
-      </p:sp>
-      <p:sp>
-        <p:nvSpPr>
-          <p:cNvPr id="3" name="Content Placeholder 2"/>
-          <p:cNvSpPr>
-            <a:spLocks noGrp="1"/>
-          </p:cNvSpPr>
-          <p:nvPr>
-            <p:ph idx="1"/>
-          </p:nvPr>
-        </p:nvSpPr>
-        <p:spPr/>
-        <p:txBody>
-          <a:bodyPr/>
-          <a:lstStyle/>
-          <a:p>
-            <a:endParaRPr lang="en-US" dirty="0"/>
-          </a:p>
-        </p:txBody>
-      </p:sp>
-    </p:spTree>
-    <p:extLst>
-      <p:ext uri="{BB962C8B-B14F-4D97-AF65-F5344CB8AC3E}">
-        <p14:creationId xmlns:p14="http://schemas.microsoft.com/office/powerpoint/2010/main" val="517635204"/>
-      </p:ext>
-    </p:extLst>
-  </p:cSld>
-  <p:clrMapOvr>
-    <a:masterClrMapping/>
-  </p:clrMapOvr>
-</p:sld>
-</file>
-
-<file path=ppt/slides/slide30.xml><?xml version="1.0" encoding="utf-8"?>
+<file path=ppt/slides/slide29.xml><?xml version="1.0" encoding="utf-8"?>
 <p:sld xmlns:a="http://schemas.openxmlformats.org/drawingml/2006/main" xmlns:r="http://schemas.openxmlformats.org/officeDocument/2006/relationships" xmlns:p="http://schemas.openxmlformats.org/presentationml/2006/main">
   <p:cSld>
     <p:spTree>
@@ -9413,7 +9283,7 @@
 </p:sld>
 </file>
 
-<file path=ppt/slides/slide31.xml><?xml version="1.0" encoding="utf-8"?>
+<file path=ppt/slides/slide3.xml><?xml version="1.0" encoding="utf-8"?>
 <p:sld xmlns:a="http://schemas.openxmlformats.org/drawingml/2006/main" xmlns:r="http://schemas.openxmlformats.org/officeDocument/2006/relationships" xmlns:p="http://schemas.openxmlformats.org/presentationml/2006/main">
   <p:cSld>
     <p:spTree>
@@ -9437,6 +9307,107 @@
             <a:spLocks noGrp="1"/>
           </p:cNvSpPr>
           <p:nvPr>
+            <p:ph type="ctrTitle"/>
+          </p:nvPr>
+        </p:nvSpPr>
+        <p:spPr>
+          <a:xfrm>
+            <a:off x="3691467" y="1405467"/>
+            <a:ext cx="7468658" cy="2980264"/>
+          </a:xfrm>
+        </p:spPr>
+        <p:txBody>
+          <a:bodyPr>
+            <a:normAutofit fontScale="90000"/>
+          </a:bodyPr>
+          <a:lstStyle/>
+          <a:p>
+            <a:r>
+              <a:rPr lang="en-US" dirty="0"/>
+              <a:t>A Model to Predict 30-Day Hospital Readmission of Patients in San Francisco General Hospital</a:t>
+            </a:r>
+          </a:p>
+        </p:txBody>
+      </p:sp>
+      <p:sp>
+        <p:nvSpPr>
+          <p:cNvPr id="3" name="Subtitle 2"/>
+          <p:cNvSpPr>
+            <a:spLocks noGrp="1"/>
+          </p:cNvSpPr>
+          <p:nvPr>
+            <p:ph type="subTitle" idx="1"/>
+          </p:nvPr>
+        </p:nvSpPr>
+        <p:spPr/>
+        <p:txBody>
+          <a:bodyPr>
+            <a:normAutofit/>
+          </a:bodyPr>
+          <a:lstStyle/>
+          <a:p>
+            <a:r>
+              <a:rPr lang="en-US" dirty="0" smtClean="0"/>
+              <a:t>USING   </a:t>
+            </a:r>
+            <a:r>
+              <a:rPr lang="en-US" sz="4400" dirty="0" smtClean="0"/>
+              <a:t>R</a:t>
+            </a:r>
+          </a:p>
+          <a:p>
+            <a:r>
+              <a:rPr lang="en-US" sz="2000" dirty="0" smtClean="0"/>
+              <a:t>A K M Tanzir HASAN</a:t>
+            </a:r>
+            <a:endParaRPr lang="en-US" sz="2000" dirty="0"/>
+          </a:p>
+        </p:txBody>
+      </p:sp>
+    </p:spTree>
+    <p:extLst>
+      <p:ext uri="{BB962C8B-B14F-4D97-AF65-F5344CB8AC3E}">
+        <p14:creationId xmlns:p14="http://schemas.microsoft.com/office/powerpoint/2010/main" val="160952201"/>
+      </p:ext>
+    </p:extLst>
+  </p:cSld>
+  <p:clrMapOvr>
+    <a:masterClrMapping/>
+  </p:clrMapOvr>
+  <p:timing>
+    <p:tnLst>
+      <p:par>
+        <p:cTn id="1" dur="indefinite" restart="never" nodeType="tmRoot"/>
+      </p:par>
+    </p:tnLst>
+  </p:timing>
+</p:sld>
+</file>
+
+<file path=ppt/slides/slide30.xml><?xml version="1.0" encoding="utf-8"?>
+<p:sld xmlns:a="http://schemas.openxmlformats.org/drawingml/2006/main" xmlns:r="http://schemas.openxmlformats.org/officeDocument/2006/relationships" xmlns:p="http://schemas.openxmlformats.org/presentationml/2006/main">
+  <p:cSld>
+    <p:spTree>
+      <p:nvGrpSpPr>
+        <p:cNvPr id="1" name=""/>
+        <p:cNvGrpSpPr/>
+        <p:nvPr/>
+      </p:nvGrpSpPr>
+      <p:grpSpPr>
+        <a:xfrm>
+          <a:off x="0" y="0"/>
+          <a:ext cx="0" cy="0"/>
+          <a:chOff x="0" y="0"/>
+          <a:chExt cx="0" cy="0"/>
+        </a:xfrm>
+      </p:grpSpPr>
+      <p:sp>
+        <p:nvSpPr>
+          <p:cNvPr id="2" name="Title 1"/>
+          <p:cNvSpPr>
+            <a:spLocks noGrp="1"/>
+          </p:cNvSpPr>
+          <p:nvPr>
             <p:ph type="title"/>
           </p:nvPr>
         </p:nvSpPr>
@@ -9619,7 +9590,7 @@
 </p:sld>
 </file>
 
-<file path=ppt/slides/slide32.xml><?xml version="1.0" encoding="utf-8"?>
+<file path=ppt/slides/slide31.xml><?xml version="1.0" encoding="utf-8"?>
 <p:sld xmlns:a="http://schemas.openxmlformats.org/drawingml/2006/main" xmlns:r="http://schemas.openxmlformats.org/officeDocument/2006/relationships" xmlns:p="http://schemas.openxmlformats.org/presentationml/2006/main">
   <p:cSld>
     <p:spTree>
@@ -9697,6 +9668,176 @@
 </p:sld>
 </file>
 
+<file path=ppt/slides/slide32.xml><?xml version="1.0" encoding="utf-8"?>
+<p:sld xmlns:a="http://schemas.openxmlformats.org/drawingml/2006/main" xmlns:r="http://schemas.openxmlformats.org/officeDocument/2006/relationships" xmlns:p="http://schemas.openxmlformats.org/presentationml/2006/main">
+  <p:cSld>
+    <p:spTree>
+      <p:nvGrpSpPr>
+        <p:cNvPr id="1" name=""/>
+        <p:cNvGrpSpPr/>
+        <p:nvPr/>
+      </p:nvGrpSpPr>
+      <p:grpSpPr>
+        <a:xfrm>
+          <a:off x="0" y="0"/>
+          <a:ext cx="0" cy="0"/>
+          <a:chOff x="0" y="0"/>
+          <a:chExt cx="0" cy="0"/>
+        </a:xfrm>
+      </p:grpSpPr>
+      <p:sp>
+        <p:nvSpPr>
+          <p:cNvPr id="2" name="Title 1"/>
+          <p:cNvSpPr>
+            <a:spLocks noGrp="1"/>
+          </p:cNvSpPr>
+          <p:nvPr>
+            <p:ph type="title"/>
+          </p:nvPr>
+        </p:nvSpPr>
+        <p:spPr/>
+        <p:txBody>
+          <a:bodyPr/>
+          <a:lstStyle/>
+          <a:p>
+            <a:r>
+              <a:rPr lang="en-US" dirty="0"/>
+              <a:t>Logistic regression: model fitting</a:t>
+            </a:r>
+          </a:p>
+        </p:txBody>
+      </p:sp>
+      <p:sp>
+        <p:nvSpPr>
+          <p:cNvPr id="3" name="Content Placeholder 2"/>
+          <p:cNvSpPr>
+            <a:spLocks noGrp="1"/>
+          </p:cNvSpPr>
+          <p:nvPr>
+            <p:ph idx="1"/>
+          </p:nvPr>
+        </p:nvSpPr>
+        <p:spPr>
+          <a:xfrm>
+            <a:off x="685801" y="2142067"/>
+            <a:ext cx="10575098" cy="3649133"/>
+          </a:xfrm>
+        </p:spPr>
+        <p:txBody>
+          <a:bodyPr/>
+          <a:lstStyle/>
+          <a:p>
+            <a:r>
+              <a:rPr lang="en-US" dirty="0" smtClean="0"/>
+              <a:t>The regression coefficients gave the change in log(odds) in the response for a unit change in the predictor variable, holding other predictor variable constant</a:t>
+            </a:r>
+          </a:p>
+          <a:p>
+            <a:r>
+              <a:rPr lang="en-US" dirty="0" smtClean="0"/>
+              <a:t>Because log(odds) are difficult to interpret, we </a:t>
+            </a:r>
+            <a:r>
+              <a:rPr lang="en-US" dirty="0" err="1"/>
+              <a:t>e</a:t>
+            </a:r>
+            <a:r>
+              <a:rPr lang="en-US" dirty="0" err="1" smtClean="0"/>
+              <a:t>xponentiate</a:t>
+            </a:r>
+            <a:r>
+              <a:rPr lang="en-US" dirty="0" smtClean="0"/>
+              <a:t> them to put the result on an odds scale</a:t>
+            </a:r>
+          </a:p>
+          <a:p>
+            <a:endParaRPr lang="en-US" dirty="0" smtClean="0"/>
+          </a:p>
+          <a:p>
+            <a:endParaRPr lang="en-US" dirty="0" smtClean="0"/>
+          </a:p>
+          <a:p>
+            <a:pPr marL="0" indent="0">
+              <a:buNone/>
+            </a:pPr>
+            <a:r>
+              <a:rPr lang="en-US" dirty="0" err="1" smtClean="0"/>
+              <a:t>exp</a:t>
+            </a:r>
+            <a:r>
+              <a:rPr lang="en-US" dirty="0" smtClean="0"/>
+              <a:t>(</a:t>
+            </a:r>
+            <a:r>
+              <a:rPr lang="en-US" dirty="0" err="1" smtClean="0"/>
+              <a:t>coef</a:t>
+            </a:r>
+            <a:r>
+              <a:rPr lang="en-US" dirty="0" smtClean="0"/>
+              <a:t>(</a:t>
+            </a:r>
+            <a:r>
+              <a:rPr lang="en-US" dirty="0" err="1" smtClean="0"/>
+              <a:t>fit_mod</a:t>
+            </a:r>
+            <a:r>
+              <a:rPr lang="en-US" dirty="0" smtClean="0"/>
+              <a:t>))             (Intercept)               </a:t>
+            </a:r>
+            <a:r>
+              <a:rPr lang="en-US" dirty="0" err="1" smtClean="0"/>
+              <a:t>AdmitCount</a:t>
+            </a:r>
+            <a:r>
+              <a:rPr lang="en-US" dirty="0" smtClean="0"/>
+              <a:t>                       </a:t>
+            </a:r>
+            <a:r>
+              <a:rPr lang="en-US" dirty="0" err="1" smtClean="0"/>
+              <a:t>Hb</a:t>
+            </a:r>
+            <a:r>
+              <a:rPr lang="en-US" dirty="0" smtClean="0"/>
+              <a:t>            </a:t>
+            </a:r>
+            <a:r>
+              <a:rPr lang="en-US" dirty="0" err="1" smtClean="0"/>
+              <a:t>homelessnessnot_homeless</a:t>
+            </a:r>
+            <a:r>
+              <a:rPr lang="en-US" dirty="0" smtClean="0"/>
+              <a:t>          </a:t>
+            </a:r>
+          </a:p>
+          <a:p>
+            <a:pPr marL="0" indent="0">
+              <a:buNone/>
+            </a:pPr>
+            <a:r>
+              <a:rPr lang="en-US" dirty="0" smtClean="0"/>
+              <a:t>                                              </a:t>
+            </a:r>
+            <a:r>
+              <a:rPr lang="de-DE" dirty="0" smtClean="0"/>
+              <a:t>0.2136110                  2.2954460                 0.8929313              0.8043495</a:t>
+            </a:r>
+            <a:endParaRPr lang="en-US" dirty="0"/>
+          </a:p>
+        </p:txBody>
+      </p:sp>
+    </p:spTree>
+    <p:extLst>
+      <p:ext uri="{BB962C8B-B14F-4D97-AF65-F5344CB8AC3E}">
+        <p14:creationId xmlns:p14="http://schemas.microsoft.com/office/powerpoint/2010/main" val="1724400554"/>
+      </p:ext>
+    </p:extLst>
+  </p:cSld>
+  <p:clrMapOvr>
+    <a:masterClrMapping/>
+  </p:clrMapOvr>
+</p:sld>
+</file>
+
 <file path=ppt/slides/slide33.xml><?xml version="1.0" encoding="utf-8"?>
 <p:sld xmlns:a="http://schemas.openxmlformats.org/drawingml/2006/main" xmlns:r="http://schemas.openxmlformats.org/officeDocument/2006/relationships" xmlns:p="http://schemas.openxmlformats.org/presentationml/2006/main">
   <p:cSld>
@@ -9746,118 +9887,72 @@
             <p:ph idx="1"/>
           </p:nvPr>
         </p:nvSpPr>
-        <p:spPr>
-          <a:xfrm>
-            <a:off x="685801" y="2142067"/>
-            <a:ext cx="10575098" cy="3649133"/>
-          </a:xfrm>
-        </p:spPr>
+        <p:spPr/>
         <p:txBody>
           <a:bodyPr/>
           <a:lstStyle/>
           <a:p>
             <a:r>
-              <a:rPr lang="en-US" dirty="0" smtClean="0"/>
-              <a:t>The regression coefficients gave the change in log(odds) in the response for a unit change in the predictor variable, holding other predictor variable constant</a:t>
-            </a:r>
-          </a:p>
-          <a:p>
-            <a:r>
-              <a:rPr lang="en-US" dirty="0" smtClean="0"/>
-              <a:t>Because log(odds) are difficult to interpret, we </a:t>
-            </a:r>
-            <a:r>
-              <a:rPr lang="en-US" dirty="0" err="1"/>
-              <a:t>e</a:t>
-            </a:r>
-            <a:r>
-              <a:rPr lang="en-US" dirty="0" err="1" smtClean="0"/>
-              <a:t>xponentiate</a:t>
-            </a:r>
-            <a:r>
-              <a:rPr lang="en-US" dirty="0" smtClean="0"/>
-              <a:t> them to put the result on an odds scale</a:t>
-            </a:r>
-          </a:p>
-          <a:p>
-            <a:endParaRPr lang="en-US" dirty="0" smtClean="0"/>
-          </a:p>
-          <a:p>
-            <a:endParaRPr lang="en-US" dirty="0" smtClean="0"/>
-          </a:p>
-          <a:p>
-            <a:pPr marL="0" indent="0">
-              <a:buNone/>
-            </a:pPr>
-            <a:r>
-              <a:rPr lang="en-US" dirty="0" err="1" smtClean="0"/>
-              <a:t>exp</a:t>
-            </a:r>
-            <a:r>
-              <a:rPr lang="en-US" dirty="0" smtClean="0"/>
-              <a:t>(</a:t>
-            </a:r>
-            <a:r>
-              <a:rPr lang="en-US" dirty="0" err="1" smtClean="0"/>
-              <a:t>coef</a:t>
-            </a:r>
-            <a:r>
-              <a:rPr lang="en-US" dirty="0" smtClean="0"/>
-              <a:t>(</a:t>
-            </a:r>
-            <a:r>
-              <a:rPr lang="en-US" dirty="0" err="1" smtClean="0"/>
-              <a:t>fit_mod</a:t>
-            </a:r>
-            <a:r>
-              <a:rPr lang="en-US" dirty="0" smtClean="0"/>
-              <a:t>))             (Intercept)               </a:t>
-            </a:r>
-            <a:r>
-              <a:rPr lang="en-US" dirty="0" err="1" smtClean="0"/>
-              <a:t>AdmitCount</a:t>
-            </a:r>
-            <a:r>
-              <a:rPr lang="en-US" dirty="0" smtClean="0"/>
-              <a:t>                       </a:t>
-            </a:r>
-            <a:r>
-              <a:rPr lang="en-US" dirty="0" err="1" smtClean="0"/>
-              <a:t>Hb</a:t>
-            </a:r>
-            <a:r>
-              <a:rPr lang="en-US" dirty="0" smtClean="0"/>
-              <a:t>            </a:t>
-            </a:r>
-            <a:r>
-              <a:rPr lang="en-US" dirty="0" err="1" smtClean="0"/>
-              <a:t>homelessnessnot_homeless</a:t>
-            </a:r>
-            <a:r>
-              <a:rPr lang="en-US" dirty="0" smtClean="0"/>
-              <a:t>          </a:t>
-            </a:r>
-          </a:p>
-          <a:p>
-            <a:pPr marL="0" indent="0">
-              <a:buNone/>
-            </a:pPr>
-            <a:r>
-              <a:rPr lang="en-US" dirty="0" smtClean="0"/>
-              <a:t>                                              </a:t>
-            </a:r>
-            <a:r>
-              <a:rPr lang="de-DE" dirty="0" smtClean="0"/>
-              <a:t>0.2136110                  2.2954460                 0.8929313              0.8043495</a:t>
-            </a:r>
-            <a:endParaRPr lang="en-US" dirty="0"/>
+              <a:rPr lang="en-US" dirty="0"/>
+              <a:t>T</a:t>
+            </a:r>
+            <a:r>
+              <a:rPr lang="en-US" dirty="0" smtClean="0"/>
+              <a:t>he </a:t>
+            </a:r>
+            <a:r>
+              <a:rPr lang="en-US" dirty="0"/>
+              <a:t>training set accuracy of our </a:t>
+            </a:r>
+            <a:r>
+              <a:rPr lang="en-US" dirty="0" smtClean="0"/>
+              <a:t>model was  </a:t>
+            </a:r>
+            <a:r>
+              <a:rPr lang="is-IS" dirty="0" smtClean="0"/>
+              <a:t>0.9024278  i.e 90%</a:t>
+            </a:r>
+          </a:p>
+          <a:p>
+            <a:r>
+              <a:rPr lang="en-US" dirty="0"/>
+              <a:t>In order to test this model's generalizability, </a:t>
+            </a:r>
+            <a:r>
+              <a:rPr lang="en-US" dirty="0" smtClean="0"/>
+              <a:t>we performed k-fold cross-validation</a:t>
+            </a:r>
+          </a:p>
+          <a:p>
+            <a:r>
+              <a:rPr lang="en-US" dirty="0"/>
+              <a:t>CV-estimated accuracy </a:t>
+            </a:r>
+            <a:r>
+              <a:rPr lang="en-US" dirty="0" smtClean="0"/>
+              <a:t>rate was  93%</a:t>
+            </a:r>
+          </a:p>
+          <a:p>
+            <a:r>
+              <a:rPr lang="en-US" dirty="0"/>
+              <a:t>This indicates that it is highly </a:t>
+            </a:r>
+            <a:r>
+              <a:rPr lang="en-US" dirty="0" smtClean="0"/>
+              <a:t>unlikely that </a:t>
+            </a:r>
+            <a:r>
+              <a:rPr lang="en-US" dirty="0"/>
+              <a:t>we are overfitting.</a:t>
+            </a:r>
           </a:p>
         </p:txBody>
       </p:sp>
     </p:spTree>
     <p:extLst>
       <p:ext uri="{BB962C8B-B14F-4D97-AF65-F5344CB8AC3E}">
-        <p14:creationId xmlns:p14="http://schemas.microsoft.com/office/powerpoint/2010/main" val="1724400554"/>
+        <p14:creationId xmlns:p14="http://schemas.microsoft.com/office/powerpoint/2010/main" val="952575589"/>
       </p:ext>
     </p:extLst>
   </p:cSld>
@@ -9900,95 +9995,123 @@
           <a:lstStyle/>
           <a:p>
             <a:r>
+              <a:rPr lang="en-US" dirty="0" smtClean="0"/>
+              <a:t>Logistic regression: model fitting</a:t>
+            </a:r>
+            <a:endParaRPr lang="en-US" dirty="0"/>
+          </a:p>
+        </p:txBody>
+      </p:sp>
+      <p:sp>
+        <p:nvSpPr>
+          <p:cNvPr id="3" name="Content Placeholder 2"/>
+          <p:cNvSpPr>
+            <a:spLocks noGrp="1"/>
+          </p:cNvSpPr>
+          <p:nvPr>
+            <p:ph idx="1"/>
+          </p:nvPr>
+        </p:nvSpPr>
+        <p:spPr>
+          <a:xfrm>
+            <a:off x="685801" y="797506"/>
+            <a:ext cx="10131425" cy="4459149"/>
+          </a:xfrm>
+        </p:spPr>
+        <p:txBody>
+          <a:bodyPr>
+            <a:normAutofit/>
+          </a:bodyPr>
+          <a:lstStyle/>
+          <a:p>
+            <a:pPr marL="0" indent="0">
+              <a:lnSpc>
+                <a:spcPct val="200000"/>
+              </a:lnSpc>
+              <a:buNone/>
+            </a:pPr>
+            <a:r>
+              <a:rPr lang="en-US" sz="2400" dirty="0"/>
+              <a:t>Pseudo R^2 for  logistic </a:t>
+            </a:r>
+            <a:r>
+              <a:rPr lang="en-US" sz="2400" dirty="0" smtClean="0"/>
+              <a:t>regression</a:t>
+            </a:r>
+          </a:p>
+          <a:p>
+            <a:pPr>
+              <a:lnSpc>
+                <a:spcPct val="200000"/>
+              </a:lnSpc>
+            </a:pPr>
+            <a:r>
+              <a:rPr lang="en-US" dirty="0" smtClean="0"/>
+              <a:t>Hosmer </a:t>
+            </a:r>
+            <a:r>
               <a:rPr lang="en-US" dirty="0"/>
-              <a:t>Logistic regression: model fitting</a:t>
-            </a:r>
-          </a:p>
-        </p:txBody>
-      </p:sp>
-      <p:sp>
-        <p:nvSpPr>
-          <p:cNvPr id="3" name="Content Placeholder 2"/>
-          <p:cNvSpPr>
-            <a:spLocks noGrp="1"/>
-          </p:cNvSpPr>
-          <p:nvPr>
-            <p:ph idx="1"/>
-          </p:nvPr>
-        </p:nvSpPr>
-        <p:spPr/>
-        <p:txBody>
-          <a:bodyPr/>
-          <a:lstStyle/>
-          <a:p>
+              <a:t>and Lameshow R^2  </a:t>
+            </a:r>
+            <a:r>
+              <a:rPr lang="en-US" dirty="0" smtClean="0"/>
+              <a:t>0.26</a:t>
+            </a:r>
+          </a:p>
+          <a:p>
+            <a:pPr>
+              <a:lnSpc>
+                <a:spcPct val="200000"/>
+              </a:lnSpc>
+            </a:pPr>
+            <a:r>
+              <a:rPr lang="en-US" dirty="0" smtClean="0"/>
+              <a:t> </a:t>
+            </a:r>
             <a:r>
               <a:rPr lang="en-US" dirty="0"/>
-              <a:t>T</a:t>
-            </a:r>
-            <a:r>
-              <a:rPr lang="en-US" dirty="0" smtClean="0"/>
-              <a:t>he </a:t>
-            </a:r>
+              <a:t>Cox and Snell R^2        0.16 </a:t>
+            </a:r>
+            <a:endParaRPr lang="en-US" dirty="0" smtClean="0"/>
+          </a:p>
+          <a:p>
+            <a:pPr>
+              <a:lnSpc>
+                <a:spcPct val="200000"/>
+              </a:lnSpc>
+            </a:pPr>
             <a:r>
               <a:rPr lang="en-US" dirty="0"/>
-              <a:t>training set accuracy of our </a:t>
-            </a:r>
-            <a:r>
-              <a:rPr lang="en-US" dirty="0" smtClean="0"/>
-              <a:t>model was  </a:t>
-            </a:r>
-            <a:r>
-              <a:rPr lang="is-IS" dirty="0" smtClean="0"/>
-              <a:t>0.9024278  i.e 90%</a:t>
-            </a:r>
-          </a:p>
-          <a:p>
+              <a:t> </a:t>
+            </a:r>
+            <a:r>
+              <a:rPr lang="en-US" dirty="0" smtClean="0"/>
+              <a:t>Nagelkerke </a:t>
+            </a:r>
             <a:r>
               <a:rPr lang="en-US" dirty="0"/>
-              <a:t>In order to test this model's generalizability, </a:t>
-            </a:r>
-            <a:r>
-              <a:rPr lang="en-US" dirty="0" smtClean="0"/>
-              <a:t>we performed k-fold cross-validation</a:t>
-            </a:r>
-          </a:p>
-          <a:p>
-            <a:r>
-              <a:rPr lang="en-US" dirty="0"/>
-              <a:t>CV-estimated accuracy </a:t>
-            </a:r>
-            <a:r>
-              <a:rPr lang="en-US" dirty="0" smtClean="0"/>
-              <a:t>rate was  93%</a:t>
-            </a:r>
-          </a:p>
-          <a:p>
-            <a:r>
-              <a:rPr lang="en-US" dirty="0"/>
-              <a:t>This indicates that it is highly </a:t>
-            </a:r>
-            <a:r>
-              <a:rPr lang="en-US" dirty="0" smtClean="0"/>
-              <a:t>unlikely that </a:t>
-            </a:r>
-            <a:r>
-              <a:rPr lang="en-US" dirty="0"/>
-              <a:t>we are overfitting.</a:t>
-            </a:r>
-            <a:endParaRPr lang="en-US" dirty="0"/>
+              <a:t>R^2           0.327 </a:t>
+            </a:r>
           </a:p>
         </p:txBody>
       </p:sp>
     </p:spTree>
     <p:extLst>
       <p:ext uri="{BB962C8B-B14F-4D97-AF65-F5344CB8AC3E}">
-        <p14:creationId xmlns:p14="http://schemas.microsoft.com/office/powerpoint/2010/main" val="952575589"/>
+        <p14:creationId xmlns:p14="http://schemas.microsoft.com/office/powerpoint/2010/main" val="1660785161"/>
       </p:ext>
     </p:extLst>
   </p:cSld>
   <p:clrMapOvr>
     <a:masterClrMapping/>
   </p:clrMapOvr>
+  <p:timing>
+    <p:tnLst>
+      <p:par>
+        <p:cTn id="1" dur="indefinite" restart="never" nodeType="tmRoot"/>
+      </p:par>
+    </p:tnLst>
+  </p:timing>
 </p:sld>
 </file>
 
@@ -10025,10 +10148,9 @@
           <a:lstStyle/>
           <a:p>
             <a:r>
-              <a:rPr lang="en-US" dirty="0" smtClean="0"/>
+              <a:rPr lang="en-US" dirty="0"/>
               <a:t>Logistic regression: model fitting</a:t>
             </a:r>
-            <a:endParaRPr lang="en-US" dirty="0"/>
           </a:p>
         </p:txBody>
       </p:sp>
@@ -10042,86 +10164,171 @@
             <p:ph idx="1"/>
           </p:nvPr>
         </p:nvSpPr>
-        <p:spPr>
-          <a:xfrm>
-            <a:off x="685801" y="797506"/>
-            <a:ext cx="10131425" cy="4459149"/>
-          </a:xfrm>
-        </p:spPr>
-        <p:txBody>
-          <a:bodyPr>
-            <a:normAutofit/>
-          </a:bodyPr>
-          <a:lstStyle/>
-          <a:p>
-            <a:pPr marL="0" indent="0">
-              <a:lnSpc>
-                <a:spcPct val="200000"/>
-              </a:lnSpc>
-              <a:buNone/>
-            </a:pPr>
-            <a:r>
-              <a:rPr lang="en-US" sz="2400" dirty="0"/>
-              <a:t>Pseudo R^2 for  logistic </a:t>
-            </a:r>
-            <a:r>
-              <a:rPr lang="en-US" sz="2400" dirty="0" smtClean="0"/>
-              <a:t>regression</a:t>
-            </a:r>
-          </a:p>
-          <a:p>
-            <a:pPr>
+        <p:spPr/>
+        <p:txBody>
+          <a:bodyPr/>
+          <a:lstStyle/>
+          <a:p>
+            <a:pPr algn="just">
               <a:lnSpc>
                 <a:spcPct val="200000"/>
               </a:lnSpc>
             </a:pPr>
             <a:r>
               <a:rPr lang="en-US" dirty="0" smtClean="0"/>
-              <a:t>Hosmer </a:t>
+              <a:t>The Boston</a:t>
             </a:r>
             <a:r>
               <a:rPr lang="en-US" dirty="0"/>
-              <a:t>and Lameshow R^2  </a:t>
-            </a:r>
-            <a:r>
-              <a:rPr lang="en-US" dirty="0" smtClean="0"/>
-              <a:t>0.26</a:t>
-            </a:r>
-          </a:p>
-          <a:p>
-            <a:pPr>
-              <a:lnSpc>
-                <a:spcPct val="200000"/>
-              </a:lnSpc>
-            </a:pPr>
-            <a:r>
-              <a:rPr lang="en-US" dirty="0" smtClean="0"/>
-              <a:t> </a:t>
+              <a:t>, </a:t>
+            </a:r>
+            <a:r>
+              <a:rPr lang="en-US" dirty="0" smtClean="0"/>
+              <a:t>Massachusetts study that we followed found hemoglobin </a:t>
             </a:r>
             <a:r>
               <a:rPr lang="en-US" dirty="0"/>
-              <a:t>Cox and Snell R^2        0.16 </a:t>
-            </a:r>
-            <a:endParaRPr lang="en-US" dirty="0" smtClean="0"/>
-          </a:p>
-          <a:p>
-            <a:pPr>
-              <a:lnSpc>
-                <a:spcPct val="200000"/>
-              </a:lnSpc>
-            </a:pPr>
+              <a:t>at discharge, discharge from an o</a:t>
+            </a:r>
+            <a:r>
+              <a:rPr lang="en-US" dirty="0" smtClean="0"/>
+              <a:t>ncology </a:t>
+            </a:r>
             <a:r>
               <a:rPr lang="en-US" dirty="0"/>
-              <a:t> </a:t>
-            </a:r>
-            <a:r>
-              <a:rPr lang="en-US" dirty="0" smtClean="0"/>
-              <a:t>Nagelkerke </a:t>
+              <a:t>service, s</a:t>
+            </a:r>
+            <a:r>
+              <a:rPr lang="en-US" dirty="0" smtClean="0"/>
+              <a:t>odium </a:t>
             </a:r>
             <a:r>
               <a:rPr lang="en-US" dirty="0"/>
-              <a:t>R^2           0.327 </a:t>
-            </a:r>
+              <a:t>level at discharge</a:t>
+            </a:r>
+            <a:r>
+              <a:rPr lang="en-US" dirty="0">
+                <a:solidFill>
+                  <a:srgbClr val="FF0000"/>
+                </a:solidFill>
+              </a:rPr>
+              <a:t>, p</a:t>
+            </a:r>
+            <a:r>
+              <a:rPr lang="en-US" dirty="0" smtClean="0">
+                <a:solidFill>
+                  <a:srgbClr val="FF0000"/>
+                </a:solidFill>
+              </a:rPr>
+              <a:t>rocedure </a:t>
+            </a:r>
+            <a:r>
+              <a:rPr lang="en-US" dirty="0">
+                <a:solidFill>
+                  <a:srgbClr val="FF0000"/>
+                </a:solidFill>
+              </a:rPr>
+              <a:t>during the index admission (any </a:t>
+            </a:r>
+            <a:r>
+              <a:rPr lang="en-US" i="1" dirty="0">
+                <a:solidFill>
+                  <a:srgbClr val="FF0000"/>
+                </a:solidFill>
+              </a:rPr>
+              <a:t>ICD-9-CM</a:t>
+            </a:r>
+            <a:r>
+              <a:rPr lang="en-US" dirty="0">
+                <a:solidFill>
+                  <a:srgbClr val="FF0000"/>
+                </a:solidFill>
+              </a:rPr>
+              <a:t> –coded procedure)</a:t>
+            </a:r>
+            <a:r>
+              <a:rPr lang="en-US" dirty="0"/>
+              <a:t>, </a:t>
+            </a:r>
+            <a:r>
+              <a:rPr lang="en-US" dirty="0">
+                <a:solidFill>
+                  <a:srgbClr val="FF0000"/>
+                </a:solidFill>
+              </a:rPr>
+              <a:t>i</a:t>
+            </a:r>
+            <a:r>
+              <a:rPr lang="en-US" dirty="0" smtClean="0">
+                <a:solidFill>
+                  <a:srgbClr val="FF0000"/>
+                </a:solidFill>
+              </a:rPr>
+              <a:t>ndex </a:t>
+            </a:r>
+            <a:r>
+              <a:rPr lang="en-US" dirty="0">
+                <a:solidFill>
+                  <a:srgbClr val="FF0000"/>
+                </a:solidFill>
+              </a:rPr>
+              <a:t>t</a:t>
+            </a:r>
+            <a:r>
+              <a:rPr lang="en-US" dirty="0" smtClean="0">
+                <a:solidFill>
+                  <a:srgbClr val="FF0000"/>
+                </a:solidFill>
+              </a:rPr>
+              <a:t>ype </a:t>
+            </a:r>
+            <a:r>
+              <a:rPr lang="en-US" dirty="0">
+                <a:solidFill>
+                  <a:srgbClr val="FF0000"/>
+                </a:solidFill>
+              </a:rPr>
+              <a:t>of admission (</a:t>
+            </a:r>
+            <a:r>
+              <a:rPr lang="en-US" dirty="0" smtClean="0">
+                <a:solidFill>
+                  <a:srgbClr val="FF0000"/>
+                </a:solidFill>
+              </a:rPr>
+              <a:t>non-elective </a:t>
+            </a:r>
+            <a:r>
+              <a:rPr lang="en-US" dirty="0">
+                <a:solidFill>
+                  <a:srgbClr val="FF0000"/>
+                </a:solidFill>
+              </a:rPr>
+              <a:t>vs elective)</a:t>
+            </a:r>
+            <a:r>
+              <a:rPr lang="en-US" dirty="0"/>
+              <a:t>, number of a</a:t>
+            </a:r>
+            <a:r>
+              <a:rPr lang="en-US" dirty="0" smtClean="0"/>
+              <a:t>dmissions </a:t>
+            </a:r>
+            <a:r>
+              <a:rPr lang="en-US" dirty="0"/>
+              <a:t>during the past 12 months, and l</a:t>
+            </a:r>
+            <a:r>
+              <a:rPr lang="en-US" dirty="0" smtClean="0"/>
+              <a:t>ength </a:t>
+            </a:r>
+            <a:r>
+              <a:rPr lang="en-US" dirty="0"/>
+              <a:t>of stay</a:t>
+            </a:r>
+            <a:endParaRPr lang="en-US" b="1" dirty="0"/>
+          </a:p>
+          <a:p>
             <a:endParaRPr lang="en-US" dirty="0"/>
           </a:p>
         </p:txBody>
@@ -10129,20 +10336,13 @@
     </p:spTree>
     <p:extLst>
       <p:ext uri="{BB962C8B-B14F-4D97-AF65-F5344CB8AC3E}">
-        <p14:creationId xmlns:p14="http://schemas.microsoft.com/office/powerpoint/2010/main" val="1660785161"/>
+        <p14:creationId xmlns:p14="http://schemas.microsoft.com/office/powerpoint/2010/main" val="1095202607"/>
       </p:ext>
     </p:extLst>
   </p:cSld>
   <p:clrMapOvr>
     <a:masterClrMapping/>
   </p:clrMapOvr>
-  <p:timing>
-    <p:tnLst>
-      <p:par>
-        <p:cTn id="1" dur="indefinite" restart="never" nodeType="tmRoot"/>
-      </p:par>
-    </p:tnLst>
-  </p:timing>
 </p:sld>
 </file>
 
@@ -10179,9 +10379,10 @@
           <a:lstStyle/>
           <a:p>
             <a:r>
-              <a:rPr lang="en-US" dirty="0"/>
-              <a:t>Logistic regression: model fitting</a:t>
-            </a:r>
+              <a:rPr lang="en-US" dirty="0" smtClean="0"/>
+              <a:t>Next step</a:t>
+            </a:r>
+            <a:endParaRPr lang="en-US" dirty="0"/>
           </a:p>
         </p:txBody>
       </p:sp>
@@ -10195,193 +10396,76 @@
             <p:ph idx="1"/>
           </p:nvPr>
         </p:nvSpPr>
-        <p:spPr/>
-        <p:txBody>
-          <a:bodyPr/>
-          <a:lstStyle/>
-          <a:p>
-            <a:pPr algn="just">
+        <p:spPr>
+          <a:xfrm>
+            <a:off x="526093" y="1766170"/>
+            <a:ext cx="10291133" cy="4421687"/>
+          </a:xfrm>
+        </p:spPr>
+        <p:txBody>
+          <a:bodyPr>
+            <a:normAutofit/>
+          </a:bodyPr>
+          <a:lstStyle/>
+          <a:p>
+            <a:pPr>
               <a:lnSpc>
                 <a:spcPct val="200000"/>
               </a:lnSpc>
             </a:pPr>
             <a:r>
               <a:rPr lang="en-US" dirty="0" smtClean="0"/>
-              <a:t>The Boston</a:t>
-            </a:r>
+              <a:t>Explore other variables to get good predictors of readmission.</a:t>
+            </a:r>
+          </a:p>
+          <a:p>
+            <a:pPr>
+              <a:lnSpc>
+                <a:spcPct val="200000"/>
+              </a:lnSpc>
+            </a:pPr>
             <a:r>
               <a:rPr lang="en-US" dirty="0"/>
-              <a:t>, </a:t>
-            </a:r>
-            <a:r>
-              <a:rPr lang="en-US" dirty="0" smtClean="0"/>
-              <a:t>Massachusetts study that we followed found hemoglobin </a:t>
-            </a:r>
+              <a:t>The result of the multi-variable regression model will then be used to develop a prediction score by using a regression coefficient–based scoring method</a:t>
+            </a:r>
+            <a:r>
+              <a:rPr lang="en-US" dirty="0" smtClean="0"/>
+              <a:t>.</a:t>
+            </a:r>
+          </a:p>
+          <a:p>
+            <a:pPr>
+              <a:lnSpc>
+                <a:spcPct val="200000"/>
+              </a:lnSpc>
+            </a:pPr>
             <a:r>
               <a:rPr lang="en-US" dirty="0"/>
-              <a:t>at discharge, discharge from an </a:t>
+              <a:t>The discriminatory power of the resulting score will </a:t>
+            </a:r>
+            <a:r>
+              <a:rPr lang="en-US" dirty="0" smtClean="0"/>
+              <a:t>be assessed </a:t>
             </a:r>
             <a:r>
               <a:rPr lang="en-US" dirty="0"/>
-              <a:t>o</a:t>
-            </a:r>
-            <a:r>
-              <a:rPr lang="en-US" dirty="0" smtClean="0"/>
-              <a:t>ncology </a:t>
+              <a:t>in both the derivation and in validation </a:t>
+            </a:r>
+            <a:r>
+              <a:rPr lang="en-US" dirty="0" smtClean="0"/>
+              <a:t>set </a:t>
             </a:r>
             <a:r>
               <a:rPr lang="en-US" dirty="0"/>
-              <a:t>service, </a:t>
-            </a:r>
-            <a:r>
-              <a:rPr lang="en-US" dirty="0"/>
-              <a:t>s</a:t>
-            </a:r>
-            <a:r>
-              <a:rPr lang="en-US" dirty="0" smtClean="0"/>
-              <a:t>odium </a:t>
-            </a:r>
-            <a:r>
-              <a:rPr lang="en-US" dirty="0"/>
-              <a:t>level at discharge</a:t>
-            </a:r>
-            <a:r>
-              <a:rPr lang="en-US" dirty="0">
-                <a:solidFill>
-                  <a:srgbClr val="FF0000"/>
-                </a:solidFill>
-              </a:rPr>
-              <a:t>, </a:t>
-            </a:r>
-            <a:r>
-              <a:rPr lang="en-US" dirty="0">
-                <a:solidFill>
-                  <a:srgbClr val="FF0000"/>
-                </a:solidFill>
-              </a:rPr>
-              <a:t>p</a:t>
-            </a:r>
-            <a:r>
-              <a:rPr lang="en-US" dirty="0" smtClean="0">
-                <a:solidFill>
-                  <a:srgbClr val="FF0000"/>
-                </a:solidFill>
-              </a:rPr>
-              <a:t>rocedure </a:t>
-            </a:r>
-            <a:r>
-              <a:rPr lang="en-US" dirty="0">
-                <a:solidFill>
-                  <a:srgbClr val="FF0000"/>
-                </a:solidFill>
-              </a:rPr>
-              <a:t>during the index admission (any </a:t>
-            </a:r>
-            <a:r>
-              <a:rPr lang="en-US" i="1" dirty="0">
-                <a:solidFill>
-                  <a:srgbClr val="FF0000"/>
-                </a:solidFill>
-              </a:rPr>
-              <a:t>ICD-9-CM</a:t>
-            </a:r>
-            <a:r>
-              <a:rPr lang="en-US" dirty="0">
-                <a:solidFill>
-                  <a:srgbClr val="FF0000"/>
-                </a:solidFill>
-              </a:rPr>
-              <a:t> –coded procedure)</a:t>
-            </a:r>
-            <a:r>
-              <a:rPr lang="en-US" dirty="0"/>
-              <a:t>, </a:t>
-            </a:r>
-            <a:r>
-              <a:rPr lang="en-US" dirty="0">
-                <a:solidFill>
-                  <a:srgbClr val="FF0000"/>
-                </a:solidFill>
-              </a:rPr>
-              <a:t>i</a:t>
-            </a:r>
-            <a:r>
-              <a:rPr lang="en-US" dirty="0" smtClean="0">
-                <a:solidFill>
-                  <a:srgbClr val="FF0000"/>
-                </a:solidFill>
-              </a:rPr>
-              <a:t>ndex </a:t>
-            </a:r>
-            <a:r>
-              <a:rPr lang="en-US" dirty="0">
-                <a:solidFill>
-                  <a:srgbClr val="FF0000"/>
-                </a:solidFill>
-              </a:rPr>
-              <a:t>t</a:t>
-            </a:r>
-            <a:r>
-              <a:rPr lang="en-US" dirty="0" smtClean="0">
-                <a:solidFill>
-                  <a:srgbClr val="FF0000"/>
-                </a:solidFill>
-              </a:rPr>
-              <a:t>ype </a:t>
-            </a:r>
-            <a:r>
-              <a:rPr lang="en-US" dirty="0">
-                <a:solidFill>
-                  <a:srgbClr val="FF0000"/>
-                </a:solidFill>
-              </a:rPr>
-              <a:t>of admission (</a:t>
-            </a:r>
-            <a:r>
-              <a:rPr lang="en-US" dirty="0" smtClean="0">
-                <a:solidFill>
-                  <a:srgbClr val="FF0000"/>
-                </a:solidFill>
-              </a:rPr>
-              <a:t>non-elective </a:t>
-            </a:r>
-            <a:r>
-              <a:rPr lang="en-US" dirty="0">
-                <a:solidFill>
-                  <a:srgbClr val="FF0000"/>
-                </a:solidFill>
-              </a:rPr>
-              <a:t>vs elective)</a:t>
-            </a:r>
-            <a:r>
-              <a:rPr lang="en-US" dirty="0"/>
-              <a:t>, number of </a:t>
-            </a:r>
-            <a:r>
-              <a:rPr lang="en-US" dirty="0"/>
-              <a:t>a</a:t>
-            </a:r>
-            <a:r>
-              <a:rPr lang="en-US" dirty="0" smtClean="0"/>
-              <a:t>dmissions </a:t>
-            </a:r>
-            <a:r>
-              <a:rPr lang="en-US" dirty="0"/>
-              <a:t>during the past 12 months, and </a:t>
-            </a:r>
-            <a:r>
-              <a:rPr lang="en-US" dirty="0"/>
-              <a:t>l</a:t>
-            </a:r>
-            <a:r>
-              <a:rPr lang="en-US" dirty="0" smtClean="0"/>
-              <a:t>ength </a:t>
-            </a:r>
-            <a:r>
-              <a:rPr lang="en-US" dirty="0"/>
-              <a:t>of stay</a:t>
-            </a:r>
-            <a:endParaRPr lang="en-US" b="1" dirty="0"/>
+              <a:t>by calculating the cross-validated C statistic, which refers to the ability to differentiate between admissions followed and those not followed by a 30-day readmission</a:t>
+            </a:r>
+            <a:r>
+              <a:rPr lang="en-US" dirty="0" smtClean="0"/>
+              <a:t>.</a:t>
+            </a:r>
+          </a:p>
+          <a:p>
+            <a:endParaRPr lang="en-US" dirty="0" smtClean="0"/>
           </a:p>
           <a:p>
             <a:endParaRPr lang="en-US" dirty="0"/>
@@ -10391,13 +10475,20 @@
     </p:spTree>
     <p:extLst>
       <p:ext uri="{BB962C8B-B14F-4D97-AF65-F5344CB8AC3E}">
-        <p14:creationId xmlns:p14="http://schemas.microsoft.com/office/powerpoint/2010/main" val="1095202607"/>
+        <p14:creationId xmlns:p14="http://schemas.microsoft.com/office/powerpoint/2010/main" val="1120554373"/>
       </p:ext>
     </p:extLst>
   </p:cSld>
   <p:clrMapOvr>
     <a:masterClrMapping/>
   </p:clrMapOvr>
+  <p:timing>
+    <p:tnLst>
+      <p:par>
+        <p:cTn id="1" dur="indefinite" restart="never" nodeType="tmRoot"/>
+      </p:par>
+    </p:tnLst>
+  </p:timing>
 </p:sld>
 </file>
 
@@ -10435,9 +10526,12 @@
           <a:p>
             <a:r>
               <a:rPr lang="en-US" dirty="0" smtClean="0"/>
-              <a:t>Next step</a:t>
-            </a:r>
-            <a:endParaRPr lang="en-US" dirty="0"/>
+              <a:t>Sample function to get </a:t>
+            </a:r>
+            <a:r>
+              <a:rPr lang="en-US" dirty="0"/>
+              <a:t>prediction score </a:t>
+            </a:r>
           </a:p>
         </p:txBody>
       </p:sp>
@@ -10453,76 +10547,341 @@
         </p:nvSpPr>
         <p:spPr>
           <a:xfrm>
-            <a:off x="526093" y="1766170"/>
-            <a:ext cx="10291133" cy="4421687"/>
+            <a:off x="685801" y="1691014"/>
+            <a:ext cx="10131425" cy="5010411"/>
           </a:xfrm>
         </p:spPr>
         <p:txBody>
           <a:bodyPr>
-            <a:normAutofit/>
+            <a:normAutofit lnSpcReduction="10000"/>
           </a:bodyPr>
           <a:lstStyle/>
           <a:p>
-            <a:pPr>
-              <a:lnSpc>
-                <a:spcPct val="200000"/>
-              </a:lnSpc>
+            <a:pPr marL="0" indent="0">
+              <a:buNone/>
             </a:pPr>
             <a:r>
-              <a:rPr lang="en-US" dirty="0" smtClean="0"/>
-              <a:t>Explore other variables to get good predictors of readmission.</a:t>
-            </a:r>
-          </a:p>
-          <a:p>
-            <a:pPr>
-              <a:lnSpc>
-                <a:spcPct val="200000"/>
-              </a:lnSpc>
+              <a:rPr lang="en-US" dirty="0" err="1" smtClean="0"/>
+              <a:t>riskcalculation</a:t>
+            </a:r>
+            <a:r>
+              <a:rPr lang="en-US" dirty="0" smtClean="0"/>
+              <a:t> </a:t>
+            </a:r>
+            <a:r>
+              <a:rPr lang="en-US" dirty="0"/>
+              <a:t>&lt;-function(){  </a:t>
+            </a:r>
+            <a:endParaRPr lang="en-US" dirty="0" smtClean="0"/>
+          </a:p>
+          <a:p>
+            <a:pPr marL="0" indent="0">
+              <a:buNone/>
             </a:pPr>
             <a:r>
+              <a:rPr lang="en-US" dirty="0" err="1" smtClean="0"/>
+              <a:t>risk_score</a:t>
+            </a:r>
+            <a:r>
+              <a:rPr lang="en-US" dirty="0" smtClean="0"/>
+              <a:t> </a:t>
+            </a:r>
+            <a:r>
               <a:rPr lang="en-US" dirty="0"/>
-              <a:t>The result of the multi-variable regression model will then be used to develop a prediction score by using a regression coefficient–based scoring method</a:t>
-            </a:r>
-            <a:r>
-              <a:rPr lang="en-US" dirty="0" smtClean="0"/>
-              <a:t>.</a:t>
-            </a:r>
-          </a:p>
-          <a:p>
-            <a:pPr>
-              <a:lnSpc>
-                <a:spcPct val="200000"/>
-              </a:lnSpc>
+              <a:t>= 0 </a:t>
+            </a:r>
+            <a:endParaRPr lang="en-US" dirty="0" smtClean="0"/>
+          </a:p>
+          <a:p>
+            <a:pPr marL="0" indent="0">
+              <a:buNone/>
             </a:pPr>
             <a:r>
+              <a:rPr lang="en-US" dirty="0" smtClean="0"/>
+              <a:t> </a:t>
+            </a:r>
+            <a:r>
               <a:rPr lang="en-US" dirty="0"/>
-              <a:t>The discriminatory power of the resulting score will </a:t>
-            </a:r>
-            <a:r>
-              <a:rPr lang="en-US" dirty="0" smtClean="0"/>
-              <a:t>be assessed </a:t>
+              <a:t>if (</a:t>
+            </a:r>
+            <a:r>
+              <a:rPr lang="en-US" dirty="0" err="1"/>
+              <a:t>tot_len_of_stay</a:t>
             </a:r>
             <a:r>
               <a:rPr lang="en-US" dirty="0"/>
-              <a:t>in both the derivation and in validation </a:t>
-            </a:r>
-            <a:r>
-              <a:rPr lang="en-US" dirty="0" smtClean="0"/>
-              <a:t>set </a:t>
+              <a:t> &gt;= 5){   </a:t>
+            </a:r>
+            <a:endParaRPr lang="en-US" dirty="0" smtClean="0"/>
+          </a:p>
+          <a:p>
+            <a:pPr marL="0" indent="0">
+              <a:buNone/>
+            </a:pPr>
+            <a:r>
+              <a:rPr lang="en-US" dirty="0" smtClean="0"/>
+              <a:t> </a:t>
+            </a:r>
+            <a:r>
+              <a:rPr lang="en-US" dirty="0" err="1"/>
+              <a:t>risk_score</a:t>
             </a:r>
             <a:r>
               <a:rPr lang="en-US" dirty="0"/>
-              <a:t>by calculating the cross-validated C statistic, which refers to the ability to differentiate between admissions followed and those not followed by a 30-day readmission</a:t>
-            </a:r>
-            <a:r>
-              <a:rPr lang="en-US" dirty="0" smtClean="0"/>
-              <a:t>.</a:t>
-            </a:r>
-          </a:p>
-          <a:p>
+              <a:t> &lt;- </a:t>
+            </a:r>
+            <a:r>
+              <a:rPr lang="en-US" dirty="0" err="1"/>
+              <a:t>risk_score</a:t>
+            </a:r>
+            <a:r>
+              <a:rPr lang="en-US" dirty="0"/>
+              <a:t> +2  } else if (</a:t>
+            </a:r>
+            <a:r>
+              <a:rPr lang="en-US" dirty="0" err="1"/>
+              <a:t>dx_group</a:t>
+            </a:r>
+            <a:r>
+              <a:rPr lang="en-US" dirty="0"/>
+              <a:t> %in% c("digestive </a:t>
+            </a:r>
+            <a:r>
+              <a:rPr lang="en-US" dirty="0" err="1"/>
+              <a:t>system","circulatory</a:t>
+            </a:r>
+            <a:r>
+              <a:rPr lang="en-US" dirty="0"/>
+              <a:t> </a:t>
+            </a:r>
+            <a:r>
+              <a:rPr lang="en-US" dirty="0" err="1"/>
+              <a:t>system","circulatory</a:t>
+            </a:r>
+            <a:r>
+              <a:rPr lang="en-US" dirty="0"/>
+              <a:t> and respiratory </a:t>
+            </a:r>
+            <a:r>
+              <a:rPr lang="en-US" dirty="0" err="1"/>
+              <a:t>systems","respiratory</a:t>
+            </a:r>
+            <a:r>
+              <a:rPr lang="en-US" dirty="0"/>
+              <a:t> </a:t>
+            </a:r>
+            <a:r>
+              <a:rPr lang="en-US" dirty="0" err="1"/>
+              <a:t>system","skin</a:t>
+            </a:r>
+            <a:r>
+              <a:rPr lang="en-US" dirty="0"/>
+              <a:t> and subcutaneous tissue")){    </a:t>
+            </a:r>
             <a:endParaRPr lang="en-US" dirty="0" smtClean="0"/>
           </a:p>
           <a:p>
+            <a:pPr marL="0" indent="0">
+              <a:buNone/>
+            </a:pPr>
+            <a:r>
+              <a:rPr lang="en-US" dirty="0" err="1" smtClean="0"/>
+              <a:t>risk_score</a:t>
+            </a:r>
+            <a:r>
+              <a:rPr lang="en-US" dirty="0" smtClean="0"/>
+              <a:t> </a:t>
+            </a:r>
+            <a:r>
+              <a:rPr lang="en-US" dirty="0"/>
+              <a:t>= </a:t>
+            </a:r>
+            <a:r>
+              <a:rPr lang="en-US" dirty="0" err="1"/>
+              <a:t>risk_score</a:t>
+            </a:r>
+            <a:r>
+              <a:rPr lang="en-US" dirty="0"/>
+              <a:t> +2  } else if (</a:t>
+            </a:r>
+            <a:r>
+              <a:rPr lang="en-US" dirty="0" err="1"/>
+              <a:t>Hb</a:t>
+            </a:r>
+            <a:r>
+              <a:rPr lang="en-US" dirty="0"/>
+              <a:t> &lt; 12) {    </a:t>
+            </a:r>
+            <a:endParaRPr lang="en-US" dirty="0" smtClean="0"/>
+          </a:p>
+          <a:p>
+            <a:pPr marL="0" indent="0">
+              <a:buNone/>
+            </a:pPr>
+            <a:r>
+              <a:rPr lang="en-US" dirty="0" err="1" smtClean="0"/>
+              <a:t>risk_score</a:t>
+            </a:r>
+            <a:r>
+              <a:rPr lang="en-US" dirty="0" smtClean="0"/>
+              <a:t> </a:t>
+            </a:r>
+            <a:r>
+              <a:rPr lang="en-US" dirty="0"/>
+              <a:t>= </a:t>
+            </a:r>
+            <a:r>
+              <a:rPr lang="en-US" dirty="0" err="1"/>
+              <a:t>risk_score</a:t>
+            </a:r>
+            <a:r>
+              <a:rPr lang="en-US" dirty="0"/>
+              <a:t> +1  } else if  (Na &lt; 135){   </a:t>
+            </a:r>
+            <a:endParaRPr lang="en-US" dirty="0" smtClean="0"/>
+          </a:p>
+          <a:p>
+            <a:pPr marL="0" indent="0">
+              <a:buNone/>
+            </a:pPr>
+            <a:r>
+              <a:rPr lang="en-US" dirty="0" err="1" smtClean="0"/>
+              <a:t>risk_score</a:t>
+            </a:r>
+            <a:r>
+              <a:rPr lang="en-US" dirty="0" smtClean="0"/>
+              <a:t> </a:t>
+            </a:r>
+            <a:r>
+              <a:rPr lang="en-US" dirty="0"/>
+              <a:t>= </a:t>
+            </a:r>
+            <a:r>
+              <a:rPr lang="en-US" dirty="0" err="1"/>
+              <a:t>risk_score</a:t>
+            </a:r>
+            <a:r>
+              <a:rPr lang="en-US" dirty="0"/>
+              <a:t> +1  } else if    (homelessness == "homeless"){   </a:t>
+            </a:r>
+            <a:endParaRPr lang="en-US" dirty="0" smtClean="0"/>
+          </a:p>
+          <a:p>
+            <a:pPr marL="0" indent="0">
+              <a:buNone/>
+            </a:pPr>
+            <a:r>
+              <a:rPr lang="en-US" dirty="0" smtClean="0"/>
+              <a:t> </a:t>
+            </a:r>
+            <a:r>
+              <a:rPr lang="en-US" dirty="0" err="1"/>
+              <a:t>risk_score</a:t>
+            </a:r>
+            <a:r>
+              <a:rPr lang="en-US" dirty="0"/>
+              <a:t> &lt;- </a:t>
+            </a:r>
+            <a:r>
+              <a:rPr lang="en-US" dirty="0" err="1"/>
+              <a:t>risk_score</a:t>
+            </a:r>
+            <a:r>
+              <a:rPr lang="en-US" dirty="0"/>
+              <a:t> +3  } else if   (</a:t>
+            </a:r>
+            <a:r>
+              <a:rPr lang="en-US" dirty="0" err="1"/>
+              <a:t>AdmitCount</a:t>
+            </a:r>
+            <a:r>
+              <a:rPr lang="en-US" dirty="0"/>
+              <a:t> &gt;5) {    </a:t>
+            </a:r>
+            <a:endParaRPr lang="en-US" dirty="0" smtClean="0"/>
+          </a:p>
+          <a:p>
+            <a:pPr marL="0" indent="0">
+              <a:buNone/>
+            </a:pPr>
+            <a:r>
+              <a:rPr lang="en-US" dirty="0" err="1" smtClean="0"/>
+              <a:t>risk_score</a:t>
+            </a:r>
+            <a:r>
+              <a:rPr lang="en-US" dirty="0" smtClean="0"/>
+              <a:t> </a:t>
+            </a:r>
+            <a:r>
+              <a:rPr lang="en-US" dirty="0"/>
+              <a:t>= </a:t>
+            </a:r>
+            <a:r>
+              <a:rPr lang="en-US" dirty="0" err="1"/>
+              <a:t>risk_score</a:t>
+            </a:r>
+            <a:r>
+              <a:rPr lang="en-US" dirty="0"/>
+              <a:t> +5  } else if   (</a:t>
+            </a:r>
+            <a:r>
+              <a:rPr lang="en-US" dirty="0" err="1"/>
+              <a:t>AdmitCount</a:t>
+            </a:r>
+            <a:r>
+              <a:rPr lang="en-US" dirty="0"/>
+              <a:t> %in% c(1:4) ){    </a:t>
+            </a:r>
+            <a:endParaRPr lang="en-US" dirty="0" smtClean="0"/>
+          </a:p>
+          <a:p>
+            <a:pPr marL="0" indent="0">
+              <a:buNone/>
+            </a:pPr>
+            <a:r>
+              <a:rPr lang="en-US" dirty="0" err="1" smtClean="0"/>
+              <a:t>risk_score</a:t>
+            </a:r>
+            <a:r>
+              <a:rPr lang="en-US" dirty="0" smtClean="0"/>
+              <a:t> </a:t>
+            </a:r>
+            <a:r>
+              <a:rPr lang="en-US" dirty="0"/>
+              <a:t>= </a:t>
+            </a:r>
+            <a:r>
+              <a:rPr lang="en-US" dirty="0" err="1"/>
+              <a:t>risk_score</a:t>
+            </a:r>
+            <a:r>
+              <a:rPr lang="en-US" dirty="0"/>
+              <a:t> +2     </a:t>
+            </a:r>
+            <a:endParaRPr lang="en-US" dirty="0" smtClean="0"/>
+          </a:p>
+          <a:p>
+            <a:pPr marL="0" indent="0">
+              <a:buNone/>
+            </a:pPr>
+            <a:r>
+              <a:rPr lang="en-US" dirty="0" smtClean="0"/>
+              <a:t>  </a:t>
+            </a:r>
+            <a:r>
+              <a:rPr lang="en-US" dirty="0"/>
+              <a:t>}  </a:t>
+            </a:r>
+            <a:endParaRPr lang="en-US" dirty="0" smtClean="0"/>
+          </a:p>
+          <a:p>
+            <a:pPr marL="0" indent="0">
+              <a:buNone/>
+            </a:pPr>
+            <a:r>
+              <a:rPr lang="en-US" dirty="0" smtClean="0"/>
+              <a:t>}</a:t>
+            </a:r>
             <a:endParaRPr lang="en-US" dirty="0"/>
           </a:p>
         </p:txBody>
@@ -10530,7 +10889,7 @@
     </p:spTree>
     <p:extLst>
       <p:ext uri="{BB962C8B-B14F-4D97-AF65-F5344CB8AC3E}">
-        <p14:creationId xmlns:p14="http://schemas.microsoft.com/office/powerpoint/2010/main" val="1120554373"/>
+        <p14:creationId xmlns:p14="http://schemas.microsoft.com/office/powerpoint/2010/main" val="1447694171"/>
       </p:ext>
     </p:extLst>
   </p:cSld>
@@ -10580,13 +10939,10 @@
           <a:lstStyle/>
           <a:p>
             <a:r>
-              <a:rPr lang="en-US" dirty="0" smtClean="0"/>
-              <a:t>Sample function to get </a:t>
-            </a:r>
-            <a:r>
-              <a:rPr lang="en-US" dirty="0"/>
-              <a:t>prediction score </a:t>
-            </a:r>
+              <a:rPr lang="en-US" smtClean="0"/>
+              <a:t>Acknowledgement</a:t>
+            </a:r>
+            <a:endParaRPr lang="en-US"/>
           </a:p>
         </p:txBody>
       </p:sp>
@@ -10602,341 +10958,114 @@
         </p:nvSpPr>
         <p:spPr>
           <a:xfrm>
-            <a:off x="685801" y="1691014"/>
-            <a:ext cx="10131425" cy="5010411"/>
+            <a:off x="685801" y="2065867"/>
+            <a:ext cx="10131425" cy="3235890"/>
           </a:xfrm>
         </p:spPr>
         <p:txBody>
-          <a:bodyPr>
-            <a:normAutofit lnSpcReduction="10000"/>
-          </a:bodyPr>
-          <a:lstStyle/>
-          <a:p>
-            <a:pPr marL="0" indent="0">
-              <a:buNone/>
+          <a:bodyPr/>
+          <a:lstStyle/>
+          <a:p>
+            <a:pPr>
+              <a:lnSpc>
+                <a:spcPct val="200000"/>
+              </a:lnSpc>
             </a:pPr>
             <a:r>
-              <a:rPr lang="en-US" dirty="0" err="1" smtClean="0"/>
-              <a:t>riskcalculation</a:t>
-            </a:r>
-            <a:r>
-              <a:rPr lang="en-US" dirty="0" smtClean="0"/>
-              <a:t> </a:t>
-            </a:r>
-            <a:r>
-              <a:rPr lang="en-US" dirty="0"/>
-              <a:t>&lt;-function(){  </a:t>
-            </a:r>
-            <a:endParaRPr lang="en-US" dirty="0" smtClean="0"/>
-          </a:p>
-          <a:p>
-            <a:pPr marL="0" indent="0">
-              <a:buNone/>
-            </a:pPr>
-            <a:r>
-              <a:rPr lang="en-US" dirty="0" err="1" smtClean="0"/>
-              <a:t>risk_score</a:t>
-            </a:r>
-            <a:r>
-              <a:rPr lang="en-US" dirty="0" smtClean="0"/>
-              <a:t> </a:t>
-            </a:r>
-            <a:r>
-              <a:rPr lang="en-US" dirty="0"/>
-              <a:t>= 0 </a:t>
-            </a:r>
-            <a:endParaRPr lang="en-US" dirty="0" smtClean="0"/>
-          </a:p>
-          <a:p>
-            <a:pPr marL="0" indent="0">
-              <a:buNone/>
-            </a:pPr>
-            <a:r>
-              <a:rPr lang="en-US" dirty="0" smtClean="0"/>
-              <a:t> </a:t>
-            </a:r>
-            <a:r>
-              <a:rPr lang="en-US" dirty="0"/>
-              <a:t>if (</a:t>
-            </a:r>
-            <a:r>
-              <a:rPr lang="en-US" dirty="0" err="1"/>
-              <a:t>tot_len_of_stay</a:t>
-            </a:r>
-            <a:r>
-              <a:rPr lang="en-US" dirty="0"/>
-              <a:t> &gt;= 5){   </a:t>
-            </a:r>
-            <a:endParaRPr lang="en-US" dirty="0" smtClean="0"/>
-          </a:p>
-          <a:p>
-            <a:pPr marL="0" indent="0">
-              <a:buNone/>
-            </a:pPr>
-            <a:r>
-              <a:rPr lang="en-US" dirty="0" smtClean="0"/>
-              <a:t> </a:t>
-            </a:r>
-            <a:r>
-              <a:rPr lang="en-US" dirty="0" err="1"/>
-              <a:t>risk_score</a:t>
-            </a:r>
-            <a:r>
-              <a:rPr lang="en-US" dirty="0"/>
-              <a:t> &lt;- </a:t>
-            </a:r>
-            <a:r>
-              <a:rPr lang="en-US" dirty="0" err="1"/>
-              <a:t>risk_score</a:t>
-            </a:r>
-            <a:r>
-              <a:rPr lang="en-US" dirty="0"/>
-              <a:t> +2  } else if (</a:t>
-            </a:r>
-            <a:r>
-              <a:rPr lang="en-US" dirty="0" err="1"/>
-              <a:t>dx_group</a:t>
-            </a:r>
-            <a:r>
-              <a:rPr lang="en-US" dirty="0"/>
-              <a:t> %in% c("digestive </a:t>
-            </a:r>
-            <a:r>
-              <a:rPr lang="en-US" dirty="0" err="1"/>
-              <a:t>system","circulatory</a:t>
+              <a:rPr lang="en-US" dirty="0" smtClean="0"/>
+              <a:t>Patricia Francis Lyon, Assistant Professor, University of San Francisco.</a:t>
+            </a:r>
+          </a:p>
+          <a:p>
+            <a:r>
+              <a:rPr lang="en-US" dirty="0" smtClean="0"/>
+              <a:t>Tina Lee,</a:t>
             </a:r>
             <a:r>
               <a:rPr lang="en-US" dirty="0"/>
               <a:t> </a:t>
             </a:r>
             <a:r>
-              <a:rPr lang="en-US" dirty="0" err="1"/>
-              <a:t>system","circulatory</a:t>
+              <a:rPr lang="en-US" dirty="0" smtClean="0"/>
+              <a:t>Director Metrics</a:t>
             </a:r>
             <a:r>
               <a:rPr lang="en-US" dirty="0"/>
-              <a:t> and respiratory </a:t>
-            </a:r>
-            <a:r>
-              <a:rPr lang="en-US" dirty="0" err="1"/>
-              <a:t>systems","respiratory</a:t>
+              <a:t>, Analytics and Data </a:t>
+            </a:r>
+            <a:r>
+              <a:rPr lang="en-US" dirty="0" smtClean="0"/>
+              <a:t>Integration, DPH.</a:t>
+            </a:r>
+          </a:p>
+          <a:p>
+            <a:r>
+              <a:rPr lang="en-US" dirty="0" err="1" smtClean="0"/>
+              <a:t>Vijayanand</a:t>
+            </a:r>
+            <a:r>
+              <a:rPr lang="en-US" dirty="0" smtClean="0"/>
+              <a:t> </a:t>
+            </a:r>
+            <a:r>
+              <a:rPr lang="en-US" dirty="0" err="1" smtClean="0"/>
+              <a:t>Pawar</a:t>
+            </a:r>
+            <a:r>
+              <a:rPr lang="en-US" dirty="0" smtClean="0"/>
+              <a:t>,</a:t>
+            </a:r>
+            <a:r>
+              <a:rPr lang="en-US" dirty="0"/>
+              <a:t> IS Business Analyst </a:t>
+            </a:r>
+            <a:r>
+              <a:rPr lang="en-US" dirty="0" smtClean="0"/>
+              <a:t>Principal, DPH.</a:t>
+            </a:r>
+          </a:p>
+          <a:p>
+            <a:r>
+              <a:rPr lang="en-US" dirty="0" smtClean="0"/>
+              <a:t>Carine Rompante,</a:t>
             </a:r>
             <a:r>
               <a:rPr lang="en-US" dirty="0"/>
               <a:t> </a:t>
             </a:r>
             <a:r>
-              <a:rPr lang="en-US" dirty="0" err="1"/>
-              <a:t>system","skin</a:t>
+              <a:rPr lang="en-US" dirty="0" smtClean="0"/>
+              <a:t>Senior IS </a:t>
             </a:r>
             <a:r>
               <a:rPr lang="en-US" dirty="0"/>
-              <a:t> and subcutaneous tissue")){    </a:t>
-            </a:r>
-            <a:endParaRPr lang="en-US" dirty="0" smtClean="0"/>
-          </a:p>
-          <a:p>
-            <a:pPr marL="0" indent="0">
-              <a:buNone/>
-            </a:pPr>
-            <a:r>
-              <a:rPr lang="en-US" dirty="0" err="1" smtClean="0"/>
-              <a:t>risk_score</a:t>
-            </a:r>
-            <a:r>
-              <a:rPr lang="en-US" dirty="0" smtClean="0"/>
-              <a:t> </a:t>
-            </a:r>
+              <a:t>Business Analyst </a:t>
+            </a:r>
+            <a:r>
+              <a:rPr lang="en-US" dirty="0" smtClean="0"/>
+              <a:t>, </a:t>
+            </a:r>
+            <a:r>
+              <a:rPr lang="en-US" dirty="0" smtClean="0"/>
+              <a:t>DPH.</a:t>
+            </a:r>
+          </a:p>
+          <a:p>
             <a:r>
               <a:rPr lang="en-US" dirty="0"/>
-              <a:t>= </a:t>
-            </a:r>
-            <a:r>
-              <a:rPr lang="en-US" dirty="0" err="1"/>
-              <a:t>risk_score</a:t>
+              <a:t>Steve </a:t>
+            </a:r>
+            <a:r>
+              <a:rPr lang="en-US" dirty="0" smtClean="0"/>
+              <a:t>Solnit, </a:t>
             </a:r>
             <a:r>
               <a:rPr lang="en-US" dirty="0"/>
-              <a:t> +2  } else if (</a:t>
-            </a:r>
-            <a:r>
-              <a:rPr lang="en-US" dirty="0" err="1"/>
-              <a:t>Hb</a:t>
-            </a:r>
-            <a:r>
-              <a:rPr lang="en-US" dirty="0"/>
-              <a:t> &lt; 12) {    </a:t>
-            </a:r>
-            <a:endParaRPr lang="en-US" dirty="0" smtClean="0"/>
-          </a:p>
-          <a:p>
-            <a:pPr marL="0" indent="0">
-              <a:buNone/>
-            </a:pPr>
-            <a:r>
-              <a:rPr lang="en-US" dirty="0" err="1" smtClean="0"/>
-              <a:t>risk_score</a:t>
-            </a:r>
-            <a:r>
-              <a:rPr lang="en-US" dirty="0" smtClean="0"/>
-              <a:t> </a:t>
-            </a:r>
-            <a:r>
-              <a:rPr lang="en-US" dirty="0"/>
-              <a:t>= </a:t>
-            </a:r>
-            <a:r>
-              <a:rPr lang="en-US" dirty="0" err="1"/>
-              <a:t>risk_score</a:t>
-            </a:r>
-            <a:r>
-              <a:rPr lang="en-US" dirty="0"/>
-              <a:t> +1  } else if  (Na &lt; 135){   </a:t>
-            </a:r>
-            <a:endParaRPr lang="en-US" dirty="0" smtClean="0"/>
-          </a:p>
-          <a:p>
-            <a:pPr marL="0" indent="0">
-              <a:buNone/>
-            </a:pPr>
-            <a:r>
-              <a:rPr lang="en-US" dirty="0" err="1" smtClean="0"/>
-              <a:t>risk_score</a:t>
-            </a:r>
-            <a:r>
-              <a:rPr lang="en-US" dirty="0" smtClean="0"/>
-              <a:t> </a:t>
-            </a:r>
-            <a:r>
-              <a:rPr lang="en-US" dirty="0"/>
-              <a:t>= </a:t>
-            </a:r>
-            <a:r>
-              <a:rPr lang="en-US" dirty="0" err="1"/>
-              <a:t>risk_score</a:t>
-            </a:r>
-            <a:r>
-              <a:rPr lang="en-US" dirty="0"/>
-              <a:t> +1  } else if    (homelessness == "homeless"){   </a:t>
-            </a:r>
-            <a:endParaRPr lang="en-US" dirty="0" smtClean="0"/>
-          </a:p>
-          <a:p>
-            <a:pPr marL="0" indent="0">
-              <a:buNone/>
-            </a:pPr>
-            <a:r>
-              <a:rPr lang="en-US" dirty="0" smtClean="0"/>
-              <a:t> </a:t>
-            </a:r>
-            <a:r>
-              <a:rPr lang="en-US" dirty="0" err="1"/>
-              <a:t>risk_score</a:t>
-            </a:r>
-            <a:r>
-              <a:rPr lang="en-US" dirty="0"/>
-              <a:t> &lt;- </a:t>
-            </a:r>
-            <a:r>
-              <a:rPr lang="en-US" dirty="0" err="1"/>
-              <a:t>risk_score</a:t>
-            </a:r>
-            <a:r>
-              <a:rPr lang="en-US" dirty="0"/>
-              <a:t> +3  } else if   (</a:t>
-            </a:r>
-            <a:r>
-              <a:rPr lang="en-US" dirty="0" err="1"/>
-              <a:t>AdmitCount</a:t>
-            </a:r>
-            <a:r>
-              <a:rPr lang="en-US" dirty="0"/>
-              <a:t> &gt;5) {    </a:t>
-            </a:r>
-            <a:endParaRPr lang="en-US" dirty="0" smtClean="0"/>
-          </a:p>
-          <a:p>
-            <a:pPr marL="0" indent="0">
-              <a:buNone/>
-            </a:pPr>
-            <a:r>
-              <a:rPr lang="en-US" dirty="0" err="1" smtClean="0"/>
-              <a:t>risk_score</a:t>
-            </a:r>
-            <a:r>
-              <a:rPr lang="en-US" dirty="0" smtClean="0"/>
-              <a:t> </a:t>
-            </a:r>
-            <a:r>
-              <a:rPr lang="en-US" dirty="0"/>
-              <a:t>= </a:t>
-            </a:r>
-            <a:r>
-              <a:rPr lang="en-US" dirty="0" err="1"/>
-              <a:t>risk_score</a:t>
-            </a:r>
-            <a:r>
-              <a:rPr lang="en-US" dirty="0"/>
-              <a:t> +5  } else if   (</a:t>
-            </a:r>
-            <a:r>
-              <a:rPr lang="en-US" dirty="0" err="1"/>
-              <a:t>AdmitCount</a:t>
-            </a:r>
-            <a:r>
-              <a:rPr lang="en-US" dirty="0"/>
-              <a:t> %in% c(1:4) ){    </a:t>
-            </a:r>
-            <a:endParaRPr lang="en-US" dirty="0" smtClean="0"/>
-          </a:p>
-          <a:p>
-            <a:pPr marL="0" indent="0">
-              <a:buNone/>
-            </a:pPr>
-            <a:r>
-              <a:rPr lang="en-US" dirty="0" err="1" smtClean="0"/>
-              <a:t>risk_score</a:t>
-            </a:r>
-            <a:r>
-              <a:rPr lang="en-US" dirty="0" smtClean="0"/>
-              <a:t> </a:t>
-            </a:r>
-            <a:r>
-              <a:rPr lang="en-US" dirty="0"/>
-              <a:t>= </a:t>
-            </a:r>
-            <a:r>
-              <a:rPr lang="en-US" dirty="0" err="1"/>
-              <a:t>risk_score</a:t>
-            </a:r>
-            <a:r>
-              <a:rPr lang="en-US" dirty="0"/>
-              <a:t> +2     </a:t>
-            </a:r>
-            <a:endParaRPr lang="en-US" dirty="0" smtClean="0"/>
-          </a:p>
-          <a:p>
-            <a:pPr marL="0" indent="0">
-              <a:buNone/>
-            </a:pPr>
-            <a:r>
-              <a:rPr lang="en-US" dirty="0" smtClean="0"/>
-              <a:t>  </a:t>
-            </a:r>
-            <a:r>
-              <a:rPr lang="en-US" dirty="0"/>
-              <a:t>}  </a:t>
-            </a:r>
-            <a:endParaRPr lang="en-US" dirty="0" smtClean="0"/>
-          </a:p>
-          <a:p>
-            <a:pPr marL="0" indent="0">
-              <a:buNone/>
-            </a:pPr>
-            <a:r>
-              <a:rPr lang="en-US" dirty="0" smtClean="0"/>
-              <a:t>}</a:t>
-            </a:r>
+              <a:t>IS Business Analyst Principal, DPH.</a:t>
+            </a:r>
+            <a:endParaRPr lang="en-US" dirty="0"/>
+          </a:p>
+          <a:p>
             <a:endParaRPr lang="en-US" dirty="0"/>
           </a:p>
         </p:txBody>
@@ -10944,7 +11073,7 @@
     </p:spTree>
     <p:extLst>
       <p:ext uri="{BB962C8B-B14F-4D97-AF65-F5344CB8AC3E}">
-        <p14:creationId xmlns:p14="http://schemas.microsoft.com/office/powerpoint/2010/main" val="1447694171"/>
+        <p14:creationId xmlns:p14="http://schemas.microsoft.com/office/powerpoint/2010/main" val="102474573"/>
       </p:ext>
     </p:extLst>
   </p:cSld>
@@ -10988,127 +11117,31 @@
             <p:ph type="title"/>
           </p:nvPr>
         </p:nvSpPr>
-        <p:spPr/>
-        <p:txBody>
-          <a:bodyPr/>
-          <a:lstStyle/>
-          <a:p>
-            <a:r>
-              <a:rPr lang="en-US" smtClean="0"/>
-              <a:t>Acknowledgement</a:t>
-            </a:r>
-            <a:endParaRPr lang="en-US"/>
-          </a:p>
-        </p:txBody>
-      </p:sp>
-      <p:sp>
-        <p:nvSpPr>
-          <p:cNvPr id="3" name="Content Placeholder 2"/>
-          <p:cNvSpPr>
-            <a:spLocks noGrp="1"/>
-          </p:cNvSpPr>
-          <p:nvPr>
-            <p:ph idx="1"/>
-          </p:nvPr>
-        </p:nvSpPr>
         <p:spPr>
           <a:xfrm>
-            <a:off x="685801" y="2065867"/>
-            <a:ext cx="10131425" cy="3235890"/>
+            <a:off x="948847" y="2626291"/>
+            <a:ext cx="10131425" cy="1456267"/>
           </a:xfrm>
         </p:spPr>
         <p:txBody>
-          <a:bodyPr/>
-          <a:lstStyle/>
-          <a:p>
-            <a:pPr>
-              <a:lnSpc>
-                <a:spcPct val="200000"/>
-              </a:lnSpc>
-            </a:pPr>
-            <a:r>
-              <a:rPr lang="en-US" dirty="0" smtClean="0"/>
-              <a:t>Patricia Francis Lyon, Assistant Professor, University of San Francisco.</a:t>
-            </a:r>
-          </a:p>
-          <a:p>
-            <a:r>
-              <a:rPr lang="en-US" dirty="0" smtClean="0"/>
-              <a:t>Tina Lee,</a:t>
-            </a:r>
-            <a:r>
-              <a:rPr lang="en-US" dirty="0"/>
-              <a:t> </a:t>
-            </a:r>
-            <a:r>
-              <a:rPr lang="en-US" dirty="0" smtClean="0"/>
-              <a:t>Director Metrics</a:t>
-            </a:r>
-            <a:r>
-              <a:rPr lang="en-US" dirty="0"/>
-              <a:t>, Analytics and Data </a:t>
-            </a:r>
-            <a:r>
-              <a:rPr lang="en-US" dirty="0" smtClean="0"/>
-              <a:t>Integration, DPH.</a:t>
-            </a:r>
-          </a:p>
-          <a:p>
-            <a:r>
-              <a:rPr lang="en-US" dirty="0" smtClean="0"/>
-              <a:t>Vijayanand Pawer,</a:t>
-            </a:r>
-            <a:r>
-              <a:rPr lang="en-US" dirty="0"/>
-              <a:t> IS Business Analyst </a:t>
-            </a:r>
-            <a:r>
-              <a:rPr lang="en-US" dirty="0" smtClean="0"/>
-              <a:t>Principal, DPH.</a:t>
-            </a:r>
-          </a:p>
-          <a:p>
-            <a:r>
-              <a:rPr lang="en-US" dirty="0" smtClean="0"/>
-              <a:t>Carine Rompante,</a:t>
-            </a:r>
-            <a:r>
-              <a:rPr lang="en-US" dirty="0"/>
-              <a:t> IS Business Analyst </a:t>
-            </a:r>
-            <a:r>
-              <a:rPr lang="en-US" dirty="0" smtClean="0"/>
-              <a:t>Principal, </a:t>
-            </a:r>
-            <a:r>
-              <a:rPr lang="en-US" dirty="0" smtClean="0"/>
-              <a:t>DPH</a:t>
-            </a:r>
-            <a:r>
-              <a:rPr lang="en-US" dirty="0" smtClean="0"/>
-              <a:t>.</a:t>
-            </a:r>
-          </a:p>
-          <a:p>
-            <a:r>
-              <a:rPr lang="en-US" dirty="0"/>
-              <a:t>Steve </a:t>
-            </a:r>
-            <a:r>
-              <a:rPr lang="en-US" dirty="0" smtClean="0"/>
-              <a:t>Solnit, DPH.</a:t>
-            </a:r>
-            <a:endParaRPr lang="en-US" dirty="0"/>
-          </a:p>
-          <a:p>
-            <a:endParaRPr lang="en-US" dirty="0"/>
+          <a:bodyPr>
+            <a:normAutofit/>
+          </a:bodyPr>
+          <a:lstStyle/>
+          <a:p>
+            <a:pPr algn="ctr"/>
+            <a:r>
+              <a:rPr lang="en-US" sz="5400" smtClean="0"/>
+              <a:t>Thank you</a:t>
+            </a:r>
+            <a:endParaRPr lang="en-US" sz="5400"/>
           </a:p>
         </p:txBody>
       </p:sp>
     </p:spTree>
     <p:extLst>
       <p:ext uri="{BB962C8B-B14F-4D97-AF65-F5344CB8AC3E}">
-        <p14:creationId xmlns:p14="http://schemas.microsoft.com/office/powerpoint/2010/main" val="102474573"/>
+        <p14:creationId xmlns:p14="http://schemas.microsoft.com/office/powerpoint/2010/main" val="1884002374"/>
       </p:ext>
     </p:extLst>
   </p:cSld>
@@ -11149,135 +11182,60 @@
             <a:spLocks noGrp="1"/>
           </p:cNvSpPr>
           <p:nvPr>
-            <p:ph type="ctrTitle"/>
-          </p:nvPr>
-        </p:nvSpPr>
-        <p:spPr>
-          <a:xfrm>
-            <a:off x="3691467" y="1405467"/>
-            <a:ext cx="7468658" cy="2980264"/>
-          </a:xfrm>
-        </p:spPr>
-        <p:txBody>
-          <a:bodyPr>
-            <a:normAutofit fontScale="90000"/>
-          </a:bodyPr>
+            <p:ph type="title"/>
+          </p:nvPr>
+        </p:nvSpPr>
+        <p:spPr/>
+        <p:txBody>
+          <a:bodyPr/>
           <a:lstStyle/>
           <a:p>
             <a:r>
               <a:rPr lang="en-US" dirty="0"/>
-              <a:t>A Model to Predict 30-Day Hospital Readmission of Patients in San Francisco General Hospital</a:t>
-            </a:r>
-          </a:p>
-        </p:txBody>
-      </p:sp>
-      <p:sp>
-        <p:nvSpPr>
-          <p:cNvPr id="3" name="Subtitle 2"/>
-          <p:cNvSpPr>
-            <a:spLocks noGrp="1"/>
-          </p:cNvSpPr>
-          <p:nvPr>
-            <p:ph type="subTitle" idx="1"/>
+              <a:t>objective</a:t>
+            </a:r>
+          </a:p>
+        </p:txBody>
+      </p:sp>
+      <p:sp>
+        <p:nvSpPr>
+          <p:cNvPr id="3" name="Content Placeholder 2"/>
+          <p:cNvSpPr>
+            <a:spLocks noGrp="1"/>
+          </p:cNvSpPr>
+          <p:nvPr>
+            <p:ph idx="1"/>
           </p:nvPr>
         </p:nvSpPr>
         <p:spPr/>
         <p:txBody>
-          <a:bodyPr>
-            <a:normAutofit/>
-          </a:bodyPr>
-          <a:lstStyle/>
-          <a:p>
-            <a:r>
-              <a:rPr lang="en-US" dirty="0" smtClean="0"/>
-              <a:t>USING   </a:t>
-            </a:r>
-            <a:r>
-              <a:rPr lang="en-US" sz="4400" dirty="0" smtClean="0"/>
-              <a:t>R</a:t>
-            </a:r>
-          </a:p>
-          <a:p>
-            <a:r>
-              <a:rPr lang="en-US" sz="2000" dirty="0" smtClean="0"/>
-              <a:t>A K M Tanzir HASAN</a:t>
-            </a:r>
-            <a:endParaRPr lang="en-US" sz="2000" dirty="0"/>
+          <a:bodyPr/>
+          <a:lstStyle/>
+          <a:p>
+            <a:pPr>
+              <a:lnSpc>
+                <a:spcPct val="200000"/>
+              </a:lnSpc>
+            </a:pPr>
+            <a:r>
+              <a:rPr lang="en-US" dirty="0"/>
+              <a:t>The objective of the study </a:t>
+            </a:r>
+            <a:r>
+              <a:rPr lang="en-US" dirty="0" smtClean="0"/>
+              <a:t>was </a:t>
+            </a:r>
+            <a:r>
+              <a:rPr lang="en-US" dirty="0"/>
+              <a:t>to drive a prediction model for 30-day hospital readmission using administrative and clinical data.</a:t>
+            </a:r>
           </a:p>
         </p:txBody>
       </p:sp>
     </p:spTree>
     <p:extLst>
       <p:ext uri="{BB962C8B-B14F-4D97-AF65-F5344CB8AC3E}">
-        <p14:creationId xmlns:p14="http://schemas.microsoft.com/office/powerpoint/2010/main" val="160952201"/>
-      </p:ext>
-    </p:extLst>
-  </p:cSld>
-  <p:clrMapOvr>
-    <a:masterClrMapping/>
-  </p:clrMapOvr>
-  <p:timing>
-    <p:tnLst>
-      <p:par>
-        <p:cTn id="1" dur="indefinite" restart="never" nodeType="tmRoot"/>
-      </p:par>
-    </p:tnLst>
-  </p:timing>
-</p:sld>
-</file>
-
-<file path=ppt/slides/slide40.xml><?xml version="1.0" encoding="utf-8"?>
-<p:sld xmlns:a="http://schemas.openxmlformats.org/drawingml/2006/main" xmlns:r="http://schemas.openxmlformats.org/officeDocument/2006/relationships" xmlns:p="http://schemas.openxmlformats.org/presentationml/2006/main">
-  <p:cSld>
-    <p:spTree>
-      <p:nvGrpSpPr>
-        <p:cNvPr id="1" name=""/>
-        <p:cNvGrpSpPr/>
-        <p:nvPr/>
-      </p:nvGrpSpPr>
-      <p:grpSpPr>
-        <a:xfrm>
-          <a:off x="0" y="0"/>
-          <a:ext cx="0" cy="0"/>
-          <a:chOff x="0" y="0"/>
-          <a:chExt cx="0" cy="0"/>
-        </a:xfrm>
-      </p:grpSpPr>
-      <p:sp>
-        <p:nvSpPr>
-          <p:cNvPr id="2" name="Title 1"/>
-          <p:cNvSpPr>
-            <a:spLocks noGrp="1"/>
-          </p:cNvSpPr>
-          <p:nvPr>
-            <p:ph type="title"/>
-          </p:nvPr>
-        </p:nvSpPr>
-        <p:spPr>
-          <a:xfrm>
-            <a:off x="948847" y="2626291"/>
-            <a:ext cx="10131425" cy="1456267"/>
-          </a:xfrm>
-        </p:spPr>
-        <p:txBody>
-          <a:bodyPr>
-            <a:normAutofit/>
-          </a:bodyPr>
-          <a:lstStyle/>
-          <a:p>
-            <a:pPr algn="ctr"/>
-            <a:r>
-              <a:rPr lang="en-US" sz="5400" smtClean="0"/>
-              <a:t>Thank you</a:t>
-            </a:r>
-            <a:endParaRPr lang="en-US" sz="5400"/>
-          </a:p>
-        </p:txBody>
-      </p:sp>
-    </p:spTree>
-    <p:extLst>
-      <p:ext uri="{BB962C8B-B14F-4D97-AF65-F5344CB8AC3E}">
-        <p14:creationId xmlns:p14="http://schemas.microsoft.com/office/powerpoint/2010/main" val="1884002374"/>
+        <p14:creationId xmlns:p14="http://schemas.microsoft.com/office/powerpoint/2010/main" val="1491652340"/>
       </p:ext>
     </p:extLst>
   </p:cSld>
@@ -11327,9 +11285,10 @@
           <a:lstStyle/>
           <a:p>
             <a:r>
-              <a:rPr lang="en-US" dirty="0"/>
-              <a:t>objective</a:t>
-            </a:r>
+              <a:rPr lang="en-US" dirty="0" smtClean="0"/>
+              <a:t>What is readmission</a:t>
+            </a:r>
+            <a:endParaRPr lang="en-US" dirty="0"/>
           </a:p>
         </p:txBody>
       </p:sp>
@@ -11355,15 +11314,7 @@
             </a:pPr>
             <a:r>
               <a:rPr lang="en-US" dirty="0"/>
-              <a:t>The objective of the study </a:t>
-            </a:r>
-            <a:r>
-              <a:rPr lang="en-US" dirty="0" smtClean="0"/>
-              <a:t>was </a:t>
-            </a:r>
-            <a:r>
-              <a:rPr lang="en-US" dirty="0"/>
-              <a:t>to drive a prediction model for 30-day hospital readmission using administrative and clinical data.</a:t>
+              <a:t>Hospital readmission occurs when a patient is admitted to a hospital within a specified time period after being discharged from an earlier hospitalization.</a:t>
             </a:r>
           </a:p>
         </p:txBody>
@@ -11371,7 +11322,7 @@
     </p:spTree>
     <p:extLst>
       <p:ext uri="{BB962C8B-B14F-4D97-AF65-F5344CB8AC3E}">
-        <p14:creationId xmlns:p14="http://schemas.microsoft.com/office/powerpoint/2010/main" val="1491652340"/>
+        <p14:creationId xmlns:p14="http://schemas.microsoft.com/office/powerpoint/2010/main" val="1296572187"/>
       </p:ext>
     </p:extLst>
   </p:cSld>
@@ -11421,10 +11372,9 @@
           <a:lstStyle/>
           <a:p>
             <a:r>
-              <a:rPr lang="en-US" dirty="0" smtClean="0"/>
-              <a:t>What is readmission</a:t>
-            </a:r>
-            <a:endParaRPr lang="en-US" dirty="0"/>
+              <a:rPr lang="en-US" dirty="0"/>
+              <a:t>Scope of the Project</a:t>
+            </a:r>
           </a:p>
         </p:txBody>
       </p:sp>
@@ -11450,15 +11400,28 @@
             </a:pPr>
             <a:r>
               <a:rPr lang="en-US" dirty="0"/>
-              <a:t>Hospital readmission occurs when a patient is admitted to a hospital within a specified time period after being discharged from an earlier hospitalization.</a:t>
-            </a:r>
+              <a:t>T</a:t>
+            </a:r>
+            <a:r>
+              <a:rPr lang="en-US" dirty="0" smtClean="0"/>
+              <a:t>he </a:t>
+            </a:r>
+            <a:r>
+              <a:rPr lang="en-US" dirty="0"/>
+              <a:t>model will provide an easy means of identifying patients who may need more intensive transitional care interventions before discharge. Clinicians will be able to target transitional care interventions more efficiently and will be able to help hospitals reduce the readmission </a:t>
+            </a:r>
+            <a:r>
+              <a:rPr lang="en-US" dirty="0" smtClean="0"/>
+              <a:t>rate.</a:t>
+            </a:r>
+            <a:endParaRPr lang="en-US" dirty="0"/>
           </a:p>
         </p:txBody>
       </p:sp>
     </p:spTree>
     <p:extLst>
       <p:ext uri="{BB962C8B-B14F-4D97-AF65-F5344CB8AC3E}">
-        <p14:creationId xmlns:p14="http://schemas.microsoft.com/office/powerpoint/2010/main" val="1296572187"/>
+        <p14:creationId xmlns:p14="http://schemas.microsoft.com/office/powerpoint/2010/main" val="1977396332"/>
       </p:ext>
     </p:extLst>
   </p:cSld>
@@ -11508,9 +11471,10 @@
           <a:lstStyle/>
           <a:p>
             <a:r>
-              <a:rPr lang="en-US" dirty="0"/>
-              <a:t>Scope of the Project</a:t>
-            </a:r>
+              <a:rPr lang="en-US" dirty="0" smtClean="0"/>
+              <a:t>Methodology</a:t>
+            </a:r>
+            <a:endParaRPr lang="en-US" dirty="0"/>
           </a:p>
         </p:txBody>
       </p:sp>
@@ -11536,20 +11500,43 @@
             </a:pPr>
             <a:r>
               <a:rPr lang="en-US" dirty="0"/>
-              <a:t>Once completed, the model will provide an easy means of identifying patients who may need more intensive transitional care interventions before discharge. Clinicians will be able to target transitional care interventions more efficiently and will be able to help hospitals reduce the readmission </a:t>
-            </a:r>
-            <a:r>
-              <a:rPr lang="en-US" dirty="0" smtClean="0"/>
-              <a:t>rate.</a:t>
-            </a:r>
-            <a:endParaRPr lang="en-US" dirty="0"/>
+              <a:t>For this retrospective cohort study the patients who were discharged from San Francisco General Hospital between December 1, 2015 </a:t>
+            </a:r>
+            <a:r>
+              <a:rPr lang="en-US" dirty="0" smtClean="0"/>
+              <a:t>and December 31, </a:t>
+            </a:r>
+            <a:r>
+              <a:rPr lang="en-US" dirty="0" smtClean="0"/>
+              <a:t>2016 </a:t>
+            </a:r>
+            <a:r>
+              <a:rPr lang="en-US" dirty="0"/>
+              <a:t>were followed. The admission from </a:t>
+            </a:r>
+            <a:r>
+              <a:rPr lang="en-US" dirty="0" smtClean="0"/>
+              <a:t>January </a:t>
+            </a:r>
+            <a:r>
+              <a:rPr lang="en-US" dirty="0"/>
+              <a:t>1, </a:t>
+            </a:r>
+            <a:r>
+              <a:rPr lang="en-US" dirty="0" smtClean="0"/>
+              <a:t>2016 </a:t>
+            </a:r>
+            <a:r>
+              <a:rPr lang="en-US" dirty="0"/>
+              <a:t>to December 31, 2016 were followed for any readmission within 30 days.</a:t>
+            </a:r>
           </a:p>
         </p:txBody>
       </p:sp>
     </p:spTree>
     <p:extLst>
       <p:ext uri="{BB962C8B-B14F-4D97-AF65-F5344CB8AC3E}">
-        <p14:creationId xmlns:p14="http://schemas.microsoft.com/office/powerpoint/2010/main" val="1977396332"/>
+        <p14:creationId xmlns:p14="http://schemas.microsoft.com/office/powerpoint/2010/main" val="2080214258"/>
       </p:ext>
     </p:extLst>
   </p:cSld>
@@ -11600,7 +11587,7 @@
           <a:p>
             <a:r>
               <a:rPr lang="en-US" dirty="0" smtClean="0"/>
-              <a:t>Methodology</a:t>
+              <a:t>Exclusion criteria </a:t>
             </a:r>
             <a:endParaRPr lang="en-US" dirty="0"/>
           </a:p>
@@ -11628,23 +11615,50 @@
             </a:pPr>
             <a:r>
               <a:rPr lang="en-US" dirty="0"/>
-              <a:t>For this retrospective cohort study the patients who were discharged from San Francisco General Hospital between December 1, 2015 and November 30</a:t>
-            </a:r>
-            <a:r>
-              <a:rPr lang="en-US" dirty="0" smtClean="0"/>
-              <a:t>, 2016 </a:t>
-            </a:r>
+              <a:t>The patients who's admission type was Labor &amp; Delivery were excluded from the study</a:t>
+            </a:r>
+            <a:r>
+              <a:rPr lang="en-US" dirty="0" smtClean="0"/>
+              <a:t>.</a:t>
+            </a:r>
+          </a:p>
+          <a:p>
+            <a:pPr>
+              <a:lnSpc>
+                <a:spcPct val="200000"/>
+              </a:lnSpc>
+            </a:pPr>
             <a:r>
               <a:rPr lang="en-US" dirty="0"/>
-              <a:t>were followed. The admission from December 1, 2015 to December 31, 2016 were followed for any readmission within 30 days.</a:t>
-            </a:r>
+              <a:t>A case was considered readmission only when the patient was admitted for the same medical condition</a:t>
+            </a:r>
+            <a:r>
+              <a:rPr lang="en-US" dirty="0" smtClean="0"/>
+              <a:t>.</a:t>
+            </a:r>
+          </a:p>
+          <a:p>
+            <a:pPr>
+              <a:lnSpc>
+                <a:spcPct val="200000"/>
+              </a:lnSpc>
+            </a:pPr>
+            <a:r>
+              <a:rPr lang="en-US" dirty="0"/>
+              <a:t>Transfer from one department to another or same day admission were also </a:t>
+            </a:r>
+            <a:r>
+              <a:rPr lang="en-US" dirty="0" smtClean="0"/>
+              <a:t>excluded.</a:t>
+            </a:r>
+            <a:endParaRPr lang="en-US" dirty="0"/>
           </a:p>
         </p:txBody>
       </p:sp>
     </p:spTree>
     <p:extLst>
       <p:ext uri="{BB962C8B-B14F-4D97-AF65-F5344CB8AC3E}">
-        <p14:creationId xmlns:p14="http://schemas.microsoft.com/office/powerpoint/2010/main" val="2080214258"/>
+        <p14:creationId xmlns:p14="http://schemas.microsoft.com/office/powerpoint/2010/main" val="1397565126"/>
       </p:ext>
     </p:extLst>
   </p:cSld>
@@ -11695,7 +11709,7 @@
           <a:p>
             <a:r>
               <a:rPr lang="en-US" dirty="0" smtClean="0"/>
-              <a:t>Exclusion criteria </a:t>
+              <a:t>Sample size  and character </a:t>
             </a:r>
             <a:endParaRPr lang="en-US" dirty="0"/>
           </a:p>
@@ -11722,12 +11736,8 @@
               </a:lnSpc>
             </a:pPr>
             <a:r>
-              <a:rPr lang="en-US" dirty="0"/>
-              <a:t>The patients who's admission type was Labor &amp; Delivery were excluded from the study</a:t>
-            </a:r>
-            <a:r>
-              <a:rPr lang="en-US" dirty="0" smtClean="0"/>
-              <a:t>.</a:t>
+              <a:rPr lang="en-US" dirty="0" smtClean="0"/>
+              <a:t>8786 patients were in the study cohort.</a:t>
             </a:r>
           </a:p>
           <a:p>
@@ -11737,12 +11747,8 @@
               </a:lnSpc>
             </a:pPr>
             <a:r>
-              <a:rPr lang="en-US" dirty="0"/>
-              <a:t>A case was considered readmission only when the patient was admitted for the same medical condition</a:t>
-            </a:r>
-            <a:r>
-              <a:rPr lang="en-US" dirty="0" smtClean="0"/>
-              <a:t>.</a:t>
+              <a:rPr lang="en-US" dirty="0" smtClean="0"/>
+              <a:t>Among the patients 3083 were female and 5703 were male</a:t>
             </a:r>
           </a:p>
           <a:p>
@@ -11752,12 +11758,43 @@
               </a:lnSpc>
             </a:pPr>
             <a:r>
+              <a:rPr lang="en-US" dirty="0" smtClean="0"/>
+              <a:t>The age of the patients were between 14 and 100 with mean age of 53</a:t>
+            </a:r>
+          </a:p>
+          <a:p>
+            <a:pPr>
+              <a:lnSpc>
+                <a:spcPct val="200000"/>
+              </a:lnSpc>
+            </a:pPr>
+            <a:r>
+              <a:rPr lang="en-US" dirty="0" smtClean="0"/>
+              <a:t>Among the patients 30.6% were White, 24.7% were  </a:t>
+            </a:r>
+            <a:r>
               <a:rPr lang="en-US" dirty="0"/>
-              <a:t>Transfer from one department to another or same day admission were also </a:t>
-            </a:r>
-            <a:r>
-              <a:rPr lang="en-US" dirty="0" smtClean="0"/>
-              <a:t>excluded.</a:t>
+              <a:t>African </a:t>
+            </a:r>
+            <a:r>
+              <a:rPr lang="en-US" dirty="0" smtClean="0"/>
+              <a:t>American, 25% other race, 16.7%               Asian, 1%  </a:t>
+            </a:r>
+            <a:r>
+              <a:rPr lang="en-US" dirty="0"/>
+              <a:t>American </a:t>
+            </a:r>
+            <a:r>
+              <a:rPr lang="en-US" dirty="0" smtClean="0"/>
+              <a:t>Indian, 1.6%  </a:t>
+            </a:r>
+            <a:r>
+              <a:rPr lang="en-US" dirty="0"/>
+              <a:t>Pacific </a:t>
+            </a:r>
+            <a:r>
+              <a:rPr lang="en-US" dirty="0" smtClean="0"/>
+              <a:t>Islander and rest declined to specify their race.</a:t>
             </a:r>
             <a:endParaRPr lang="en-US" dirty="0"/>
           </a:p>
@@ -11766,7 +11803,7 @@
     </p:spTree>
     <p:extLst>
       <p:ext uri="{BB962C8B-B14F-4D97-AF65-F5344CB8AC3E}">
-        <p14:creationId xmlns:p14="http://schemas.microsoft.com/office/powerpoint/2010/main" val="1397565126"/>
+        <p14:creationId xmlns:p14="http://schemas.microsoft.com/office/powerpoint/2010/main" val="1508441475"/>
       </p:ext>
     </p:extLst>
   </p:cSld>
